--- a/pt2/lectures/lecture5/lecture5.pptx
+++ b/pt2/lectures/lecture5/lecture5.pptx
@@ -845,7 +845,7 @@
           <a:p>
             <a:fld id="{68854FD7-F343-4A42-89E7-0EA4AA30A707}" type="datetimeFigureOut">
               <a:rPr lang="en-US" smtClean="0"/>
-              <a:t>11/12/2021</a:t>
+              <a:t>9/12/2022</a:t>
             </a:fld>
             <a:endParaRPr lang="en-US"/>
           </a:p>
@@ -1096,7 +1096,7 @@
           <a:p>
             <a:fld id="{68854FD7-F343-4A42-89E7-0EA4AA30A707}" type="datetimeFigureOut">
               <a:rPr lang="en-US" smtClean="0"/>
-              <a:t>11/12/2021</a:t>
+              <a:t>9/12/2022</a:t>
             </a:fld>
             <a:endParaRPr lang="en-US"/>
           </a:p>
@@ -1410,7 +1410,7 @@
           <a:p>
             <a:fld id="{68854FD7-F343-4A42-89E7-0EA4AA30A707}" type="datetimeFigureOut">
               <a:rPr lang="en-US" smtClean="0"/>
-              <a:t>11/12/2021</a:t>
+              <a:t>9/12/2022</a:t>
             </a:fld>
             <a:endParaRPr lang="en-US"/>
           </a:p>
@@ -1751,7 +1751,7 @@
           <a:p>
             <a:fld id="{68854FD7-F343-4A42-89E7-0EA4AA30A707}" type="datetimeFigureOut">
               <a:rPr lang="en-US" smtClean="0"/>
-              <a:t>11/12/2021</a:t>
+              <a:t>9/12/2022</a:t>
             </a:fld>
             <a:endParaRPr lang="en-US"/>
           </a:p>
@@ -2065,7 +2065,7 @@
           <a:p>
             <a:fld id="{68854FD7-F343-4A42-89E7-0EA4AA30A707}" type="datetimeFigureOut">
               <a:rPr lang="en-US" smtClean="0"/>
-              <a:t>11/12/2021</a:t>
+              <a:t>9/12/2022</a:t>
             </a:fld>
             <a:endParaRPr lang="en-US"/>
           </a:p>
@@ -2458,7 +2458,7 @@
           <a:p>
             <a:fld id="{68854FD7-F343-4A42-89E7-0EA4AA30A707}" type="datetimeFigureOut">
               <a:rPr lang="en-US" smtClean="0"/>
-              <a:t>11/12/2021</a:t>
+              <a:t>9/12/2022</a:t>
             </a:fld>
             <a:endParaRPr lang="en-US"/>
           </a:p>
@@ -2628,7 +2628,7 @@
           <a:p>
             <a:fld id="{68854FD7-F343-4A42-89E7-0EA4AA30A707}" type="datetimeFigureOut">
               <a:rPr lang="en-US" smtClean="0"/>
-              <a:t>11/12/2021</a:t>
+              <a:t>9/12/2022</a:t>
             </a:fld>
             <a:endParaRPr lang="en-US"/>
           </a:p>
@@ -2808,7 +2808,7 @@
           <a:p>
             <a:fld id="{68854FD7-F343-4A42-89E7-0EA4AA30A707}" type="datetimeFigureOut">
               <a:rPr lang="en-US" smtClean="0"/>
-              <a:t>11/12/2021</a:t>
+              <a:t>9/12/2022</a:t>
             </a:fld>
             <a:endParaRPr lang="en-US"/>
           </a:p>
@@ -2984,7 +2984,7 @@
           <a:p>
             <a:fld id="{68854FD7-F343-4A42-89E7-0EA4AA30A707}" type="datetimeFigureOut">
               <a:rPr lang="en-US" smtClean="0"/>
-              <a:t>11/12/2021</a:t>
+              <a:t>9/12/2022</a:t>
             </a:fld>
             <a:endParaRPr lang="en-US"/>
           </a:p>
@@ -3231,7 +3231,7 @@
           <a:p>
             <a:fld id="{68854FD7-F343-4A42-89E7-0EA4AA30A707}" type="datetimeFigureOut">
               <a:rPr lang="en-US" smtClean="0"/>
-              <a:t>11/12/2021</a:t>
+              <a:t>9/12/2022</a:t>
             </a:fld>
             <a:endParaRPr lang="en-US"/>
           </a:p>
@@ -3463,7 +3463,7 @@
           <a:p>
             <a:fld id="{68854FD7-F343-4A42-89E7-0EA4AA30A707}" type="datetimeFigureOut">
               <a:rPr lang="en-US" smtClean="0"/>
-              <a:t>11/12/2021</a:t>
+              <a:t>9/12/2022</a:t>
             </a:fld>
             <a:endParaRPr lang="en-US"/>
           </a:p>
@@ -3837,7 +3837,7 @@
           <a:p>
             <a:fld id="{68854FD7-F343-4A42-89E7-0EA4AA30A707}" type="datetimeFigureOut">
               <a:rPr lang="en-US" smtClean="0"/>
-              <a:t>11/12/2021</a:t>
+              <a:t>9/12/2022</a:t>
             </a:fld>
             <a:endParaRPr lang="en-US"/>
           </a:p>
@@ -3960,7 +3960,7 @@
           <a:p>
             <a:fld id="{68854FD7-F343-4A42-89E7-0EA4AA30A707}" type="datetimeFigureOut">
               <a:rPr lang="en-US" smtClean="0"/>
-              <a:t>11/12/2021</a:t>
+              <a:t>9/12/2022</a:t>
             </a:fld>
             <a:endParaRPr lang="en-US"/>
           </a:p>
@@ -4055,7 +4055,7 @@
           <a:p>
             <a:fld id="{68854FD7-F343-4A42-89E7-0EA4AA30A707}" type="datetimeFigureOut">
               <a:rPr lang="en-US" smtClean="0"/>
-              <a:t>11/12/2021</a:t>
+              <a:t>9/12/2022</a:t>
             </a:fld>
             <a:endParaRPr lang="en-US"/>
           </a:p>
@@ -4310,7 +4310,7 @@
           <a:p>
             <a:fld id="{68854FD7-F343-4A42-89E7-0EA4AA30A707}" type="datetimeFigureOut">
               <a:rPr lang="en-US" smtClean="0"/>
-              <a:t>11/12/2021</a:t>
+              <a:t>9/12/2022</a:t>
             </a:fld>
             <a:endParaRPr lang="en-US"/>
           </a:p>
@@ -4573,7 +4573,7 @@
           <a:p>
             <a:fld id="{68854FD7-F343-4A42-89E7-0EA4AA30A707}" type="datetimeFigureOut">
               <a:rPr lang="en-US" smtClean="0"/>
-              <a:t>11/12/2021</a:t>
+              <a:t>9/12/2022</a:t>
             </a:fld>
             <a:endParaRPr lang="en-US"/>
           </a:p>
@@ -5316,7 +5316,7 @@
           <a:p>
             <a:fld id="{68854FD7-F343-4A42-89E7-0EA4AA30A707}" type="datetimeFigureOut">
               <a:rPr lang="en-US" smtClean="0"/>
-              <a:t>11/12/2021</a:t>
+              <a:t>9/12/2022</a:t>
             </a:fld>
             <a:endParaRPr lang="en-US"/>
           </a:p>
@@ -5845,7 +5845,7 @@
           <p:cNvPr id="4" name="Title 1">
             <a:extLst>
               <a:ext uri="{FF2B5EF4-FFF2-40B4-BE49-F238E27FC236}">
-                <a16:creationId xmlns:a16="http://schemas.microsoft.com/office/drawing/2014/main" xmlns="" id="{13B2D513-0F9C-4439-A697-A295339863B6}"/>
+                <a16:creationId xmlns="" xmlns:a16="http://schemas.microsoft.com/office/drawing/2014/main" id="{13B2D513-0F9C-4439-A697-A295339863B6}"/>
               </a:ext>
             </a:extLst>
           </p:cNvPr>
@@ -5888,7 +5888,7 @@
           <p:cNvPr id="5" name="Subtitle 2">
             <a:extLst>
               <a:ext uri="{FF2B5EF4-FFF2-40B4-BE49-F238E27FC236}">
-                <a16:creationId xmlns:a16="http://schemas.microsoft.com/office/drawing/2014/main" xmlns="" id="{37C9EE23-73D5-41F8-AFFF-4BA477FCB643}"/>
+                <a16:creationId xmlns="" xmlns:a16="http://schemas.microsoft.com/office/drawing/2014/main" id="{37C9EE23-73D5-41F8-AFFF-4BA477FCB643}"/>
               </a:ext>
             </a:extLst>
           </p:cNvPr>
@@ -6243,7 +6243,7 @@
           <p:cNvPr id="4" name="Title 1">
             <a:extLst>
               <a:ext uri="{FF2B5EF4-FFF2-40B4-BE49-F238E27FC236}">
-                <a16:creationId xmlns:a16="http://schemas.microsoft.com/office/drawing/2014/main" xmlns="" id="{AB45E17C-D635-444C-9E6E-9F0B20ABC34B}"/>
+                <a16:creationId xmlns="" xmlns:a16="http://schemas.microsoft.com/office/drawing/2014/main" id="{AB45E17C-D635-444C-9E6E-9F0B20ABC34B}"/>
               </a:ext>
             </a:extLst>
           </p:cNvPr>
@@ -6602,7 +6602,7 @@
           <p:cNvPr id="2" name="Title 1">
             <a:extLst>
               <a:ext uri="{FF2B5EF4-FFF2-40B4-BE49-F238E27FC236}">
-                <a16:creationId xmlns:a16="http://schemas.microsoft.com/office/drawing/2014/main" xmlns="" id="{AB45E17C-D635-444C-9E6E-9F0B20ABC34B}"/>
+                <a16:creationId xmlns="" xmlns:a16="http://schemas.microsoft.com/office/drawing/2014/main" id="{AB45E17C-D635-444C-9E6E-9F0B20ABC34B}"/>
               </a:ext>
             </a:extLst>
           </p:cNvPr>
@@ -7446,15 +7446,7 @@
           <a:p>
             <a:r>
               <a:rPr lang="en-US" dirty="0" err="1" smtClean="0"/>
-              <a:t>O</a:t>
-            </a:r>
-            <a:r>
-              <a:rPr lang="en-US" dirty="0" err="1" smtClean="0"/>
-              <a:t>stream</a:t>
-            </a:r>
-            <a:r>
-              <a:rPr lang="en-US" dirty="0" err="1" smtClean="0"/>
-              <a:t>_iterator</a:t>
+              <a:t>Ostream_iterator</a:t>
             </a:r>
             <a:r>
               <a:rPr lang="en-US" dirty="0"/>
@@ -7477,7 +7469,7 @@
           <p:cNvPr id="4" name="Title 1">
             <a:extLst>
               <a:ext uri="{FF2B5EF4-FFF2-40B4-BE49-F238E27FC236}">
-                <a16:creationId xmlns:a16="http://schemas.microsoft.com/office/drawing/2014/main" xmlns="" id="{AB45E17C-D635-444C-9E6E-9F0B20ABC34B}"/>
+                <a16:creationId xmlns="" xmlns:a16="http://schemas.microsoft.com/office/drawing/2014/main" id="{AB45E17C-D635-444C-9E6E-9F0B20ABC34B}"/>
               </a:ext>
             </a:extLst>
           </p:cNvPr>
@@ -8365,7 +8357,7 @@
           <p:cNvPr id="5" name="Title 1">
             <a:extLst>
               <a:ext uri="{FF2B5EF4-FFF2-40B4-BE49-F238E27FC236}">
-                <a16:creationId xmlns:a16="http://schemas.microsoft.com/office/drawing/2014/main" xmlns="" id="{C60BD838-89F7-4CB1-8B5E-1D5AD5FDEA16}"/>
+                <a16:creationId xmlns="" xmlns:a16="http://schemas.microsoft.com/office/drawing/2014/main" id="{C60BD838-89F7-4CB1-8B5E-1D5AD5FDEA16}"/>
               </a:ext>
             </a:extLst>
           </p:cNvPr>
@@ -8675,7 +8667,7 @@
           <p:cNvPr id="4" name="Title 1">
             <a:extLst>
               <a:ext uri="{FF2B5EF4-FFF2-40B4-BE49-F238E27FC236}">
-                <a16:creationId xmlns:a16="http://schemas.microsoft.com/office/drawing/2014/main" xmlns="" id="{C60BD838-89F7-4CB1-8B5E-1D5AD5FDEA16}"/>
+                <a16:creationId xmlns="" xmlns:a16="http://schemas.microsoft.com/office/drawing/2014/main" id="{C60BD838-89F7-4CB1-8B5E-1D5AD5FDEA16}"/>
               </a:ext>
             </a:extLst>
           </p:cNvPr>
@@ -10944,7 +10936,7 @@
           <p:cNvPr id="4" name="Title 1">
             <a:extLst>
               <a:ext uri="{FF2B5EF4-FFF2-40B4-BE49-F238E27FC236}">
-                <a16:creationId xmlns:a16="http://schemas.microsoft.com/office/drawing/2014/main" xmlns="" id="{C60BD838-89F7-4CB1-8B5E-1D5AD5FDEA16}"/>
+                <a16:creationId xmlns="" xmlns:a16="http://schemas.microsoft.com/office/drawing/2014/main" id="{C60BD838-89F7-4CB1-8B5E-1D5AD5FDEA16}"/>
               </a:ext>
             </a:extLst>
           </p:cNvPr>
@@ -11085,7 +11077,7 @@
           <p:cNvPr id="7" name="Picture 3">
             <a:extLst>
               <a:ext uri="{FF2B5EF4-FFF2-40B4-BE49-F238E27FC236}">
-                <a16:creationId xmlns:a16="http://schemas.microsoft.com/office/drawing/2014/main" xmlns="" id="{427BFC14-A2B9-4CB6-BE1C-0C70EF19CA05}"/>
+                <a16:creationId xmlns="" xmlns:a16="http://schemas.microsoft.com/office/drawing/2014/main" id="{427BFC14-A2B9-4CB6-BE1C-0C70EF19CA05}"/>
               </a:ext>
             </a:extLst>
           </p:cNvPr>
@@ -11144,7 +11136,7 @@
           <p:cNvPr id="4" name="Title 1">
             <a:extLst>
               <a:ext uri="{FF2B5EF4-FFF2-40B4-BE49-F238E27FC236}">
-                <a16:creationId xmlns:a16="http://schemas.microsoft.com/office/drawing/2014/main" xmlns="" id="{C60BD838-89F7-4CB1-8B5E-1D5AD5FDEA16}"/>
+                <a16:creationId xmlns="" xmlns:a16="http://schemas.microsoft.com/office/drawing/2014/main" id="{C60BD838-89F7-4CB1-8B5E-1D5AD5FDEA16}"/>
               </a:ext>
             </a:extLst>
           </p:cNvPr>
@@ -11273,7 +11265,7 @@
           <p:cNvPr id="12" name="Table 11">
             <a:extLst>
               <a:ext uri="{FF2B5EF4-FFF2-40B4-BE49-F238E27FC236}">
-                <a16:creationId xmlns:a16="http://schemas.microsoft.com/office/drawing/2014/main" xmlns="" id="{CCE7D441-96BC-4D6A-BE32-CEC98DB5865D}"/>
+                <a16:creationId xmlns="" xmlns:a16="http://schemas.microsoft.com/office/drawing/2014/main" id="{CCE7D441-96BC-4D6A-BE32-CEC98DB5865D}"/>
               </a:ext>
             </a:extLst>
           </p:cNvPr>
@@ -11302,28 +11294,28 @@
                 <a:gridCol w="3440783">
                   <a:extLst>
                     <a:ext uri="{9D8B030D-6E8A-4147-A177-3AD203B41FA5}">
-                      <a16:colId xmlns:a16="http://schemas.microsoft.com/office/drawing/2014/main" xmlns="" val="673896950"/>
+                      <a16:colId xmlns="" xmlns:a16="http://schemas.microsoft.com/office/drawing/2014/main" val="673896950"/>
                     </a:ext>
                   </a:extLst>
                 </a:gridCol>
                 <a:gridCol w="2554664">
                   <a:extLst>
                     <a:ext uri="{9D8B030D-6E8A-4147-A177-3AD203B41FA5}">
-                      <a16:colId xmlns:a16="http://schemas.microsoft.com/office/drawing/2014/main" xmlns="" val="3404116454"/>
+                      <a16:colId xmlns="" xmlns:a16="http://schemas.microsoft.com/office/drawing/2014/main" val="3404116454"/>
                     </a:ext>
                   </a:extLst>
                 </a:gridCol>
                 <a:gridCol w="2790334">
                   <a:extLst>
                     <a:ext uri="{9D8B030D-6E8A-4147-A177-3AD203B41FA5}">
-                      <a16:colId xmlns:a16="http://schemas.microsoft.com/office/drawing/2014/main" xmlns="" val="2546970233"/>
+                      <a16:colId xmlns="" xmlns:a16="http://schemas.microsoft.com/office/drawing/2014/main" val="2546970233"/>
                     </a:ext>
                   </a:extLst>
                 </a:gridCol>
                 <a:gridCol w="2686638">
                   <a:extLst>
                     <a:ext uri="{9D8B030D-6E8A-4147-A177-3AD203B41FA5}">
-                      <a16:colId xmlns:a16="http://schemas.microsoft.com/office/drawing/2014/main" xmlns="" val="1905818927"/>
+                      <a16:colId xmlns="" xmlns:a16="http://schemas.microsoft.com/office/drawing/2014/main" val="1905818927"/>
                     </a:ext>
                   </a:extLst>
                 </a:gridCol>
@@ -11387,7 +11379,7 @@
                 </a:tc>
                 <a:extLst>
                   <a:ext uri="{0D108BD9-81ED-4DB2-BD59-A6C34878D82A}">
-                    <a16:rowId xmlns:a16="http://schemas.microsoft.com/office/drawing/2014/main" xmlns="" val="3707840138"/>
+                    <a16:rowId xmlns="" xmlns:a16="http://schemas.microsoft.com/office/drawing/2014/main" val="3707840138"/>
                   </a:ext>
                 </a:extLst>
               </a:tr>
@@ -11554,7 +11546,7 @@
                 </a:tc>
                 <a:extLst>
                   <a:ext uri="{0D108BD9-81ED-4DB2-BD59-A6C34878D82A}">
-                    <a16:rowId xmlns:a16="http://schemas.microsoft.com/office/drawing/2014/main" xmlns="" val="541336909"/>
+                    <a16:rowId xmlns="" xmlns:a16="http://schemas.microsoft.com/office/drawing/2014/main" val="541336909"/>
                   </a:ext>
                 </a:extLst>
               </a:tr>
@@ -11671,7 +11663,7 @@
                 </a:tc>
                 <a:extLst>
                   <a:ext uri="{0D108BD9-81ED-4DB2-BD59-A6C34878D82A}">
-                    <a16:rowId xmlns:a16="http://schemas.microsoft.com/office/drawing/2014/main" xmlns="" val="2595382089"/>
+                    <a16:rowId xmlns="" xmlns:a16="http://schemas.microsoft.com/office/drawing/2014/main" val="2595382089"/>
                   </a:ext>
                 </a:extLst>
               </a:tr>
@@ -11825,7 +11817,7 @@
                 </a:tc>
                 <a:extLst>
                   <a:ext uri="{0D108BD9-81ED-4DB2-BD59-A6C34878D82A}">
-                    <a16:rowId xmlns:a16="http://schemas.microsoft.com/office/drawing/2014/main" xmlns="" val="1389121230"/>
+                    <a16:rowId xmlns="" xmlns:a16="http://schemas.microsoft.com/office/drawing/2014/main" val="1389121230"/>
                   </a:ext>
                 </a:extLst>
               </a:tr>
@@ -11954,7 +11946,7 @@
                 </a:tc>
                 <a:extLst>
                   <a:ext uri="{0D108BD9-81ED-4DB2-BD59-A6C34878D82A}">
-                    <a16:rowId xmlns:a16="http://schemas.microsoft.com/office/drawing/2014/main" xmlns="" val="4012556742"/>
+                    <a16:rowId xmlns="" xmlns:a16="http://schemas.microsoft.com/office/drawing/2014/main" val="4012556742"/>
                   </a:ext>
                 </a:extLst>
               </a:tr>
@@ -12244,7 +12236,7 @@
           <p:cNvPr id="3" name="Content Placeholder 2">
             <a:extLst>
               <a:ext uri="{FF2B5EF4-FFF2-40B4-BE49-F238E27FC236}">
-                <a16:creationId xmlns:a16="http://schemas.microsoft.com/office/drawing/2014/main" xmlns="" id="{26CEDBBB-DE92-40B8-B2B5-F45A320C25F4}"/>
+                <a16:creationId xmlns="" xmlns:a16="http://schemas.microsoft.com/office/drawing/2014/main" id="{26CEDBBB-DE92-40B8-B2B5-F45A320C25F4}"/>
               </a:ext>
             </a:extLst>
           </p:cNvPr>
@@ -12313,7 +12305,7 @@
           <p:cNvPr id="4" name="Title 1">
             <a:extLst>
               <a:ext uri="{FF2B5EF4-FFF2-40B4-BE49-F238E27FC236}">
-                <a16:creationId xmlns:a16="http://schemas.microsoft.com/office/drawing/2014/main" xmlns="" id="{65E8CEB3-E3E6-4768-8409-72F9C78EF2D5}"/>
+                <a16:creationId xmlns="" xmlns:a16="http://schemas.microsoft.com/office/drawing/2014/main" id="{65E8CEB3-E3E6-4768-8409-72F9C78EF2D5}"/>
               </a:ext>
             </a:extLst>
           </p:cNvPr>
@@ -12442,7 +12434,7 @@
           <p:cNvPr id="5" name="Picture 4">
             <a:extLst>
               <a:ext uri="{FF2B5EF4-FFF2-40B4-BE49-F238E27FC236}">
-                <a16:creationId xmlns:a16="http://schemas.microsoft.com/office/drawing/2014/main" xmlns="" id="{34A4F7A9-FB6D-4A56-A01D-FC2A9E6A3C9D}"/>
+                <a16:creationId xmlns="" xmlns:a16="http://schemas.microsoft.com/office/drawing/2014/main" id="{34A4F7A9-FB6D-4A56-A01D-FC2A9E6A3C9D}"/>
               </a:ext>
             </a:extLst>
           </p:cNvPr>
@@ -12472,7 +12464,7 @@
           <p:cNvPr id="6" name="Picture 5">
             <a:extLst>
               <a:ext uri="{FF2B5EF4-FFF2-40B4-BE49-F238E27FC236}">
-                <a16:creationId xmlns:a16="http://schemas.microsoft.com/office/drawing/2014/main" xmlns="" id="{F1E797CF-4454-4FBB-8EEA-F80C7C5FD663}"/>
+                <a16:creationId xmlns="" xmlns:a16="http://schemas.microsoft.com/office/drawing/2014/main" id="{F1E797CF-4454-4FBB-8EEA-F80C7C5FD663}"/>
               </a:ext>
             </a:extLst>
           </p:cNvPr>
@@ -12502,7 +12494,7 @@
           <p:cNvPr id="7" name="Content Placeholder 2">
             <a:extLst>
               <a:ext uri="{FF2B5EF4-FFF2-40B4-BE49-F238E27FC236}">
-                <a16:creationId xmlns:a16="http://schemas.microsoft.com/office/drawing/2014/main" xmlns="" id="{B4FAFC74-F36D-4B61-BE12-E6EFAC28AC60}"/>
+                <a16:creationId xmlns="" xmlns:a16="http://schemas.microsoft.com/office/drawing/2014/main" id="{B4FAFC74-F36D-4B61-BE12-E6EFAC28AC60}"/>
               </a:ext>
             </a:extLst>
           </p:cNvPr>
@@ -12843,7 +12835,7 @@
           <p:cNvPr id="4" name="Picture 3">
             <a:extLst>
               <a:ext uri="{FF2B5EF4-FFF2-40B4-BE49-F238E27FC236}">
-                <a16:creationId xmlns:a16="http://schemas.microsoft.com/office/drawing/2014/main" xmlns="" id="{7EBB1CAC-E82C-4575-A59E-808C14D22364}"/>
+                <a16:creationId xmlns="" xmlns:a16="http://schemas.microsoft.com/office/drawing/2014/main" id="{7EBB1CAC-E82C-4575-A59E-808C14D22364}"/>
               </a:ext>
             </a:extLst>
           </p:cNvPr>
@@ -12872,7 +12864,7 @@
           <p:cNvPr id="5" name="Title 1">
             <a:extLst>
               <a:ext uri="{FF2B5EF4-FFF2-40B4-BE49-F238E27FC236}">
-                <a16:creationId xmlns:a16="http://schemas.microsoft.com/office/drawing/2014/main" xmlns="" id="{AB45E17C-D635-444C-9E6E-9F0B20ABC34B}"/>
+                <a16:creationId xmlns="" xmlns:a16="http://schemas.microsoft.com/office/drawing/2014/main" id="{AB45E17C-D635-444C-9E6E-9F0B20ABC34B}"/>
               </a:ext>
             </a:extLst>
           </p:cNvPr>
@@ -12989,7 +12981,7 @@
           <p:cNvPr id="6" name="Picture 5">
             <a:extLst>
               <a:ext uri="{FF2B5EF4-FFF2-40B4-BE49-F238E27FC236}">
-                <a16:creationId xmlns:a16="http://schemas.microsoft.com/office/drawing/2014/main" xmlns="" id="{C590E18E-DB35-48A2-8D01-CCDDC5796071}"/>
+                <a16:creationId xmlns="" xmlns:a16="http://schemas.microsoft.com/office/drawing/2014/main" id="{C590E18E-DB35-48A2-8D01-CCDDC5796071}"/>
               </a:ext>
             </a:extLst>
           </p:cNvPr>
@@ -13019,7 +13011,7 @@
           <p:cNvPr id="7" name="Content Placeholder 2">
             <a:extLst>
               <a:ext uri="{FF2B5EF4-FFF2-40B4-BE49-F238E27FC236}">
-                <a16:creationId xmlns:a16="http://schemas.microsoft.com/office/drawing/2014/main" xmlns="" id="{6423B81A-58F9-4F18-87B4-FC1F266353F5}"/>
+                <a16:creationId xmlns="" xmlns:a16="http://schemas.microsoft.com/office/drawing/2014/main" id="{6423B81A-58F9-4F18-87B4-FC1F266353F5}"/>
               </a:ext>
             </a:extLst>
           </p:cNvPr>
@@ -13568,7 +13560,7 @@
           <p:cNvPr id="4" name="Title 1">
             <a:extLst>
               <a:ext uri="{FF2B5EF4-FFF2-40B4-BE49-F238E27FC236}">
-                <a16:creationId xmlns:a16="http://schemas.microsoft.com/office/drawing/2014/main" xmlns="" id="{AB45E17C-D635-444C-9E6E-9F0B20ABC34B}"/>
+                <a16:creationId xmlns="" xmlns:a16="http://schemas.microsoft.com/office/drawing/2014/main" id="{AB45E17C-D635-444C-9E6E-9F0B20ABC34B}"/>
               </a:ext>
             </a:extLst>
           </p:cNvPr>
@@ -13972,7 +13964,7 @@
           <p:cNvPr id="4" name="Title 1">
             <a:extLst>
               <a:ext uri="{FF2B5EF4-FFF2-40B4-BE49-F238E27FC236}">
-                <a16:creationId xmlns:a16="http://schemas.microsoft.com/office/drawing/2014/main" xmlns="" id="{AB45E17C-D635-444C-9E6E-9F0B20ABC34B}"/>
+                <a16:creationId xmlns="" xmlns:a16="http://schemas.microsoft.com/office/drawing/2014/main" id="{AB45E17C-D635-444C-9E6E-9F0B20ABC34B}"/>
               </a:ext>
             </a:extLst>
           </p:cNvPr>

--- a/pt2/lectures/lecture5/lecture5.pptx
+++ b/pt2/lectures/lecture5/lecture5.pptx
@@ -7,16 +7,17 @@
   <p:sldIdLst>
     <p:sldId id="256" r:id="rId2"/>
     <p:sldId id="266" r:id="rId3"/>
-    <p:sldId id="264" r:id="rId4"/>
-    <p:sldId id="257" r:id="rId5"/>
-    <p:sldId id="258" r:id="rId6"/>
-    <p:sldId id="259" r:id="rId7"/>
-    <p:sldId id="260" r:id="rId8"/>
-    <p:sldId id="261" r:id="rId9"/>
-    <p:sldId id="262" r:id="rId10"/>
+    <p:sldId id="257" r:id="rId4"/>
+    <p:sldId id="258" r:id="rId5"/>
+    <p:sldId id="259" r:id="rId6"/>
+    <p:sldId id="260" r:id="rId7"/>
+    <p:sldId id="261" r:id="rId8"/>
+    <p:sldId id="262" r:id="rId9"/>
+    <p:sldId id="264" r:id="rId10"/>
     <p:sldId id="265" r:id="rId11"/>
-    <p:sldId id="263" r:id="rId12"/>
-    <p:sldId id="267" r:id="rId13"/>
+    <p:sldId id="268" r:id="rId12"/>
+    <p:sldId id="263" r:id="rId13"/>
+    <p:sldId id="267" r:id="rId14"/>
   </p:sldIdLst>
   <p:sldSz cx="12192000" cy="6858000"/>
   <p:notesSz cx="6858000" cy="9144000"/>
@@ -845,7 +846,7 @@
           <a:p>
             <a:fld id="{68854FD7-F343-4A42-89E7-0EA4AA30A707}" type="datetimeFigureOut">
               <a:rPr lang="en-US" smtClean="0"/>
-              <a:t>9/12/2022</a:t>
+              <a:t>10/27/2022</a:t>
             </a:fld>
             <a:endParaRPr lang="en-US"/>
           </a:p>
@@ -1096,7 +1097,7 @@
           <a:p>
             <a:fld id="{68854FD7-F343-4A42-89E7-0EA4AA30A707}" type="datetimeFigureOut">
               <a:rPr lang="en-US" smtClean="0"/>
-              <a:t>9/12/2022</a:t>
+              <a:t>10/27/2022</a:t>
             </a:fld>
             <a:endParaRPr lang="en-US"/>
           </a:p>
@@ -1410,7 +1411,7 @@
           <a:p>
             <a:fld id="{68854FD7-F343-4A42-89E7-0EA4AA30A707}" type="datetimeFigureOut">
               <a:rPr lang="en-US" smtClean="0"/>
-              <a:t>9/12/2022</a:t>
+              <a:t>10/27/2022</a:t>
             </a:fld>
             <a:endParaRPr lang="en-US"/>
           </a:p>
@@ -1751,7 +1752,7 @@
           <a:p>
             <a:fld id="{68854FD7-F343-4A42-89E7-0EA4AA30A707}" type="datetimeFigureOut">
               <a:rPr lang="en-US" smtClean="0"/>
-              <a:t>9/12/2022</a:t>
+              <a:t>10/27/2022</a:t>
             </a:fld>
             <a:endParaRPr lang="en-US"/>
           </a:p>
@@ -2065,7 +2066,7 @@
           <a:p>
             <a:fld id="{68854FD7-F343-4A42-89E7-0EA4AA30A707}" type="datetimeFigureOut">
               <a:rPr lang="en-US" smtClean="0"/>
-              <a:t>9/12/2022</a:t>
+              <a:t>10/27/2022</a:t>
             </a:fld>
             <a:endParaRPr lang="en-US"/>
           </a:p>
@@ -2458,7 +2459,7 @@
           <a:p>
             <a:fld id="{68854FD7-F343-4A42-89E7-0EA4AA30A707}" type="datetimeFigureOut">
               <a:rPr lang="en-US" smtClean="0"/>
-              <a:t>9/12/2022</a:t>
+              <a:t>10/27/2022</a:t>
             </a:fld>
             <a:endParaRPr lang="en-US"/>
           </a:p>
@@ -2628,7 +2629,7 @@
           <a:p>
             <a:fld id="{68854FD7-F343-4A42-89E7-0EA4AA30A707}" type="datetimeFigureOut">
               <a:rPr lang="en-US" smtClean="0"/>
-              <a:t>9/12/2022</a:t>
+              <a:t>10/27/2022</a:t>
             </a:fld>
             <a:endParaRPr lang="en-US"/>
           </a:p>
@@ -2808,7 +2809,7 @@
           <a:p>
             <a:fld id="{68854FD7-F343-4A42-89E7-0EA4AA30A707}" type="datetimeFigureOut">
               <a:rPr lang="en-US" smtClean="0"/>
-              <a:t>9/12/2022</a:t>
+              <a:t>10/27/2022</a:t>
             </a:fld>
             <a:endParaRPr lang="en-US"/>
           </a:p>
@@ -2984,7 +2985,7 @@
           <a:p>
             <a:fld id="{68854FD7-F343-4A42-89E7-0EA4AA30A707}" type="datetimeFigureOut">
               <a:rPr lang="en-US" smtClean="0"/>
-              <a:t>9/12/2022</a:t>
+              <a:t>10/27/2022</a:t>
             </a:fld>
             <a:endParaRPr lang="en-US"/>
           </a:p>
@@ -3231,7 +3232,7 @@
           <a:p>
             <a:fld id="{68854FD7-F343-4A42-89E7-0EA4AA30A707}" type="datetimeFigureOut">
               <a:rPr lang="en-US" smtClean="0"/>
-              <a:t>9/12/2022</a:t>
+              <a:t>10/27/2022</a:t>
             </a:fld>
             <a:endParaRPr lang="en-US"/>
           </a:p>
@@ -3463,7 +3464,7 @@
           <a:p>
             <a:fld id="{68854FD7-F343-4A42-89E7-0EA4AA30A707}" type="datetimeFigureOut">
               <a:rPr lang="en-US" smtClean="0"/>
-              <a:t>9/12/2022</a:t>
+              <a:t>10/27/2022</a:t>
             </a:fld>
             <a:endParaRPr lang="en-US"/>
           </a:p>
@@ -3837,7 +3838,7 @@
           <a:p>
             <a:fld id="{68854FD7-F343-4A42-89E7-0EA4AA30A707}" type="datetimeFigureOut">
               <a:rPr lang="en-US" smtClean="0"/>
-              <a:t>9/12/2022</a:t>
+              <a:t>10/27/2022</a:t>
             </a:fld>
             <a:endParaRPr lang="en-US"/>
           </a:p>
@@ -3960,7 +3961,7 @@
           <a:p>
             <a:fld id="{68854FD7-F343-4A42-89E7-0EA4AA30A707}" type="datetimeFigureOut">
               <a:rPr lang="en-US" smtClean="0"/>
-              <a:t>9/12/2022</a:t>
+              <a:t>10/27/2022</a:t>
             </a:fld>
             <a:endParaRPr lang="en-US"/>
           </a:p>
@@ -4055,7 +4056,7 @@
           <a:p>
             <a:fld id="{68854FD7-F343-4A42-89E7-0EA4AA30A707}" type="datetimeFigureOut">
               <a:rPr lang="en-US" smtClean="0"/>
-              <a:t>9/12/2022</a:t>
+              <a:t>10/27/2022</a:t>
             </a:fld>
             <a:endParaRPr lang="en-US"/>
           </a:p>
@@ -4310,7 +4311,7 @@
           <a:p>
             <a:fld id="{68854FD7-F343-4A42-89E7-0EA4AA30A707}" type="datetimeFigureOut">
               <a:rPr lang="en-US" smtClean="0"/>
-              <a:t>9/12/2022</a:t>
+              <a:t>10/27/2022</a:t>
             </a:fld>
             <a:endParaRPr lang="en-US"/>
           </a:p>
@@ -4573,7 +4574,7 @@
           <a:p>
             <a:fld id="{68854FD7-F343-4A42-89E7-0EA4AA30A707}" type="datetimeFigureOut">
               <a:rPr lang="en-US" smtClean="0"/>
-              <a:t>9/12/2022</a:t>
+              <a:t>10/27/2022</a:t>
             </a:fld>
             <a:endParaRPr lang="en-US"/>
           </a:p>
@@ -5316,7 +5317,7 @@
           <a:p>
             <a:fld id="{68854FD7-F343-4A42-89E7-0EA4AA30A707}" type="datetimeFigureOut">
               <a:rPr lang="en-US" smtClean="0"/>
-              <a:t>9/12/2022</a:t>
+              <a:t>10/27/2022</a:t>
             </a:fld>
             <a:endParaRPr lang="en-US"/>
           </a:p>
@@ -5845,7 +5846,7 @@
           <p:cNvPr id="4" name="Title 1">
             <a:extLst>
               <a:ext uri="{FF2B5EF4-FFF2-40B4-BE49-F238E27FC236}">
-                <a16:creationId xmlns="" xmlns:a16="http://schemas.microsoft.com/office/drawing/2014/main" id="{13B2D513-0F9C-4439-A697-A295339863B6}"/>
+                <a16:creationId xmlns:a16="http://schemas.microsoft.com/office/drawing/2014/main" xmlns="" id="{13B2D513-0F9C-4439-A697-A295339863B6}"/>
               </a:ext>
             </a:extLst>
           </p:cNvPr>
@@ -5888,7 +5889,7 @@
           <p:cNvPr id="5" name="Subtitle 2">
             <a:extLst>
               <a:ext uri="{FF2B5EF4-FFF2-40B4-BE49-F238E27FC236}">
-                <a16:creationId xmlns="" xmlns:a16="http://schemas.microsoft.com/office/drawing/2014/main" id="{37C9EE23-73D5-41F8-AFFF-4BA477FCB643}"/>
+                <a16:creationId xmlns:a16="http://schemas.microsoft.com/office/drawing/2014/main" xmlns="" id="{37C9EE23-73D5-41F8-AFFF-4BA477FCB643}"/>
               </a:ext>
             </a:extLst>
           </p:cNvPr>
@@ -6048,8 +6049,8 @@
         </p:nvSpPr>
         <p:spPr>
           <a:xfrm>
-            <a:off x="5175637" y="894401"/>
-            <a:ext cx="6793940" cy="5773099"/>
+            <a:off x="5686697" y="894402"/>
+            <a:ext cx="6282880" cy="5184182"/>
           </a:xfrm>
           <a:solidFill>
             <a:schemeClr val="bg1"/>
@@ -6057,7 +6058,7 @@
         </p:spPr>
         <p:txBody>
           <a:bodyPr>
-            <a:normAutofit/>
+            <a:normAutofit fontScale="92500" lnSpcReduction="20000"/>
           </a:bodyPr>
           <a:lstStyle/>
           <a:p>
@@ -6205,13 +6206,21 @@
             </a:r>
             <a:r>
               <a:rPr lang="ru-RU" dirty="0" smtClean="0"/>
-              <a:t>11 можно также:</a:t>
+              <a:t>11 можно </a:t>
+            </a:r>
+            <a:r>
+              <a:rPr lang="ru-RU" dirty="0" smtClean="0"/>
+              <a:t>также:</a:t>
             </a:r>
           </a:p>
           <a:p>
             <a:pPr marL="0" indent="0">
               <a:buNone/>
             </a:pPr>
+            <a:r>
+              <a:rPr lang="ru-RU" dirty="0" smtClean="0"/>
+              <a:t>     </a:t>
+            </a:r>
             <a:r>
               <a:rPr lang="en-US" dirty="0" smtClean="0"/>
               <a:t>using </a:t>
@@ -6243,7 +6252,7 @@
           <p:cNvPr id="4" name="Title 1">
             <a:extLst>
               <a:ext uri="{FF2B5EF4-FFF2-40B4-BE49-F238E27FC236}">
-                <a16:creationId xmlns="" xmlns:a16="http://schemas.microsoft.com/office/drawing/2014/main" id="{AB45E17C-D635-444C-9E6E-9F0B20ABC34B}"/>
+                <a16:creationId xmlns:a16="http://schemas.microsoft.com/office/drawing/2014/main" xmlns="" id="{AB45E17C-D635-444C-9E6E-9F0B20ABC34B}"/>
               </a:ext>
             </a:extLst>
           </p:cNvPr>
@@ -6529,7 +6538,7 @@
         </p:blipFill>
         <p:spPr>
           <a:xfrm>
-            <a:off x="147891" y="5480721"/>
+            <a:off x="147891" y="5676617"/>
             <a:ext cx="5113676" cy="992564"/>
           </a:xfrm>
           <a:prstGeom prst="rect">
@@ -6545,7 +6554,7 @@
         </p:nvSpPr>
         <p:spPr>
           <a:xfrm>
-            <a:off x="1182032" y="6364847"/>
+            <a:off x="1274261" y="5323516"/>
             <a:ext cx="2959465" cy="369332"/>
           </a:xfrm>
           <a:prstGeom prst="rect">
@@ -6562,6 +6571,48 @@
             <a:r>
               <a:rPr lang="ru-RU" dirty="0" smtClean="0"/>
               <a:t>Вариант с наследованием</a:t>
+            </a:r>
+            <a:endParaRPr lang="en-US" dirty="0"/>
+          </a:p>
+        </p:txBody>
+      </p:sp>
+      <p:sp>
+        <p:nvSpPr>
+          <p:cNvPr id="2" name="TextBox 1"/>
+          <p:cNvSpPr txBox="1"/>
+          <p:nvPr/>
+        </p:nvSpPr>
+        <p:spPr>
+          <a:xfrm>
+            <a:off x="5686697" y="6288619"/>
+            <a:ext cx="2723823" cy="369332"/>
+          </a:xfrm>
+          <a:prstGeom prst="rect">
+            <a:avLst/>
+          </a:prstGeom>
+          <a:noFill/>
+        </p:spPr>
+        <p:txBody>
+          <a:bodyPr wrap="none" rtlCol="0">
+            <a:spAutoFit/>
+          </a:bodyPr>
+          <a:lstStyle/>
+          <a:p>
+            <a:r>
+              <a:rPr lang="en-US" dirty="0" smtClean="0"/>
+              <a:t>examples/</a:t>
+            </a:r>
+            <a:r>
+              <a:rPr lang="ru-RU" dirty="0" smtClean="0"/>
+              <a:t>5</a:t>
+            </a:r>
+            <a:r>
+              <a:rPr lang="en-US" dirty="0" smtClean="0"/>
+              <a:t>_</a:t>
+            </a:r>
+            <a:r>
+              <a:rPr lang="en-US" dirty="0" err="1" smtClean="0"/>
+              <a:t>own_vector</a:t>
             </a:r>
             <a:endParaRPr lang="en-US" dirty="0"/>
           </a:p>
@@ -6597,12 +6648,237 @@
           <a:chExt cx="0" cy="0"/>
         </a:xfrm>
       </p:grpSpPr>
+      <p:pic>
+        <p:nvPicPr>
+          <p:cNvPr id="4" name="Рисунок 3"/>
+          <p:cNvPicPr>
+            <a:picLocks noChangeAspect="1"/>
+          </p:cNvPicPr>
+          <p:nvPr/>
+        </p:nvPicPr>
+        <p:blipFill>
+          <a:blip r:embed="rId2"/>
+          <a:stretch>
+            <a:fillRect/>
+          </a:stretch>
+        </p:blipFill>
+        <p:spPr>
+          <a:xfrm>
+            <a:off x="440705" y="1533882"/>
+            <a:ext cx="11503181" cy="3255832"/>
+          </a:xfrm>
+          <a:prstGeom prst="rect">
+            <a:avLst/>
+          </a:prstGeom>
+        </p:spPr>
+      </p:pic>
+      <p:sp>
+        <p:nvSpPr>
+          <p:cNvPr id="5" name="Title 1">
+            <a:extLst>
+              <a:ext uri="{FF2B5EF4-FFF2-40B4-BE49-F238E27FC236}">
+                <a16:creationId xmlns:a16="http://schemas.microsoft.com/office/drawing/2014/main" xmlns="" id="{AB45E17C-D635-444C-9E6E-9F0B20ABC34B}"/>
+              </a:ext>
+            </a:extLst>
+          </p:cNvPr>
+          <p:cNvSpPr txBox="1">
+            <a:spLocks/>
+          </p:cNvSpPr>
+          <p:nvPr/>
+        </p:nvSpPr>
+        <p:spPr>
+          <a:xfrm>
+            <a:off x="147891" y="157497"/>
+            <a:ext cx="11821686" cy="549808"/>
+          </a:xfrm>
+          <a:prstGeom prst="rect">
+            <a:avLst/>
+          </a:prstGeom>
+          <a:solidFill>
+            <a:schemeClr val="bg1"/>
+          </a:solidFill>
+          <a:ln>
+            <a:solidFill>
+              <a:schemeClr val="tx1"/>
+            </a:solidFill>
+          </a:ln>
+        </p:spPr>
+        <p:txBody>
+          <a:bodyPr vert="horz" lIns="91440" tIns="45720" rIns="91440" bIns="45720" rtlCol="0" anchor="t">
+            <a:noAutofit/>
+          </a:bodyPr>
+          <a:lstStyle>
+            <a:lvl1pPr algn="l" defTabSz="457200" rtl="0" eaLnBrk="1" latinLnBrk="0" hangingPunct="1">
+              <a:spcBef>
+                <a:spcPct val="0"/>
+              </a:spcBef>
+              <a:buNone/>
+              <a:defRPr sz="3600" kern="1200">
+                <a:solidFill>
+                  <a:schemeClr val="accent1"/>
+                </a:solidFill>
+                <a:latin typeface="+mj-lt"/>
+                <a:ea typeface="+mj-ea"/>
+                <a:cs typeface="+mj-cs"/>
+              </a:defRPr>
+            </a:lvl1pPr>
+            <a:lvl2pPr eaLnBrk="1" hangingPunct="1">
+              <a:defRPr>
+                <a:solidFill>
+                  <a:schemeClr val="tx2"/>
+                </a:solidFill>
+              </a:defRPr>
+            </a:lvl2pPr>
+            <a:lvl3pPr eaLnBrk="1" hangingPunct="1">
+              <a:defRPr>
+                <a:solidFill>
+                  <a:schemeClr val="tx2"/>
+                </a:solidFill>
+              </a:defRPr>
+            </a:lvl3pPr>
+            <a:lvl4pPr eaLnBrk="1" hangingPunct="1">
+              <a:defRPr>
+                <a:solidFill>
+                  <a:schemeClr val="tx2"/>
+                </a:solidFill>
+              </a:defRPr>
+            </a:lvl4pPr>
+            <a:lvl5pPr eaLnBrk="1" hangingPunct="1">
+              <a:defRPr>
+                <a:solidFill>
+                  <a:schemeClr val="tx2"/>
+                </a:solidFill>
+              </a:defRPr>
+            </a:lvl5pPr>
+            <a:lvl6pPr eaLnBrk="1" hangingPunct="1">
+              <a:defRPr>
+                <a:solidFill>
+                  <a:schemeClr val="tx2"/>
+                </a:solidFill>
+              </a:defRPr>
+            </a:lvl6pPr>
+            <a:lvl7pPr eaLnBrk="1" hangingPunct="1">
+              <a:defRPr>
+                <a:solidFill>
+                  <a:schemeClr val="tx2"/>
+                </a:solidFill>
+              </a:defRPr>
+            </a:lvl7pPr>
+            <a:lvl8pPr eaLnBrk="1" hangingPunct="1">
+              <a:defRPr>
+                <a:solidFill>
+                  <a:schemeClr val="tx2"/>
+                </a:solidFill>
+              </a:defRPr>
+            </a:lvl8pPr>
+            <a:lvl9pPr eaLnBrk="1" hangingPunct="1">
+              <a:defRPr>
+                <a:solidFill>
+                  <a:schemeClr val="tx2"/>
+                </a:solidFill>
+              </a:defRPr>
+            </a:lvl9pPr>
+          </a:lstStyle>
+          <a:p>
+            <a:pPr algn="ctr"/>
+            <a:r>
+              <a:rPr lang="en-US" sz="2800" dirty="0" smtClean="0"/>
+              <a:t>Iterator traits </a:t>
+            </a:r>
+            <a:r>
+              <a:rPr lang="ru-RU" sz="2800" dirty="0" smtClean="0"/>
+              <a:t>и пользовательские итераторы</a:t>
+            </a:r>
+            <a:endParaRPr lang="en-US" sz="2800" dirty="0"/>
+          </a:p>
+        </p:txBody>
+      </p:sp>
+      <p:sp>
+        <p:nvSpPr>
+          <p:cNvPr id="6" name="TextBox 5"/>
+          <p:cNvSpPr txBox="1"/>
+          <p:nvPr/>
+        </p:nvSpPr>
+        <p:spPr>
+          <a:xfrm>
+            <a:off x="440705" y="5920043"/>
+            <a:ext cx="5487400" cy="369332"/>
+          </a:xfrm>
+          <a:prstGeom prst="rect">
+            <a:avLst/>
+          </a:prstGeom>
+          <a:noFill/>
+        </p:spPr>
+        <p:txBody>
+          <a:bodyPr wrap="none" rtlCol="0">
+            <a:spAutoFit/>
+          </a:bodyPr>
+          <a:lstStyle/>
+          <a:p>
+            <a:r>
+              <a:rPr lang="ru-RU" dirty="0" smtClean="0"/>
+              <a:t>Скотт </a:t>
+            </a:r>
+            <a:r>
+              <a:rPr lang="ru-RU" dirty="0" err="1" smtClean="0"/>
+              <a:t>Мейерс</a:t>
+            </a:r>
+            <a:r>
+              <a:rPr lang="ru-RU" dirty="0" smtClean="0"/>
+              <a:t>. Эффективное использо</a:t>
+            </a:r>
+            <a:r>
+              <a:rPr lang="ru-RU" dirty="0"/>
+              <a:t>в</a:t>
+            </a:r>
+            <a:r>
+              <a:rPr lang="ru-RU" dirty="0" smtClean="0"/>
+              <a:t>ание </a:t>
+            </a:r>
+            <a:r>
+              <a:rPr lang="en-US" dirty="0" smtClean="0"/>
+              <a:t>STL.</a:t>
+            </a:r>
+            <a:endParaRPr lang="en-US" dirty="0"/>
+          </a:p>
+        </p:txBody>
+      </p:sp>
+    </p:spTree>
+    <p:extLst>
+      <p:ext uri="{BB962C8B-B14F-4D97-AF65-F5344CB8AC3E}">
+        <p14:creationId xmlns:p14="http://schemas.microsoft.com/office/powerpoint/2010/main" val="1300358010"/>
+      </p:ext>
+    </p:extLst>
+  </p:cSld>
+  <p:clrMapOvr>
+    <a:masterClrMapping/>
+  </p:clrMapOvr>
+</p:sld>
+</file>
+
+<file path=ppt/slides/slide12.xml><?xml version="1.0" encoding="utf-8"?>
+<p:sld xmlns:a="http://schemas.openxmlformats.org/drawingml/2006/main" xmlns:r="http://schemas.openxmlformats.org/officeDocument/2006/relationships" xmlns:p="http://schemas.openxmlformats.org/presentationml/2006/main">
+  <p:cSld>
+    <p:spTree>
+      <p:nvGrpSpPr>
+        <p:cNvPr id="1" name=""/>
+        <p:cNvGrpSpPr/>
+        <p:nvPr/>
+      </p:nvGrpSpPr>
+      <p:grpSpPr>
+        <a:xfrm>
+          <a:off x="0" y="0"/>
+          <a:ext cx="0" cy="0"/>
+          <a:chOff x="0" y="0"/>
+          <a:chExt cx="0" cy="0"/>
+        </a:xfrm>
+      </p:grpSpPr>
       <p:sp>
         <p:nvSpPr>
           <p:cNvPr id="2" name="Title 1">
             <a:extLst>
               <a:ext uri="{FF2B5EF4-FFF2-40B4-BE49-F238E27FC236}">
-                <a16:creationId xmlns="" xmlns:a16="http://schemas.microsoft.com/office/drawing/2014/main" id="{AB45E17C-D635-444C-9E6E-9F0B20ABC34B}"/>
+                <a16:creationId xmlns:a16="http://schemas.microsoft.com/office/drawing/2014/main" xmlns="" id="{AB45E17C-D635-444C-9E6E-9F0B20ABC34B}"/>
               </a:ext>
             </a:extLst>
           </p:cNvPr>
@@ -6806,7 +7082,7 @@
         </p:blipFill>
         <p:spPr>
           <a:xfrm>
-            <a:off x="328406" y="2418713"/>
+            <a:off x="386233" y="2218788"/>
             <a:ext cx="5860288" cy="2766300"/>
           </a:xfrm>
           <a:prstGeom prst="rect">
@@ -6822,7 +7098,7 @@
         </p:nvSpPr>
         <p:spPr>
           <a:xfrm>
-            <a:off x="1660124" y="1976679"/>
+            <a:off x="1717951" y="1776754"/>
             <a:ext cx="3554178" cy="369332"/>
           </a:xfrm>
           <a:prstGeom prst="rect">
@@ -6862,7 +7138,7 @@
         </p:nvSpPr>
         <p:spPr>
           <a:xfrm>
-            <a:off x="6484775" y="1926455"/>
+            <a:off x="6484775" y="1803576"/>
             <a:ext cx="5449557" cy="3169328"/>
           </a:xfrm>
           <a:prstGeom prst="rect">
@@ -7353,7 +7629,7 @@
         </p:blipFill>
         <p:spPr>
           <a:xfrm>
-            <a:off x="477738" y="5248882"/>
+            <a:off x="443057" y="5057790"/>
             <a:ext cx="2999350" cy="1240971"/>
           </a:xfrm>
           <a:prstGeom prst="rect">
@@ -7376,7 +7652,7 @@
         </p:blipFill>
         <p:spPr>
           <a:xfrm>
-            <a:off x="3797558" y="5248882"/>
+            <a:off x="3689847" y="5057790"/>
             <a:ext cx="8244485" cy="1240971"/>
           </a:xfrm>
           <a:prstGeom prst="rect">
@@ -7384,6 +7660,36 @@
           </a:prstGeom>
         </p:spPr>
       </p:pic>
+      <p:sp>
+        <p:nvSpPr>
+          <p:cNvPr id="4" name="TextBox 3"/>
+          <p:cNvSpPr txBox="1"/>
+          <p:nvPr/>
+        </p:nvSpPr>
+        <p:spPr>
+          <a:xfrm>
+            <a:off x="469734" y="6416685"/>
+            <a:ext cx="2380780" cy="369332"/>
+          </a:xfrm>
+          <a:prstGeom prst="rect">
+            <a:avLst/>
+          </a:prstGeom>
+          <a:noFill/>
+        </p:spPr>
+        <p:txBody>
+          <a:bodyPr wrap="none" rtlCol="0">
+            <a:spAutoFit/>
+          </a:bodyPr>
+          <a:lstStyle/>
+          <a:p>
+            <a:r>
+              <a:rPr lang="en-US" dirty="0" smtClean="0"/>
+              <a:t>examples\6_inserters</a:t>
+            </a:r>
+            <a:endParaRPr lang="en-US" dirty="0"/>
+          </a:p>
+        </p:txBody>
+      </p:sp>
     </p:spTree>
     <p:extLst>
       <p:ext uri="{BB962C8B-B14F-4D97-AF65-F5344CB8AC3E}">
@@ -7404,7 +7710,7 @@
 </p:sld>
 </file>
 
-<file path=ppt/slides/slide12.xml><?xml version="1.0" encoding="utf-8"?>
+<file path=ppt/slides/slide13.xml><?xml version="1.0" encoding="utf-8"?>
 <p:sld xmlns:a="http://schemas.openxmlformats.org/drawingml/2006/main" xmlns:r="http://schemas.openxmlformats.org/officeDocument/2006/relationships" xmlns:p="http://schemas.openxmlformats.org/presentationml/2006/main">
   <p:cSld>
     <p:spTree>
@@ -7469,7 +7775,7 @@
           <p:cNvPr id="4" name="Title 1">
             <a:extLst>
               <a:ext uri="{FF2B5EF4-FFF2-40B4-BE49-F238E27FC236}">
-                <a16:creationId xmlns="" xmlns:a16="http://schemas.microsoft.com/office/drawing/2014/main" id="{AB45E17C-D635-444C-9E6E-9F0B20ABC34B}"/>
+                <a16:creationId xmlns:a16="http://schemas.microsoft.com/office/drawing/2014/main" xmlns="" id="{AB45E17C-D635-444C-9E6E-9F0B20ABC34B}"/>
               </a:ext>
             </a:extLst>
           </p:cNvPr>
@@ -8357,7 +8663,7 @@
           <p:cNvPr id="5" name="Title 1">
             <a:extLst>
               <a:ext uri="{FF2B5EF4-FFF2-40B4-BE49-F238E27FC236}">
-                <a16:creationId xmlns="" xmlns:a16="http://schemas.microsoft.com/office/drawing/2014/main" id="{C60BD838-89F7-4CB1-8B5E-1D5AD5FDEA16}"/>
+                <a16:creationId xmlns:a16="http://schemas.microsoft.com/office/drawing/2014/main" xmlns="" id="{C60BD838-89F7-4CB1-8B5E-1D5AD5FDEA16}"/>
               </a:ext>
             </a:extLst>
           </p:cNvPr>
@@ -8625,6 +8931,47 @@
           </a:p>
         </p:txBody>
       </p:sp>
+      <p:sp>
+        <p:nvSpPr>
+          <p:cNvPr id="2" name="TextBox 1"/>
+          <p:cNvSpPr txBox="1"/>
+          <p:nvPr/>
+        </p:nvSpPr>
+        <p:spPr>
+          <a:xfrm>
+            <a:off x="329938" y="5812120"/>
+            <a:ext cx="11651514" cy="923330"/>
+          </a:xfrm>
+          <a:prstGeom prst="rect">
+            <a:avLst/>
+          </a:prstGeom>
+          <a:noFill/>
+        </p:spPr>
+        <p:txBody>
+          <a:bodyPr wrap="square" rtlCol="0">
+            <a:spAutoFit/>
+          </a:bodyPr>
+          <a:lstStyle/>
+          <a:p>
+            <a:r>
+              <a:rPr lang="en-US" dirty="0" smtClean="0"/>
+              <a:t>examples/1_variadic_templates</a:t>
+            </a:r>
+          </a:p>
+          <a:p>
+            <a:r>
+              <a:rPr lang="en-US" dirty="0" smtClean="0"/>
+              <a:t>examples/2_own_tuple</a:t>
+            </a:r>
+          </a:p>
+          <a:p>
+            <a:r>
+              <a:rPr lang="en-US" dirty="0" smtClean="0"/>
+              <a:t>examples/3_std_tuple</a:t>
+            </a:r>
+          </a:p>
+        </p:txBody>
+      </p:sp>
     </p:spTree>
     <p:extLst>
       <p:ext uri="{BB962C8B-B14F-4D97-AF65-F5344CB8AC3E}">
@@ -8664,10 +9011,4049 @@
       </p:grpSpPr>
       <p:sp>
         <p:nvSpPr>
+          <p:cNvPr id="3" name="Объект 2"/>
+          <p:cNvSpPr>
+            <a:spLocks noGrp="1"/>
+          </p:cNvSpPr>
+          <p:nvPr>
+            <p:ph idx="1"/>
+          </p:nvPr>
+        </p:nvSpPr>
+        <p:spPr>
+          <a:xfrm>
+            <a:off x="5986021" y="782282"/>
+            <a:ext cx="5948311" cy="5901322"/>
+          </a:xfrm>
+          <a:solidFill>
+            <a:schemeClr val="bg1"/>
+          </a:solidFill>
+        </p:spPr>
+        <p:txBody>
+          <a:bodyPr/>
+          <a:lstStyle/>
+          <a:p>
+            <a:r>
+              <a:rPr lang="ru-RU" dirty="0" smtClean="0"/>
+              <a:t>Итераторы – шаблонные классы, реализующие способы обхода контейнеров и доступа к их элементам в виде перегруженных операторов</a:t>
+            </a:r>
+          </a:p>
+          <a:p>
+            <a:r>
+              <a:rPr lang="ru-RU" dirty="0" smtClean="0"/>
+              <a:t>Алгоритмы </a:t>
+            </a:r>
+            <a:r>
+              <a:rPr lang="en-US" dirty="0" smtClean="0"/>
+              <a:t>STL </a:t>
+            </a:r>
+            <a:r>
+              <a:rPr lang="ru-RU" dirty="0" smtClean="0"/>
+              <a:t>принимают итераторы на контейнеры, а не сами контейнеры. Потому все контейнеры предоставляют методы для доступа к итераторам: </a:t>
+            </a:r>
+            <a:r>
+              <a:rPr lang="en-US" dirty="0" smtClean="0"/>
+              <a:t>begin(), end(), </a:t>
+            </a:r>
+            <a:r>
+              <a:rPr lang="en-US" dirty="0" err="1" smtClean="0"/>
+              <a:t>cbegin</a:t>
+            </a:r>
+            <a:r>
+              <a:rPr lang="en-US" dirty="0" smtClean="0"/>
+              <a:t>() </a:t>
+            </a:r>
+            <a:r>
+              <a:rPr lang="ru-RU" dirty="0" smtClean="0"/>
+              <a:t>и </a:t>
+            </a:r>
+            <a:r>
+              <a:rPr lang="ru-RU" dirty="0" err="1" smtClean="0"/>
+              <a:t>тд</a:t>
+            </a:r>
+            <a:endParaRPr lang="ru-RU" dirty="0" smtClean="0"/>
+          </a:p>
+          <a:p>
+            <a:r>
+              <a:rPr lang="ru-RU" dirty="0"/>
+              <a:t>Способы обхода контейнеров и доступа к их элементам, а также алгоритмическая сложность этих операций, зависят от структуры данных, которую реализует контейнер</a:t>
+            </a:r>
+          </a:p>
+          <a:p>
+            <a:r>
+              <a:rPr lang="ru-RU" dirty="0"/>
+              <a:t>Различные алгоритмы также выполняют различные операции. </a:t>
+            </a:r>
+            <a:r>
+              <a:rPr lang="ru-RU" dirty="0" smtClean="0"/>
+              <a:t>Каким-то из них достаточно доступа к значению по итератору (разыменовывания), другие требуют более широкого набора операций</a:t>
+            </a:r>
+          </a:p>
+          <a:p>
+            <a:r>
+              <a:rPr lang="ru-RU" dirty="0" smtClean="0"/>
+              <a:t>В связи с этим, итераторы разбиты на 5 основных категорий  в зависимости от того, какие операции они </a:t>
+            </a:r>
+            <a:r>
+              <a:rPr lang="ru-RU" dirty="0"/>
+              <a:t>п</a:t>
+            </a:r>
+            <a:r>
+              <a:rPr lang="ru-RU" dirty="0" smtClean="0"/>
+              <a:t>озволяют выполнять</a:t>
+            </a:r>
+            <a:endParaRPr lang="en-US" dirty="0"/>
+          </a:p>
+          <a:p>
+            <a:endParaRPr lang="en-US" dirty="0"/>
+          </a:p>
+        </p:txBody>
+      </p:sp>
+      <p:sp>
+        <p:nvSpPr>
           <p:cNvPr id="4" name="Title 1">
             <a:extLst>
               <a:ext uri="{FF2B5EF4-FFF2-40B4-BE49-F238E27FC236}">
-                <a16:creationId xmlns="" xmlns:a16="http://schemas.microsoft.com/office/drawing/2014/main" id="{C60BD838-89F7-4CB1-8B5E-1D5AD5FDEA16}"/>
+                <a16:creationId xmlns:a16="http://schemas.microsoft.com/office/drawing/2014/main" xmlns="" id="{C60BD838-89F7-4CB1-8B5E-1D5AD5FDEA16}"/>
+              </a:ext>
+            </a:extLst>
+          </p:cNvPr>
+          <p:cNvSpPr txBox="1">
+            <a:spLocks/>
+          </p:cNvSpPr>
+          <p:nvPr/>
+        </p:nvSpPr>
+        <p:spPr>
+          <a:xfrm>
+            <a:off x="329938" y="128922"/>
+            <a:ext cx="11604395" cy="476150"/>
+          </a:xfrm>
+          <a:prstGeom prst="rect">
+            <a:avLst/>
+          </a:prstGeom>
+          <a:solidFill>
+            <a:schemeClr val="bg1"/>
+          </a:solidFill>
+          <a:ln>
+            <a:solidFill>
+              <a:schemeClr val="tx1"/>
+            </a:solidFill>
+          </a:ln>
+        </p:spPr>
+        <p:txBody>
+          <a:bodyPr vert="horz" lIns="91440" tIns="45720" rIns="91440" bIns="45720" rtlCol="0" anchor="t">
+            <a:noAutofit/>
+          </a:bodyPr>
+          <a:lstStyle>
+            <a:lvl1pPr algn="l" defTabSz="457200" rtl="0" eaLnBrk="1" latinLnBrk="0" hangingPunct="1">
+              <a:spcBef>
+                <a:spcPct val="0"/>
+              </a:spcBef>
+              <a:buNone/>
+              <a:defRPr sz="3600" kern="1200">
+                <a:solidFill>
+                  <a:schemeClr val="accent1"/>
+                </a:solidFill>
+                <a:latin typeface="+mj-lt"/>
+                <a:ea typeface="+mj-ea"/>
+                <a:cs typeface="+mj-cs"/>
+              </a:defRPr>
+            </a:lvl1pPr>
+            <a:lvl2pPr eaLnBrk="1" hangingPunct="1">
+              <a:defRPr>
+                <a:solidFill>
+                  <a:schemeClr val="tx2"/>
+                </a:solidFill>
+              </a:defRPr>
+            </a:lvl2pPr>
+            <a:lvl3pPr eaLnBrk="1" hangingPunct="1">
+              <a:defRPr>
+                <a:solidFill>
+                  <a:schemeClr val="tx2"/>
+                </a:solidFill>
+              </a:defRPr>
+            </a:lvl3pPr>
+            <a:lvl4pPr eaLnBrk="1" hangingPunct="1">
+              <a:defRPr>
+                <a:solidFill>
+                  <a:schemeClr val="tx2"/>
+                </a:solidFill>
+              </a:defRPr>
+            </a:lvl4pPr>
+            <a:lvl5pPr eaLnBrk="1" hangingPunct="1">
+              <a:defRPr>
+                <a:solidFill>
+                  <a:schemeClr val="tx2"/>
+                </a:solidFill>
+              </a:defRPr>
+            </a:lvl5pPr>
+            <a:lvl6pPr eaLnBrk="1" hangingPunct="1">
+              <a:defRPr>
+                <a:solidFill>
+                  <a:schemeClr val="tx2"/>
+                </a:solidFill>
+              </a:defRPr>
+            </a:lvl6pPr>
+            <a:lvl7pPr eaLnBrk="1" hangingPunct="1">
+              <a:defRPr>
+                <a:solidFill>
+                  <a:schemeClr val="tx2"/>
+                </a:solidFill>
+              </a:defRPr>
+            </a:lvl7pPr>
+            <a:lvl8pPr eaLnBrk="1" hangingPunct="1">
+              <a:defRPr>
+                <a:solidFill>
+                  <a:schemeClr val="tx2"/>
+                </a:solidFill>
+              </a:defRPr>
+            </a:lvl8pPr>
+            <a:lvl9pPr eaLnBrk="1" hangingPunct="1">
+              <a:defRPr>
+                <a:solidFill>
+                  <a:schemeClr val="tx2"/>
+                </a:solidFill>
+              </a:defRPr>
+            </a:lvl9pPr>
+          </a:lstStyle>
+          <a:p>
+            <a:pPr algn="ctr"/>
+            <a:r>
+              <a:rPr lang="ru-RU" sz="2800" dirty="0" smtClean="0"/>
+              <a:t>Типы итераторов</a:t>
+            </a:r>
+            <a:endParaRPr lang="en-US" sz="2800" dirty="0"/>
+          </a:p>
+        </p:txBody>
+      </p:sp>
+      <p:pic>
+        <p:nvPicPr>
+          <p:cNvPr id="5" name="Рисунок 4"/>
+          <p:cNvPicPr>
+            <a:picLocks noChangeAspect="1"/>
+          </p:cNvPicPr>
+          <p:nvPr/>
+        </p:nvPicPr>
+        <p:blipFill>
+          <a:blip r:embed="rId2"/>
+          <a:stretch>
+            <a:fillRect/>
+          </a:stretch>
+        </p:blipFill>
+        <p:spPr>
+          <a:xfrm>
+            <a:off x="601874" y="3553308"/>
+            <a:ext cx="5242745" cy="2764617"/>
+          </a:xfrm>
+          <a:prstGeom prst="rect">
+            <a:avLst/>
+          </a:prstGeom>
+        </p:spPr>
+      </p:pic>
+      <p:pic>
+        <p:nvPicPr>
+          <p:cNvPr id="7" name="Picture 3">
+            <a:extLst>
+              <a:ext uri="{FF2B5EF4-FFF2-40B4-BE49-F238E27FC236}">
+                <a16:creationId xmlns:a16="http://schemas.microsoft.com/office/drawing/2014/main" xmlns="" id="{427BFC14-A2B9-4CB6-BE1C-0C70EF19CA05}"/>
+              </a:ext>
+            </a:extLst>
+          </p:cNvPr>
+          <p:cNvPicPr>
+            <a:picLocks noChangeAspect="1"/>
+          </p:cNvPicPr>
+          <p:nvPr/>
+        </p:nvPicPr>
+        <p:blipFill rotWithShape="1">
+          <a:blip r:embed="rId3"/>
+          <a:srcRect t="1031" r="1008" b="2712"/>
+          <a:stretch/>
+        </p:blipFill>
+        <p:spPr>
+          <a:xfrm>
+            <a:off x="329938" y="782281"/>
+            <a:ext cx="5464236" cy="2215444"/>
+          </a:xfrm>
+          <a:prstGeom prst="rect">
+            <a:avLst/>
+          </a:prstGeom>
+        </p:spPr>
+      </p:pic>
+    </p:spTree>
+    <p:extLst>
+      <p:ext uri="{BB962C8B-B14F-4D97-AF65-F5344CB8AC3E}">
+        <p14:creationId xmlns:p14="http://schemas.microsoft.com/office/powerpoint/2010/main" val="2503045110"/>
+      </p:ext>
+    </p:extLst>
+  </p:cSld>
+  <p:clrMapOvr>
+    <a:masterClrMapping/>
+  </p:clrMapOvr>
+</p:sld>
+</file>
+
+<file path=ppt/slides/slide4.xml><?xml version="1.0" encoding="utf-8"?>
+<p:sld xmlns:a="http://schemas.openxmlformats.org/drawingml/2006/main" xmlns:r="http://schemas.openxmlformats.org/officeDocument/2006/relationships" xmlns:p="http://schemas.openxmlformats.org/presentationml/2006/main">
+  <p:cSld>
+    <p:spTree>
+      <p:nvGrpSpPr>
+        <p:cNvPr id="1" name=""/>
+        <p:cNvGrpSpPr/>
+        <p:nvPr/>
+      </p:nvGrpSpPr>
+      <p:grpSpPr>
+        <a:xfrm>
+          <a:off x="0" y="0"/>
+          <a:ext cx="0" cy="0"/>
+          <a:chOff x="0" y="0"/>
+          <a:chExt cx="0" cy="0"/>
+        </a:xfrm>
+      </p:grpSpPr>
+      <p:sp>
+        <p:nvSpPr>
+          <p:cNvPr id="4" name="Title 1">
+            <a:extLst>
+              <a:ext uri="{FF2B5EF4-FFF2-40B4-BE49-F238E27FC236}">
+                <a16:creationId xmlns:a16="http://schemas.microsoft.com/office/drawing/2014/main" xmlns="" id="{C60BD838-89F7-4CB1-8B5E-1D5AD5FDEA16}"/>
+              </a:ext>
+            </a:extLst>
+          </p:cNvPr>
+          <p:cNvSpPr txBox="1">
+            <a:spLocks/>
+          </p:cNvSpPr>
+          <p:nvPr/>
+        </p:nvSpPr>
+        <p:spPr>
+          <a:xfrm>
+            <a:off x="443058" y="128922"/>
+            <a:ext cx="11491275" cy="476150"/>
+          </a:xfrm>
+          <a:prstGeom prst="rect">
+            <a:avLst/>
+          </a:prstGeom>
+          <a:solidFill>
+            <a:schemeClr val="bg1"/>
+          </a:solidFill>
+          <a:ln>
+            <a:solidFill>
+              <a:schemeClr val="tx1"/>
+            </a:solidFill>
+          </a:ln>
+        </p:spPr>
+        <p:txBody>
+          <a:bodyPr vert="horz" lIns="91440" tIns="45720" rIns="91440" bIns="45720" rtlCol="0" anchor="t">
+            <a:noAutofit/>
+          </a:bodyPr>
+          <a:lstStyle>
+            <a:lvl1pPr algn="l" defTabSz="457200" rtl="0" eaLnBrk="1" latinLnBrk="0" hangingPunct="1">
+              <a:spcBef>
+                <a:spcPct val="0"/>
+              </a:spcBef>
+              <a:buNone/>
+              <a:defRPr sz="3600" kern="1200">
+                <a:solidFill>
+                  <a:schemeClr val="accent1"/>
+                </a:solidFill>
+                <a:latin typeface="+mj-lt"/>
+                <a:ea typeface="+mj-ea"/>
+                <a:cs typeface="+mj-cs"/>
+              </a:defRPr>
+            </a:lvl1pPr>
+            <a:lvl2pPr eaLnBrk="1" hangingPunct="1">
+              <a:defRPr>
+                <a:solidFill>
+                  <a:schemeClr val="tx2"/>
+                </a:solidFill>
+              </a:defRPr>
+            </a:lvl2pPr>
+            <a:lvl3pPr eaLnBrk="1" hangingPunct="1">
+              <a:defRPr>
+                <a:solidFill>
+                  <a:schemeClr val="tx2"/>
+                </a:solidFill>
+              </a:defRPr>
+            </a:lvl3pPr>
+            <a:lvl4pPr eaLnBrk="1" hangingPunct="1">
+              <a:defRPr>
+                <a:solidFill>
+                  <a:schemeClr val="tx2"/>
+                </a:solidFill>
+              </a:defRPr>
+            </a:lvl4pPr>
+            <a:lvl5pPr eaLnBrk="1" hangingPunct="1">
+              <a:defRPr>
+                <a:solidFill>
+                  <a:schemeClr val="tx2"/>
+                </a:solidFill>
+              </a:defRPr>
+            </a:lvl5pPr>
+            <a:lvl6pPr eaLnBrk="1" hangingPunct="1">
+              <a:defRPr>
+                <a:solidFill>
+                  <a:schemeClr val="tx2"/>
+                </a:solidFill>
+              </a:defRPr>
+            </a:lvl6pPr>
+            <a:lvl7pPr eaLnBrk="1" hangingPunct="1">
+              <a:defRPr>
+                <a:solidFill>
+                  <a:schemeClr val="tx2"/>
+                </a:solidFill>
+              </a:defRPr>
+            </a:lvl7pPr>
+            <a:lvl8pPr eaLnBrk="1" hangingPunct="1">
+              <a:defRPr>
+                <a:solidFill>
+                  <a:schemeClr val="tx2"/>
+                </a:solidFill>
+              </a:defRPr>
+            </a:lvl8pPr>
+            <a:lvl9pPr eaLnBrk="1" hangingPunct="1">
+              <a:defRPr>
+                <a:solidFill>
+                  <a:schemeClr val="tx2"/>
+                </a:solidFill>
+              </a:defRPr>
+            </a:lvl9pPr>
+          </a:lstStyle>
+          <a:p>
+            <a:pPr algn="ctr"/>
+            <a:r>
+              <a:rPr lang="en-US" sz="2800" dirty="0" err="1" smtClean="0"/>
+              <a:t>InputIterator</a:t>
+            </a:r>
+            <a:r>
+              <a:rPr lang="en-US" sz="2800" dirty="0" smtClean="0"/>
+              <a:t> </a:t>
+            </a:r>
+            <a:r>
+              <a:rPr lang="ru-RU" sz="2800" dirty="0"/>
+              <a:t>и </a:t>
+            </a:r>
+            <a:r>
+              <a:rPr lang="en-US" sz="2800" dirty="0" err="1"/>
+              <a:t>OutputIterator</a:t>
+            </a:r>
+            <a:endParaRPr lang="en-US" sz="2800" dirty="0"/>
+          </a:p>
+        </p:txBody>
+      </p:sp>
+      <p:graphicFrame>
+        <p:nvGraphicFramePr>
+          <p:cNvPr id="12" name="Table 11">
+            <a:extLst>
+              <a:ext uri="{FF2B5EF4-FFF2-40B4-BE49-F238E27FC236}">
+                <a16:creationId xmlns:a16="http://schemas.microsoft.com/office/drawing/2014/main" xmlns="" id="{CCE7D441-96BC-4D6A-BE32-CEC98DB5865D}"/>
+              </a:ext>
+            </a:extLst>
+          </p:cNvPr>
+          <p:cNvGraphicFramePr>
+            <a:graphicFrameLocks noGrp="1"/>
+          </p:cNvGraphicFramePr>
+          <p:nvPr>
+            <p:extLst>
+              <p:ext uri="{D42A27DB-BD31-4B8C-83A1-F6EECF244321}">
+                <p14:modId xmlns:p14="http://schemas.microsoft.com/office/powerpoint/2010/main" val="2017866981"/>
+              </p:ext>
+            </p:extLst>
+          </p:nvPr>
+        </p:nvGraphicFramePr>
+        <p:xfrm>
+          <a:off x="443058" y="705702"/>
+          <a:ext cx="11472419" cy="5918200"/>
+        </p:xfrm>
+        <a:graphic>
+          <a:graphicData uri="http://schemas.openxmlformats.org/drawingml/2006/table">
+            <a:tbl>
+              <a:tblPr firstRow="1" bandRow="1">
+                <a:tableStyleId>{5C22544A-7EE6-4342-B048-85BDC9FD1C3A}</a:tableStyleId>
+              </a:tblPr>
+              <a:tblGrid>
+                <a:gridCol w="3440783">
+                  <a:extLst>
+                    <a:ext uri="{9D8B030D-6E8A-4147-A177-3AD203B41FA5}">
+                      <a16:colId xmlns:a16="http://schemas.microsoft.com/office/drawing/2014/main" xmlns="" val="673896950"/>
+                    </a:ext>
+                  </a:extLst>
+                </a:gridCol>
+                <a:gridCol w="2554664">
+                  <a:extLst>
+                    <a:ext uri="{9D8B030D-6E8A-4147-A177-3AD203B41FA5}">
+                      <a16:colId xmlns:a16="http://schemas.microsoft.com/office/drawing/2014/main" xmlns="" val="3404116454"/>
+                    </a:ext>
+                  </a:extLst>
+                </a:gridCol>
+                <a:gridCol w="2790334">
+                  <a:extLst>
+                    <a:ext uri="{9D8B030D-6E8A-4147-A177-3AD203B41FA5}">
+                      <a16:colId xmlns:a16="http://schemas.microsoft.com/office/drawing/2014/main" xmlns="" val="2546970233"/>
+                    </a:ext>
+                  </a:extLst>
+                </a:gridCol>
+                <a:gridCol w="2686638">
+                  <a:extLst>
+                    <a:ext uri="{9D8B030D-6E8A-4147-A177-3AD203B41FA5}">
+                      <a16:colId xmlns:a16="http://schemas.microsoft.com/office/drawing/2014/main" xmlns="" val="1905818927"/>
+                    </a:ext>
+                  </a:extLst>
+                </a:gridCol>
+              </a:tblGrid>
+              <a:tr h="370840">
+                <a:tc>
+                  <a:txBody>
+                    <a:bodyPr/>
+                    <a:lstStyle/>
+                    <a:p>
+                      <a:r>
+                        <a:rPr lang="ru-RU" dirty="0" smtClean="0"/>
+                        <a:t>Операция</a:t>
+                      </a:r>
+                      <a:endParaRPr lang="en-US" dirty="0"/>
+                    </a:p>
+                  </a:txBody>
+                  <a:tcPr/>
+                </a:tc>
+                <a:tc>
+                  <a:txBody>
+                    <a:bodyPr/>
+                    <a:lstStyle/>
+                    <a:p>
+                      <a:r>
+                        <a:rPr lang="ru-RU" dirty="0"/>
+                        <a:t>Оператор</a:t>
+                      </a:r>
+                      <a:endParaRPr lang="en-US" dirty="0"/>
+                    </a:p>
+                  </a:txBody>
+                  <a:tcPr/>
+                </a:tc>
+                <a:tc>
+                  <a:txBody>
+                    <a:bodyPr/>
+                    <a:lstStyle/>
+                    <a:p>
+                      <a:r>
+                        <a:rPr lang="en-US" dirty="0" err="1"/>
+                        <a:t>InputIterator</a:t>
+                      </a:r>
+                      <a:endParaRPr lang="en-US" dirty="0"/>
+                    </a:p>
+                  </a:txBody>
+                  <a:tcPr/>
+                </a:tc>
+                <a:tc>
+                  <a:txBody>
+                    <a:bodyPr/>
+                    <a:lstStyle/>
+                    <a:p>
+                      <a:r>
+                        <a:rPr lang="en-US" dirty="0" err="1"/>
+                        <a:t>OutputIterator</a:t>
+                      </a:r>
+                      <a:endParaRPr lang="en-US" dirty="0"/>
+                    </a:p>
+                  </a:txBody>
+                  <a:tcPr/>
+                </a:tc>
+                <a:extLst>
+                  <a:ext uri="{0D108BD9-81ED-4DB2-BD59-A6C34878D82A}">
+                    <a16:rowId xmlns:a16="http://schemas.microsoft.com/office/drawing/2014/main" xmlns="" val="3707840138"/>
+                  </a:ext>
+                </a:extLst>
+              </a:tr>
+              <a:tr h="1259196">
+                <a:tc>
+                  <a:txBody>
+                    <a:bodyPr/>
+                    <a:lstStyle/>
+                    <a:p>
+                      <a:r>
+                        <a:rPr lang="ru-RU" dirty="0"/>
+                        <a:t>Савнение на равенство</a:t>
+                      </a:r>
+                    </a:p>
+                    <a:p>
+                      <a:r>
+                        <a:rPr lang="en-US" dirty="0"/>
+                        <a:t>A == B </a:t>
+                      </a:r>
+                      <a:endParaRPr lang="ru-RU" dirty="0"/>
+                    </a:p>
+                    <a:p>
+                      <a:r>
+                        <a:rPr lang="en-US" dirty="0"/>
+                        <a:t>A != </a:t>
+                      </a:r>
+                      <a:r>
+                        <a:rPr lang="en-US" dirty="0" smtClean="0"/>
+                        <a:t>B</a:t>
+                      </a:r>
+                      <a:endParaRPr lang="ru-RU" dirty="0" smtClean="0"/>
+                    </a:p>
+                    <a:p>
+                      <a:r>
+                        <a:rPr lang="ru-RU" sz="1800" dirty="0" smtClean="0"/>
+                        <a:t>Другие</a:t>
+                      </a:r>
+                      <a:r>
+                        <a:rPr lang="ru-RU" sz="1800" baseline="0" dirty="0" smtClean="0"/>
+                        <a:t> операции сравнения не определены</a:t>
+                      </a:r>
+                      <a:endParaRPr lang="en-US" dirty="0"/>
+                    </a:p>
+                  </a:txBody>
+                  <a:tcPr/>
+                </a:tc>
+                <a:tc>
+                  <a:txBody>
+                    <a:bodyPr/>
+                    <a:lstStyle/>
+                    <a:p>
+                      <a:r>
+                        <a:rPr lang="en-US" dirty="0"/>
+                        <a:t>bool operator==(B)</a:t>
+                      </a:r>
+                    </a:p>
+                    <a:p>
+                      <a:r>
+                        <a:rPr lang="en-US" dirty="0"/>
+                        <a:t>bool operator!=(B)</a:t>
+                      </a:r>
+                    </a:p>
+                  </a:txBody>
+                  <a:tcPr/>
+                </a:tc>
+                <a:tc>
+                  <a:txBody>
+                    <a:bodyPr/>
+                    <a:lstStyle/>
+                    <a:p>
+                      <a:pPr algn="ctr"/>
+                      <a:endParaRPr lang="ru-RU" sz="3200" dirty="0">
+                        <a:solidFill>
+                          <a:schemeClr val="accent2">
+                            <a:lumMod val="50000"/>
+                          </a:schemeClr>
+                        </a:solidFill>
+                        <a:latin typeface="Wingdings 2" panose="05020102010507070707" pitchFamily="18" charset="2"/>
+                        <a:sym typeface="Wingdings 2" panose="05020102010507070707" pitchFamily="18" charset="2"/>
+                      </a:endParaRPr>
+                    </a:p>
+                    <a:p>
+                      <a:pPr algn="ctr"/>
+                      <a:r>
+                        <a:rPr lang="ru-RU" sz="1800" dirty="0">
+                          <a:solidFill>
+                            <a:schemeClr val="tx1"/>
+                          </a:solidFill>
+                          <a:latin typeface="+mn-lt"/>
+                        </a:rPr>
+                        <a:t>Может стоять по обе стороны знака</a:t>
+                      </a:r>
+                      <a:endParaRPr lang="en-US" sz="1800" dirty="0">
+                        <a:solidFill>
+                          <a:schemeClr val="tx1"/>
+                        </a:solidFill>
+                        <a:latin typeface="+mn-lt"/>
+                      </a:endParaRPr>
+                    </a:p>
+                  </a:txBody>
+                  <a:tcPr/>
+                </a:tc>
+                <a:tc>
+                  <a:txBody>
+                    <a:bodyPr/>
+                    <a:lstStyle/>
+                    <a:p>
+                      <a:pPr marL="0" marR="0" lvl="0" indent="0" algn="ctr" defTabSz="457200" rtl="0" eaLnBrk="1" fontAlgn="auto" latinLnBrk="0" hangingPunct="1">
+                        <a:lnSpc>
+                          <a:spcPct val="100000"/>
+                        </a:lnSpc>
+                        <a:spcBef>
+                          <a:spcPts val="0"/>
+                        </a:spcBef>
+                        <a:spcAft>
+                          <a:spcPts val="0"/>
+                        </a:spcAft>
+                        <a:buClrTx/>
+                        <a:buSzTx/>
+                        <a:buFontTx/>
+                        <a:buNone/>
+                        <a:tabLst/>
+                        <a:defRPr/>
+                      </a:pPr>
+                      <a:endParaRPr lang="ru-RU" sz="3200" dirty="0">
+                        <a:solidFill>
+                          <a:schemeClr val="accent5">
+                            <a:lumMod val="75000"/>
+                          </a:schemeClr>
+                        </a:solidFill>
+                        <a:sym typeface="Wingdings 2" panose="05020102010507070707" pitchFamily="18" charset="2"/>
+                      </a:endParaRPr>
+                    </a:p>
+                    <a:p>
+                      <a:pPr marL="0" marR="0" lvl="0" indent="0" algn="ctr" defTabSz="457200" rtl="0" eaLnBrk="1" fontAlgn="auto" latinLnBrk="0" hangingPunct="1">
+                        <a:lnSpc>
+                          <a:spcPct val="100000"/>
+                        </a:lnSpc>
+                        <a:spcBef>
+                          <a:spcPts val="0"/>
+                        </a:spcBef>
+                        <a:spcAft>
+                          <a:spcPts val="0"/>
+                        </a:spcAft>
+                        <a:buClrTx/>
+                        <a:buSzTx/>
+                        <a:buFontTx/>
+                        <a:buNone/>
+                        <a:tabLst/>
+                        <a:defRPr/>
+                      </a:pPr>
+                      <a:r>
+                        <a:rPr lang="ru-RU" sz="1800" dirty="0">
+                          <a:latin typeface="+mn-lt"/>
+                        </a:rPr>
+                        <a:t>Может стоять только справа от знака</a:t>
+                      </a:r>
+                      <a:endParaRPr lang="en-US" sz="1800" dirty="0">
+                        <a:latin typeface="+mn-lt"/>
+                      </a:endParaRPr>
+                    </a:p>
+                  </a:txBody>
+                  <a:tcPr/>
+                </a:tc>
+                <a:extLst>
+                  <a:ext uri="{0D108BD9-81ED-4DB2-BD59-A6C34878D82A}">
+                    <a16:rowId xmlns:a16="http://schemas.microsoft.com/office/drawing/2014/main" xmlns="" val="541336909"/>
+                  </a:ext>
+                </a:extLst>
+              </a:tr>
+              <a:tr h="370840">
+                <a:tc>
+                  <a:txBody>
+                    <a:bodyPr/>
+                    <a:lstStyle/>
+                    <a:p>
+                      <a:r>
+                        <a:rPr lang="ru-RU" dirty="0"/>
+                        <a:t>Инкремент</a:t>
+                      </a:r>
+                    </a:p>
+                    <a:p>
+                      <a:r>
+                        <a:rPr lang="ru-RU" dirty="0"/>
+                        <a:t>++</a:t>
+                      </a:r>
+                      <a:r>
+                        <a:rPr lang="en-US" dirty="0"/>
+                        <a:t>A</a:t>
+                      </a:r>
+                    </a:p>
+                    <a:p>
+                      <a:r>
+                        <a:rPr lang="en-US" dirty="0"/>
+                        <a:t>A</a:t>
+                      </a:r>
+                      <a:r>
+                        <a:rPr lang="en-US" dirty="0" smtClean="0"/>
+                        <a:t>++</a:t>
+                      </a:r>
+                      <a:endParaRPr lang="ru-RU" dirty="0" smtClean="0"/>
+                    </a:p>
+                    <a:p>
+                      <a:r>
+                        <a:rPr lang="ru-RU" dirty="0" smtClean="0"/>
+                        <a:t>Другие арифметические</a:t>
+                      </a:r>
+                      <a:r>
+                        <a:rPr lang="ru-RU" baseline="0" dirty="0" smtClean="0"/>
+                        <a:t> операции не определены</a:t>
+                      </a:r>
+                      <a:endParaRPr lang="en-US" dirty="0"/>
+                    </a:p>
+                  </a:txBody>
+                  <a:tcPr/>
+                </a:tc>
+                <a:tc>
+                  <a:txBody>
+                    <a:bodyPr/>
+                    <a:lstStyle/>
+                    <a:p>
+                      <a:r>
+                        <a:rPr lang="en-US" dirty="0"/>
+                        <a:t>A</a:t>
+                      </a:r>
+                      <a:r>
+                        <a:rPr lang="en-US" dirty="0">
+                          <a:latin typeface="Times New Roman" panose="02020603050405020304" pitchFamily="18" charset="0"/>
+                          <a:cs typeface="Times New Roman" panose="02020603050405020304" pitchFamily="18" charset="0"/>
+                        </a:rPr>
+                        <a:t>&amp;</a:t>
+                      </a:r>
+                      <a:r>
+                        <a:rPr lang="en-US" dirty="0"/>
+                        <a:t> operator++()</a:t>
+                      </a:r>
+                    </a:p>
+                    <a:p>
+                      <a:r>
+                        <a:rPr lang="en-US" dirty="0"/>
+                        <a:t>A operator++(int n)</a:t>
+                      </a:r>
+                    </a:p>
+                  </a:txBody>
+                  <a:tcPr/>
+                </a:tc>
+                <a:tc>
+                  <a:txBody>
+                    <a:bodyPr/>
+                    <a:lstStyle/>
+                    <a:p>
+                      <a:pPr algn="ctr"/>
+                      <a:endParaRPr lang="en-US" sz="3200" dirty="0">
+                        <a:solidFill>
+                          <a:schemeClr val="accent2">
+                            <a:lumMod val="50000"/>
+                          </a:schemeClr>
+                        </a:solidFill>
+                      </a:endParaRPr>
+                    </a:p>
+                  </a:txBody>
+                  <a:tcPr/>
+                </a:tc>
+                <a:tc>
+                  <a:txBody>
+                    <a:bodyPr/>
+                    <a:lstStyle/>
+                    <a:p>
+                      <a:pPr algn="ctr"/>
+                      <a:endParaRPr lang="en-US" sz="3200" dirty="0">
+                        <a:solidFill>
+                          <a:schemeClr val="accent2">
+                            <a:lumMod val="50000"/>
+                          </a:schemeClr>
+                        </a:solidFill>
+                        <a:latin typeface="Wingdings 2" panose="05020102010507070707" pitchFamily="18" charset="2"/>
+                      </a:endParaRPr>
+                    </a:p>
+                  </a:txBody>
+                  <a:tcPr/>
+                </a:tc>
+                <a:extLst>
+                  <a:ext uri="{0D108BD9-81ED-4DB2-BD59-A6C34878D82A}">
+                    <a16:rowId xmlns:a16="http://schemas.microsoft.com/office/drawing/2014/main" xmlns="" val="2595382089"/>
+                  </a:ext>
+                </a:extLst>
+              </a:tr>
+              <a:tr h="1110881">
+                <a:tc>
+                  <a:txBody>
+                    <a:bodyPr/>
+                    <a:lstStyle/>
+                    <a:p>
+                      <a:r>
+                        <a:rPr lang="en-US" dirty="0"/>
+                        <a:t>Dereference as </a:t>
+                      </a:r>
+                      <a:r>
+                        <a:rPr lang="en-US" dirty="0" err="1"/>
+                        <a:t>rvalue</a:t>
+                      </a:r>
+                      <a:endParaRPr lang="ru-RU" dirty="0"/>
+                    </a:p>
+                    <a:p>
+                      <a:r>
+                        <a:rPr lang="en-US" dirty="0"/>
+                        <a:t>n = </a:t>
+                      </a:r>
+                      <a:r>
+                        <a:rPr lang="ru-RU" dirty="0"/>
+                        <a:t>*</a:t>
+                      </a:r>
+                      <a:r>
+                        <a:rPr lang="en-US" dirty="0"/>
+                        <a:t>A</a:t>
+                      </a:r>
+                    </a:p>
+                    <a:p>
+                      <a:r>
+                        <a:rPr lang="en-US" dirty="0"/>
+                        <a:t>n = A</a:t>
+                      </a:r>
+                      <a:r>
+                        <a:rPr lang="ru-RU" dirty="0"/>
+                        <a:t>-</a:t>
+                      </a:r>
+                      <a:r>
+                        <a:rPr lang="en-US" dirty="0"/>
+                        <a:t>&gt;m</a:t>
+                      </a:r>
+                    </a:p>
+                  </a:txBody>
+                  <a:tcPr/>
+                </a:tc>
+                <a:tc>
+                  <a:txBody>
+                    <a:bodyPr/>
+                    <a:lstStyle/>
+                    <a:p>
+                      <a:r>
+                        <a:rPr lang="en-US" dirty="0"/>
+                        <a:t>T operator*()</a:t>
+                      </a:r>
+                    </a:p>
+                    <a:p>
+                      <a:r>
+                        <a:rPr lang="en-US" dirty="0"/>
+                        <a:t>T operator-&gt;()</a:t>
+                      </a:r>
+                    </a:p>
+                  </a:txBody>
+                  <a:tcPr/>
+                </a:tc>
+                <a:tc>
+                  <a:txBody>
+                    <a:bodyPr/>
+                    <a:lstStyle/>
+                    <a:p>
+                      <a:pPr algn="ctr"/>
+                      <a:endParaRPr lang="ru-RU" sz="3200" dirty="0">
+                        <a:solidFill>
+                          <a:schemeClr val="accent2">
+                            <a:lumMod val="50000"/>
+                          </a:schemeClr>
+                        </a:solidFill>
+                        <a:latin typeface="Wingdings 2" panose="05020102010507070707" pitchFamily="18" charset="2"/>
+                        <a:sym typeface="Wingdings 2" panose="05020102010507070707" pitchFamily="18" charset="2"/>
+                      </a:endParaRPr>
+                    </a:p>
+                    <a:p>
+                      <a:pPr algn="ctr"/>
+                      <a:r>
+                        <a:rPr lang="ru-RU" sz="1600" dirty="0">
+                          <a:solidFill>
+                            <a:schemeClr val="tx1"/>
+                          </a:solidFill>
+                          <a:latin typeface="+mn-lt"/>
+                        </a:rPr>
+                        <a:t>Изменения значения, на которое указывает итератор, не сохраняются</a:t>
+                      </a:r>
+                      <a:endParaRPr lang="en-US" sz="2400" dirty="0">
+                        <a:solidFill>
+                          <a:schemeClr val="accent2">
+                            <a:lumMod val="50000"/>
+                          </a:schemeClr>
+                        </a:solidFill>
+                        <a:latin typeface="+mn-lt"/>
+                      </a:endParaRPr>
+                    </a:p>
+                  </a:txBody>
+                  <a:tcPr/>
+                </a:tc>
+                <a:tc>
+                  <a:txBody>
+                    <a:bodyPr/>
+                    <a:lstStyle/>
+                    <a:p>
+                      <a:pPr marL="0" marR="0" lvl="0" indent="0" algn="ctr" defTabSz="457200" rtl="0" eaLnBrk="1" fontAlgn="auto" latinLnBrk="0" hangingPunct="1">
+                        <a:lnSpc>
+                          <a:spcPct val="100000"/>
+                        </a:lnSpc>
+                        <a:spcBef>
+                          <a:spcPts val="0"/>
+                        </a:spcBef>
+                        <a:spcAft>
+                          <a:spcPts val="0"/>
+                        </a:spcAft>
+                        <a:buClrTx/>
+                        <a:buSzTx/>
+                        <a:buFontTx/>
+                        <a:buNone/>
+                        <a:tabLst/>
+                        <a:defRPr/>
+                      </a:pPr>
+                      <a:endParaRPr lang="en-US" sz="3200" dirty="0">
+                        <a:solidFill>
+                          <a:schemeClr val="accent5">
+                            <a:lumMod val="75000"/>
+                          </a:schemeClr>
+                        </a:solidFill>
+                      </a:endParaRPr>
+                    </a:p>
+                    <a:p>
+                      <a:pPr algn="ctr"/>
+                      <a:endParaRPr lang="en-US" sz="3200" dirty="0">
+                        <a:solidFill>
+                          <a:schemeClr val="accent2">
+                            <a:lumMod val="50000"/>
+                          </a:schemeClr>
+                        </a:solidFill>
+                      </a:endParaRPr>
+                    </a:p>
+                  </a:txBody>
+                  <a:tcPr/>
+                </a:tc>
+                <a:extLst>
+                  <a:ext uri="{0D108BD9-81ED-4DB2-BD59-A6C34878D82A}">
+                    <a16:rowId xmlns:a16="http://schemas.microsoft.com/office/drawing/2014/main" xmlns="" val="1389121230"/>
+                  </a:ext>
+                </a:extLst>
+              </a:tr>
+              <a:tr h="1101140">
+                <a:tc>
+                  <a:txBody>
+                    <a:bodyPr/>
+                    <a:lstStyle/>
+                    <a:p>
+                      <a:r>
+                        <a:rPr lang="en-US" dirty="0"/>
+                        <a:t>Dereference as </a:t>
+                      </a:r>
+                      <a:r>
+                        <a:rPr lang="en-US" dirty="0" err="1"/>
+                        <a:t>lvalue</a:t>
+                      </a:r>
+                      <a:endParaRPr lang="en-US" dirty="0"/>
+                    </a:p>
+                    <a:p>
+                      <a:r>
+                        <a:rPr lang="ru-RU" dirty="0"/>
+                        <a:t>*</a:t>
+                      </a:r>
+                      <a:r>
+                        <a:rPr lang="en-US" dirty="0"/>
+                        <a:t>A = n,</a:t>
+                      </a:r>
+                    </a:p>
+                    <a:p>
+                      <a:r>
+                        <a:rPr lang="en-US" dirty="0"/>
+                        <a:t>A-&gt;m = n</a:t>
+                      </a:r>
+                    </a:p>
+                  </a:txBody>
+                  <a:tcPr/>
+                </a:tc>
+                <a:tc>
+                  <a:txBody>
+                    <a:bodyPr/>
+                    <a:lstStyle/>
+                    <a:p>
+                      <a:r>
+                        <a:rPr lang="en-US" dirty="0"/>
+                        <a:t>T</a:t>
+                      </a:r>
+                      <a:r>
+                        <a:rPr lang="en-US" dirty="0">
+                          <a:latin typeface="Times New Roman" panose="02020603050405020304" pitchFamily="18" charset="0"/>
+                          <a:cs typeface="Times New Roman" panose="02020603050405020304" pitchFamily="18" charset="0"/>
+                        </a:rPr>
+                        <a:t>&amp; operator*()</a:t>
+                      </a:r>
+                    </a:p>
+                    <a:p>
+                      <a:r>
+                        <a:rPr lang="en-US" dirty="0">
+                          <a:latin typeface="Times New Roman" panose="02020603050405020304" pitchFamily="18" charset="0"/>
+                          <a:cs typeface="Times New Roman" panose="02020603050405020304" pitchFamily="18" charset="0"/>
+                        </a:rPr>
+                        <a:t>T&amp; operator-&gt;()</a:t>
+                      </a:r>
+                    </a:p>
+                  </a:txBody>
+                  <a:tcPr/>
+                </a:tc>
+                <a:tc>
+                  <a:txBody>
+                    <a:bodyPr/>
+                    <a:lstStyle/>
+                    <a:p>
+                      <a:pPr algn="ctr"/>
+                      <a:endParaRPr lang="en-US" sz="3200" dirty="0">
+                        <a:solidFill>
+                          <a:schemeClr val="accent5">
+                            <a:lumMod val="75000"/>
+                          </a:schemeClr>
+                        </a:solidFill>
+                      </a:endParaRPr>
+                    </a:p>
+                  </a:txBody>
+                  <a:tcPr/>
+                </a:tc>
+                <a:tc>
+                  <a:txBody>
+                    <a:bodyPr/>
+                    <a:lstStyle/>
+                    <a:p>
+                      <a:pPr algn="ctr"/>
+                      <a:endParaRPr lang="ru-RU" sz="3200" dirty="0">
+                        <a:solidFill>
+                          <a:schemeClr val="accent2">
+                            <a:lumMod val="50000"/>
+                          </a:schemeClr>
+                        </a:solidFill>
+                        <a:latin typeface="Wingdings 2" panose="05020102010507070707" pitchFamily="18" charset="2"/>
+                        <a:sym typeface="Wingdings 2" panose="05020102010507070707" pitchFamily="18" charset="2"/>
+                      </a:endParaRPr>
+                    </a:p>
+                    <a:p>
+                      <a:pPr algn="ctr"/>
+                      <a:r>
+                        <a:rPr lang="ru-RU" sz="1600" dirty="0">
+                          <a:solidFill>
+                            <a:schemeClr val="accent2">
+                              <a:lumMod val="50000"/>
+                            </a:schemeClr>
+                          </a:solidFill>
+                          <a:latin typeface="+mn-lt"/>
+                          <a:sym typeface="Wingdings 2" panose="05020102010507070707" pitchFamily="18" charset="2"/>
+                        </a:rPr>
+                        <a:t>Можно изменять значение, на которое указывает итератор</a:t>
+                      </a:r>
+                      <a:endParaRPr lang="en-US" sz="1600" dirty="0">
+                        <a:solidFill>
+                          <a:schemeClr val="accent2">
+                            <a:lumMod val="50000"/>
+                          </a:schemeClr>
+                        </a:solidFill>
+                        <a:latin typeface="+mn-lt"/>
+                      </a:endParaRPr>
+                    </a:p>
+                  </a:txBody>
+                  <a:tcPr/>
+                </a:tc>
+                <a:extLst>
+                  <a:ext uri="{0D108BD9-81ED-4DB2-BD59-A6C34878D82A}">
+                    <a16:rowId xmlns:a16="http://schemas.microsoft.com/office/drawing/2014/main" xmlns="" val="4012556742"/>
+                  </a:ext>
+                </a:extLst>
+              </a:tr>
+            </a:tbl>
+          </a:graphicData>
+        </a:graphic>
+      </p:graphicFrame>
+      <p:pic>
+        <p:nvPicPr>
+          <p:cNvPr id="5" name="Рисунок 4"/>
+          <p:cNvPicPr>
+            <a:picLocks noChangeAspect="1"/>
+          </p:cNvPicPr>
+          <p:nvPr/>
+        </p:nvPicPr>
+        <p:blipFill>
+          <a:blip r:embed="rId2" cstate="print">
+            <a:extLst>
+              <a:ext uri="{28A0092B-C50C-407E-A947-70E740481C1C}">
+                <a14:useLocalDpi xmlns:a14="http://schemas.microsoft.com/office/drawing/2010/main" val="0"/>
+              </a:ext>
+            </a:extLst>
+          </a:blip>
+          <a:stretch>
+            <a:fillRect/>
+          </a:stretch>
+        </p:blipFill>
+        <p:spPr>
+          <a:xfrm>
+            <a:off x="10296525" y="1157115"/>
+            <a:ext cx="519113" cy="519113"/>
+          </a:xfrm>
+          <a:prstGeom prst="rect">
+            <a:avLst/>
+          </a:prstGeom>
+        </p:spPr>
+      </p:pic>
+      <p:pic>
+        <p:nvPicPr>
+          <p:cNvPr id="6" name="Рисунок 5"/>
+          <p:cNvPicPr>
+            <a:picLocks noChangeAspect="1"/>
+          </p:cNvPicPr>
+          <p:nvPr/>
+        </p:nvPicPr>
+        <p:blipFill>
+          <a:blip r:embed="rId2" cstate="print">
+            <a:extLst>
+              <a:ext uri="{28A0092B-C50C-407E-A947-70E740481C1C}">
+                <a14:useLocalDpi xmlns:a14="http://schemas.microsoft.com/office/drawing/2010/main" val="0"/>
+              </a:ext>
+            </a:extLst>
+          </a:blip>
+          <a:stretch>
+            <a:fillRect/>
+          </a:stretch>
+        </p:blipFill>
+        <p:spPr>
+          <a:xfrm>
+            <a:off x="10296525" y="4471815"/>
+            <a:ext cx="519113" cy="519113"/>
+          </a:xfrm>
+          <a:prstGeom prst="rect">
+            <a:avLst/>
+          </a:prstGeom>
+        </p:spPr>
+      </p:pic>
+      <p:pic>
+        <p:nvPicPr>
+          <p:cNvPr id="7" name="Рисунок 6"/>
+          <p:cNvPicPr>
+            <a:picLocks noChangeAspect="1"/>
+          </p:cNvPicPr>
+          <p:nvPr/>
+        </p:nvPicPr>
+        <p:blipFill>
+          <a:blip r:embed="rId2" cstate="print">
+            <a:extLst>
+              <a:ext uri="{28A0092B-C50C-407E-A947-70E740481C1C}">
+                <a14:useLocalDpi xmlns:a14="http://schemas.microsoft.com/office/drawing/2010/main" val="0"/>
+              </a:ext>
+            </a:extLst>
+          </a:blip>
+          <a:stretch>
+            <a:fillRect/>
+          </a:stretch>
+        </p:blipFill>
+        <p:spPr>
+          <a:xfrm>
+            <a:off x="7629525" y="5671965"/>
+            <a:ext cx="519113" cy="519113"/>
+          </a:xfrm>
+          <a:prstGeom prst="rect">
+            <a:avLst/>
+          </a:prstGeom>
+        </p:spPr>
+      </p:pic>
+      <p:pic>
+        <p:nvPicPr>
+          <p:cNvPr id="8" name="Рисунок 7"/>
+          <p:cNvPicPr>
+            <a:picLocks noChangeAspect="1"/>
+          </p:cNvPicPr>
+          <p:nvPr/>
+        </p:nvPicPr>
+        <p:blipFill>
+          <a:blip r:embed="rId3" cstate="print">
+            <a:extLst>
+              <a:ext uri="{28A0092B-C50C-407E-A947-70E740481C1C}">
+                <a14:useLocalDpi xmlns:a14="http://schemas.microsoft.com/office/drawing/2010/main" val="0"/>
+              </a:ext>
+            </a:extLst>
+          </a:blip>
+          <a:stretch>
+            <a:fillRect/>
+          </a:stretch>
+        </p:blipFill>
+        <p:spPr>
+          <a:xfrm>
+            <a:off x="7629525" y="1157115"/>
+            <a:ext cx="409575" cy="468086"/>
+          </a:xfrm>
+          <a:prstGeom prst="rect">
+            <a:avLst/>
+          </a:prstGeom>
+        </p:spPr>
+      </p:pic>
+      <p:pic>
+        <p:nvPicPr>
+          <p:cNvPr id="9" name="Рисунок 8"/>
+          <p:cNvPicPr>
+            <a:picLocks noChangeAspect="1"/>
+          </p:cNvPicPr>
+          <p:nvPr/>
+        </p:nvPicPr>
+        <p:blipFill>
+          <a:blip r:embed="rId3" cstate="print">
+            <a:extLst>
+              <a:ext uri="{28A0092B-C50C-407E-A947-70E740481C1C}">
+                <a14:useLocalDpi xmlns:a14="http://schemas.microsoft.com/office/drawing/2010/main" val="0"/>
+              </a:ext>
+            </a:extLst>
+          </a:blip>
+          <a:stretch>
+            <a:fillRect/>
+          </a:stretch>
+        </p:blipFill>
+        <p:spPr>
+          <a:xfrm>
+            <a:off x="7629524" y="2946454"/>
+            <a:ext cx="409575" cy="468086"/>
+          </a:xfrm>
+          <a:prstGeom prst="rect">
+            <a:avLst/>
+          </a:prstGeom>
+        </p:spPr>
+      </p:pic>
+      <p:pic>
+        <p:nvPicPr>
+          <p:cNvPr id="10" name="Рисунок 9"/>
+          <p:cNvPicPr>
+            <a:picLocks noChangeAspect="1"/>
+          </p:cNvPicPr>
+          <p:nvPr/>
+        </p:nvPicPr>
+        <p:blipFill>
+          <a:blip r:embed="rId3" cstate="print">
+            <a:extLst>
+              <a:ext uri="{28A0092B-C50C-407E-A947-70E740481C1C}">
+                <a14:useLocalDpi xmlns:a14="http://schemas.microsoft.com/office/drawing/2010/main" val="0"/>
+              </a:ext>
+            </a:extLst>
+          </a:blip>
+          <a:stretch>
+            <a:fillRect/>
+          </a:stretch>
+        </p:blipFill>
+        <p:spPr>
+          <a:xfrm>
+            <a:off x="10406062" y="2946454"/>
+            <a:ext cx="409575" cy="468086"/>
+          </a:xfrm>
+          <a:prstGeom prst="rect">
+            <a:avLst/>
+          </a:prstGeom>
+        </p:spPr>
+      </p:pic>
+      <p:pic>
+        <p:nvPicPr>
+          <p:cNvPr id="11" name="Рисунок 10"/>
+          <p:cNvPicPr>
+            <a:picLocks noChangeAspect="1"/>
+          </p:cNvPicPr>
+          <p:nvPr/>
+        </p:nvPicPr>
+        <p:blipFill>
+          <a:blip r:embed="rId3" cstate="print">
+            <a:extLst>
+              <a:ext uri="{28A0092B-C50C-407E-A947-70E740481C1C}">
+                <a14:useLocalDpi xmlns:a14="http://schemas.microsoft.com/office/drawing/2010/main" val="0"/>
+              </a:ext>
+            </a:extLst>
+          </a:blip>
+          <a:stretch>
+            <a:fillRect/>
+          </a:stretch>
+        </p:blipFill>
+        <p:spPr>
+          <a:xfrm>
+            <a:off x="7629524" y="4075166"/>
+            <a:ext cx="409575" cy="468086"/>
+          </a:xfrm>
+          <a:prstGeom prst="rect">
+            <a:avLst/>
+          </a:prstGeom>
+        </p:spPr>
+      </p:pic>
+      <p:pic>
+        <p:nvPicPr>
+          <p:cNvPr id="13" name="Рисунок 12"/>
+          <p:cNvPicPr>
+            <a:picLocks noChangeAspect="1"/>
+          </p:cNvPicPr>
+          <p:nvPr/>
+        </p:nvPicPr>
+        <p:blipFill>
+          <a:blip r:embed="rId3" cstate="print">
+            <a:extLst>
+              <a:ext uri="{28A0092B-C50C-407E-A947-70E740481C1C}">
+                <a14:useLocalDpi xmlns:a14="http://schemas.microsoft.com/office/drawing/2010/main" val="0"/>
+              </a:ext>
+            </a:extLst>
+          </a:blip>
+          <a:stretch>
+            <a:fillRect/>
+          </a:stretch>
+        </p:blipFill>
+        <p:spPr>
+          <a:xfrm>
+            <a:off x="10406063" y="5437922"/>
+            <a:ext cx="409575" cy="468086"/>
+          </a:xfrm>
+          <a:prstGeom prst="rect">
+            <a:avLst/>
+          </a:prstGeom>
+        </p:spPr>
+      </p:pic>
+    </p:spTree>
+    <p:extLst>
+      <p:ext uri="{BB962C8B-B14F-4D97-AF65-F5344CB8AC3E}">
+        <p14:creationId xmlns:p14="http://schemas.microsoft.com/office/powerpoint/2010/main" val="1094576686"/>
+      </p:ext>
+    </p:extLst>
+  </p:cSld>
+  <p:clrMapOvr>
+    <a:masterClrMapping/>
+  </p:clrMapOvr>
+  <p:timing>
+    <p:tnLst>
+      <p:par>
+        <p:cTn id="1" dur="indefinite" restart="never" nodeType="tmRoot"/>
+      </p:par>
+    </p:tnLst>
+  </p:timing>
+</p:sld>
+</file>
+
+<file path=ppt/slides/slide5.xml><?xml version="1.0" encoding="utf-8"?>
+<p:sld xmlns:a="http://schemas.openxmlformats.org/drawingml/2006/main" xmlns:r="http://schemas.openxmlformats.org/officeDocument/2006/relationships" xmlns:p="http://schemas.openxmlformats.org/presentationml/2006/main">
+  <p:cSld>
+    <p:spTree>
+      <p:nvGrpSpPr>
+        <p:cNvPr id="1" name=""/>
+        <p:cNvGrpSpPr/>
+        <p:nvPr/>
+      </p:nvGrpSpPr>
+      <p:grpSpPr>
+        <a:xfrm>
+          <a:off x="0" y="0"/>
+          <a:ext cx="0" cy="0"/>
+          <a:chOff x="0" y="0"/>
+          <a:chExt cx="0" cy="0"/>
+        </a:xfrm>
+      </p:grpSpPr>
+      <p:sp>
+        <p:nvSpPr>
+          <p:cNvPr id="3" name="Content Placeholder 2">
+            <a:extLst>
+              <a:ext uri="{FF2B5EF4-FFF2-40B4-BE49-F238E27FC236}">
+                <a16:creationId xmlns:a16="http://schemas.microsoft.com/office/drawing/2014/main" xmlns="" id="{26CEDBBB-DE92-40B8-B2B5-F45A320C25F4}"/>
+              </a:ext>
+            </a:extLst>
+          </p:cNvPr>
+          <p:cNvSpPr>
+            <a:spLocks noGrp="1"/>
+          </p:cNvSpPr>
+          <p:nvPr>
+            <p:ph idx="1"/>
+          </p:nvPr>
+        </p:nvSpPr>
+        <p:spPr>
+          <a:xfrm>
+            <a:off x="6513922" y="816637"/>
+            <a:ext cx="5420411" cy="2750651"/>
+          </a:xfrm>
+          <a:solidFill>
+            <a:schemeClr val="bg1"/>
+          </a:solidFill>
+        </p:spPr>
+        <p:txBody>
+          <a:bodyPr>
+            <a:normAutofit/>
+          </a:bodyPr>
+          <a:lstStyle/>
+          <a:p>
+            <a:r>
+              <a:rPr lang="ru-RU" sz="2000" dirty="0"/>
+              <a:t>Когда не нужно изменять элементы контейнера, можно ограничится </a:t>
+            </a:r>
+            <a:r>
+              <a:rPr lang="en-US" sz="2000" dirty="0" err="1" smtClean="0"/>
+              <a:t>InputIterator</a:t>
+            </a:r>
+            <a:endParaRPr lang="ru-RU" sz="2000" dirty="0" smtClean="0"/>
+          </a:p>
+          <a:p>
+            <a:r>
+              <a:rPr lang="ru-RU" sz="2000" dirty="0" smtClean="0"/>
+              <a:t>Алгоритм должен завершить работу за один обход, т.к. </a:t>
+            </a:r>
+            <a:r>
+              <a:rPr lang="en-US" sz="2000" dirty="0" err="1" smtClean="0"/>
+              <a:t>InputIterator</a:t>
+            </a:r>
+            <a:r>
+              <a:rPr lang="en-US" sz="2000" dirty="0" smtClean="0"/>
+              <a:t> </a:t>
+            </a:r>
+            <a:r>
+              <a:rPr lang="ru-RU" sz="2000" dirty="0" smtClean="0"/>
+              <a:t>может только инкрементироваться, операции декрементирования не </a:t>
+            </a:r>
+            <a:r>
+              <a:rPr lang="ru-RU" sz="2000" dirty="0" err="1" smtClean="0"/>
+              <a:t>определёны</a:t>
+            </a:r>
+            <a:endParaRPr lang="ru-RU" sz="2000" dirty="0" smtClean="0"/>
+          </a:p>
+          <a:p>
+            <a:endParaRPr lang="en-US" sz="2000" dirty="0"/>
+          </a:p>
+        </p:txBody>
+      </p:sp>
+      <p:sp>
+        <p:nvSpPr>
+          <p:cNvPr id="4" name="Title 1">
+            <a:extLst>
+              <a:ext uri="{FF2B5EF4-FFF2-40B4-BE49-F238E27FC236}">
+                <a16:creationId xmlns:a16="http://schemas.microsoft.com/office/drawing/2014/main" xmlns="" id="{65E8CEB3-E3E6-4768-8409-72F9C78EF2D5}"/>
+              </a:ext>
+            </a:extLst>
+          </p:cNvPr>
+          <p:cNvSpPr txBox="1">
+            <a:spLocks/>
+          </p:cNvSpPr>
+          <p:nvPr/>
+        </p:nvSpPr>
+        <p:spPr>
+          <a:xfrm>
+            <a:off x="443058" y="128922"/>
+            <a:ext cx="11491275" cy="476150"/>
+          </a:xfrm>
+          <a:prstGeom prst="rect">
+            <a:avLst/>
+          </a:prstGeom>
+          <a:solidFill>
+            <a:schemeClr val="bg1"/>
+          </a:solidFill>
+          <a:ln>
+            <a:solidFill>
+              <a:schemeClr val="tx1"/>
+            </a:solidFill>
+          </a:ln>
+        </p:spPr>
+        <p:txBody>
+          <a:bodyPr vert="horz" lIns="91440" tIns="45720" rIns="91440" bIns="45720" rtlCol="0" anchor="t">
+            <a:noAutofit/>
+          </a:bodyPr>
+          <a:lstStyle>
+            <a:lvl1pPr algn="l" defTabSz="457200" rtl="0" eaLnBrk="1" latinLnBrk="0" hangingPunct="1">
+              <a:spcBef>
+                <a:spcPct val="0"/>
+              </a:spcBef>
+              <a:buNone/>
+              <a:defRPr sz="3600" kern="1200">
+                <a:solidFill>
+                  <a:schemeClr val="accent1"/>
+                </a:solidFill>
+                <a:latin typeface="+mj-lt"/>
+                <a:ea typeface="+mj-ea"/>
+                <a:cs typeface="+mj-cs"/>
+              </a:defRPr>
+            </a:lvl1pPr>
+            <a:lvl2pPr eaLnBrk="1" hangingPunct="1">
+              <a:defRPr>
+                <a:solidFill>
+                  <a:schemeClr val="tx2"/>
+                </a:solidFill>
+              </a:defRPr>
+            </a:lvl2pPr>
+            <a:lvl3pPr eaLnBrk="1" hangingPunct="1">
+              <a:defRPr>
+                <a:solidFill>
+                  <a:schemeClr val="tx2"/>
+                </a:solidFill>
+              </a:defRPr>
+            </a:lvl3pPr>
+            <a:lvl4pPr eaLnBrk="1" hangingPunct="1">
+              <a:defRPr>
+                <a:solidFill>
+                  <a:schemeClr val="tx2"/>
+                </a:solidFill>
+              </a:defRPr>
+            </a:lvl4pPr>
+            <a:lvl5pPr eaLnBrk="1" hangingPunct="1">
+              <a:defRPr>
+                <a:solidFill>
+                  <a:schemeClr val="tx2"/>
+                </a:solidFill>
+              </a:defRPr>
+            </a:lvl5pPr>
+            <a:lvl6pPr eaLnBrk="1" hangingPunct="1">
+              <a:defRPr>
+                <a:solidFill>
+                  <a:schemeClr val="tx2"/>
+                </a:solidFill>
+              </a:defRPr>
+            </a:lvl6pPr>
+            <a:lvl7pPr eaLnBrk="1" hangingPunct="1">
+              <a:defRPr>
+                <a:solidFill>
+                  <a:schemeClr val="tx2"/>
+                </a:solidFill>
+              </a:defRPr>
+            </a:lvl7pPr>
+            <a:lvl8pPr eaLnBrk="1" hangingPunct="1">
+              <a:defRPr>
+                <a:solidFill>
+                  <a:schemeClr val="tx2"/>
+                </a:solidFill>
+              </a:defRPr>
+            </a:lvl8pPr>
+            <a:lvl9pPr eaLnBrk="1" hangingPunct="1">
+              <a:defRPr>
+                <a:solidFill>
+                  <a:schemeClr val="tx2"/>
+                </a:solidFill>
+              </a:defRPr>
+            </a:lvl9pPr>
+          </a:lstStyle>
+          <a:p>
+            <a:pPr algn="ctr"/>
+            <a:r>
+              <a:rPr lang="en-US" sz="2800" dirty="0" err="1" smtClean="0"/>
+              <a:t>InputIterator</a:t>
+            </a:r>
+            <a:r>
+              <a:rPr lang="en-US" sz="2800" dirty="0" smtClean="0"/>
+              <a:t> </a:t>
+            </a:r>
+            <a:r>
+              <a:rPr lang="ru-RU" sz="2800" dirty="0"/>
+              <a:t>и </a:t>
+            </a:r>
+            <a:r>
+              <a:rPr lang="en-US" sz="2800" dirty="0" err="1"/>
+              <a:t>OutputIterator</a:t>
+            </a:r>
+            <a:endParaRPr lang="en-US" sz="2800" dirty="0"/>
+          </a:p>
+        </p:txBody>
+      </p:sp>
+      <p:pic>
+        <p:nvPicPr>
+          <p:cNvPr id="5" name="Picture 4">
+            <a:extLst>
+              <a:ext uri="{FF2B5EF4-FFF2-40B4-BE49-F238E27FC236}">
+                <a16:creationId xmlns:a16="http://schemas.microsoft.com/office/drawing/2014/main" xmlns="" id="{34A4F7A9-FB6D-4A56-A01D-FC2A9E6A3C9D}"/>
+              </a:ext>
+            </a:extLst>
+          </p:cNvPr>
+          <p:cNvPicPr>
+            <a:picLocks noChangeAspect="1"/>
+          </p:cNvPicPr>
+          <p:nvPr/>
+        </p:nvPicPr>
+        <p:blipFill>
+          <a:blip r:embed="rId2"/>
+          <a:stretch>
+            <a:fillRect/>
+          </a:stretch>
+        </p:blipFill>
+        <p:spPr>
+          <a:xfrm>
+            <a:off x="443058" y="816637"/>
+            <a:ext cx="5815995" cy="2750651"/>
+          </a:xfrm>
+          <a:prstGeom prst="rect">
+            <a:avLst/>
+          </a:prstGeom>
+        </p:spPr>
+      </p:pic>
+      <p:pic>
+        <p:nvPicPr>
+          <p:cNvPr id="6" name="Picture 5">
+            <a:extLst>
+              <a:ext uri="{FF2B5EF4-FFF2-40B4-BE49-F238E27FC236}">
+                <a16:creationId xmlns:a16="http://schemas.microsoft.com/office/drawing/2014/main" xmlns="" id="{F1E797CF-4454-4FBB-8EEA-F80C7C5FD663}"/>
+              </a:ext>
+            </a:extLst>
+          </p:cNvPr>
+          <p:cNvPicPr>
+            <a:picLocks noChangeAspect="1"/>
+          </p:cNvPicPr>
+          <p:nvPr/>
+        </p:nvPicPr>
+        <p:blipFill>
+          <a:blip r:embed="rId3"/>
+          <a:stretch>
+            <a:fillRect/>
+          </a:stretch>
+        </p:blipFill>
+        <p:spPr>
+          <a:xfrm>
+            <a:off x="481625" y="3994719"/>
+            <a:ext cx="5777428" cy="1945223"/>
+          </a:xfrm>
+          <a:prstGeom prst="rect">
+            <a:avLst/>
+          </a:prstGeom>
+        </p:spPr>
+      </p:pic>
+      <p:sp>
+        <p:nvSpPr>
+          <p:cNvPr id="7" name="Content Placeholder 2">
+            <a:extLst>
+              <a:ext uri="{FF2B5EF4-FFF2-40B4-BE49-F238E27FC236}">
+                <a16:creationId xmlns:a16="http://schemas.microsoft.com/office/drawing/2014/main" xmlns="" id="{B4FAFC74-F36D-4B61-BE12-E6EFAC28AC60}"/>
+              </a:ext>
+            </a:extLst>
+          </p:cNvPr>
+          <p:cNvSpPr txBox="1">
+            <a:spLocks/>
+          </p:cNvSpPr>
+          <p:nvPr/>
+        </p:nvSpPr>
+        <p:spPr>
+          <a:xfrm>
+            <a:off x="6513921" y="3994719"/>
+            <a:ext cx="5420411" cy="2147821"/>
+          </a:xfrm>
+          <a:prstGeom prst="rect">
+            <a:avLst/>
+          </a:prstGeom>
+          <a:solidFill>
+            <a:schemeClr val="bg1"/>
+          </a:solidFill>
+        </p:spPr>
+        <p:txBody>
+          <a:bodyPr vert="horz" lIns="91440" tIns="45720" rIns="91440" bIns="45720" rtlCol="0">
+            <a:normAutofit/>
+          </a:bodyPr>
+          <a:lstStyle>
+            <a:lvl1pPr marL="342900" indent="-342900" algn="l" defTabSz="457200" rtl="0" eaLnBrk="1" latinLnBrk="0" hangingPunct="1">
+              <a:spcBef>
+                <a:spcPts val="1000"/>
+              </a:spcBef>
+              <a:spcAft>
+                <a:spcPts val="0"/>
+              </a:spcAft>
+              <a:buClr>
+                <a:schemeClr val="accent1"/>
+              </a:buClr>
+              <a:buSzPct val="80000"/>
+              <a:buFont typeface="Wingdings 3" charset="2"/>
+              <a:buChar char=""/>
+              <a:defRPr sz="1800" kern="1200">
+                <a:solidFill>
+                  <a:schemeClr val="tx1">
+                    <a:lumMod val="75000"/>
+                    <a:lumOff val="25000"/>
+                  </a:schemeClr>
+                </a:solidFill>
+                <a:latin typeface="+mn-lt"/>
+                <a:ea typeface="+mn-ea"/>
+                <a:cs typeface="+mn-cs"/>
+              </a:defRPr>
+            </a:lvl1pPr>
+            <a:lvl2pPr marL="742950" indent="-285750" algn="l" defTabSz="457200" rtl="0" eaLnBrk="1" latinLnBrk="0" hangingPunct="1">
+              <a:spcBef>
+                <a:spcPts val="1000"/>
+              </a:spcBef>
+              <a:spcAft>
+                <a:spcPts val="0"/>
+              </a:spcAft>
+              <a:buClr>
+                <a:schemeClr val="accent1"/>
+              </a:buClr>
+              <a:buSzPct val="80000"/>
+              <a:buFont typeface="Wingdings 3" charset="2"/>
+              <a:buChar char=""/>
+              <a:defRPr sz="1600" kern="1200">
+                <a:solidFill>
+                  <a:schemeClr val="tx1">
+                    <a:lumMod val="75000"/>
+                    <a:lumOff val="25000"/>
+                  </a:schemeClr>
+                </a:solidFill>
+                <a:latin typeface="+mn-lt"/>
+                <a:ea typeface="+mn-ea"/>
+                <a:cs typeface="+mn-cs"/>
+              </a:defRPr>
+            </a:lvl2pPr>
+            <a:lvl3pPr marL="1143000" indent="-228600" algn="l" defTabSz="457200" rtl="0" eaLnBrk="1" latinLnBrk="0" hangingPunct="1">
+              <a:spcBef>
+                <a:spcPts val="1000"/>
+              </a:spcBef>
+              <a:spcAft>
+                <a:spcPts val="0"/>
+              </a:spcAft>
+              <a:buClr>
+                <a:schemeClr val="accent1"/>
+              </a:buClr>
+              <a:buSzPct val="80000"/>
+              <a:buFont typeface="Wingdings 3" charset="2"/>
+              <a:buChar char=""/>
+              <a:defRPr sz="1400" kern="1200">
+                <a:solidFill>
+                  <a:schemeClr val="tx1">
+                    <a:lumMod val="75000"/>
+                    <a:lumOff val="25000"/>
+                  </a:schemeClr>
+                </a:solidFill>
+                <a:latin typeface="+mn-lt"/>
+                <a:ea typeface="+mn-ea"/>
+                <a:cs typeface="+mn-cs"/>
+              </a:defRPr>
+            </a:lvl3pPr>
+            <a:lvl4pPr marL="1600200" indent="-228600" algn="l" defTabSz="457200" rtl="0" eaLnBrk="1" latinLnBrk="0" hangingPunct="1">
+              <a:spcBef>
+                <a:spcPts val="1000"/>
+              </a:spcBef>
+              <a:spcAft>
+                <a:spcPts val="0"/>
+              </a:spcAft>
+              <a:buClr>
+                <a:schemeClr val="accent1"/>
+              </a:buClr>
+              <a:buSzPct val="80000"/>
+              <a:buFont typeface="Wingdings 3" charset="2"/>
+              <a:buChar char=""/>
+              <a:defRPr sz="1200" kern="1200">
+                <a:solidFill>
+                  <a:schemeClr val="tx1">
+                    <a:lumMod val="75000"/>
+                    <a:lumOff val="25000"/>
+                  </a:schemeClr>
+                </a:solidFill>
+                <a:latin typeface="+mn-lt"/>
+                <a:ea typeface="+mn-ea"/>
+                <a:cs typeface="+mn-cs"/>
+              </a:defRPr>
+            </a:lvl4pPr>
+            <a:lvl5pPr marL="2057400" indent="-228600" algn="l" defTabSz="457200" rtl="0" eaLnBrk="1" latinLnBrk="0" hangingPunct="1">
+              <a:spcBef>
+                <a:spcPts val="1000"/>
+              </a:spcBef>
+              <a:spcAft>
+                <a:spcPts val="0"/>
+              </a:spcAft>
+              <a:buClr>
+                <a:schemeClr val="accent1"/>
+              </a:buClr>
+              <a:buSzPct val="80000"/>
+              <a:buFont typeface="Wingdings 3" charset="2"/>
+              <a:buChar char=""/>
+              <a:defRPr sz="1200" kern="1200">
+                <a:solidFill>
+                  <a:schemeClr val="tx1">
+                    <a:lumMod val="75000"/>
+                    <a:lumOff val="25000"/>
+                  </a:schemeClr>
+                </a:solidFill>
+                <a:latin typeface="+mn-lt"/>
+                <a:ea typeface="+mn-ea"/>
+                <a:cs typeface="+mn-cs"/>
+              </a:defRPr>
+            </a:lvl5pPr>
+            <a:lvl6pPr marL="2514600" indent="-228600" algn="l" defTabSz="457200" rtl="0" eaLnBrk="1" latinLnBrk="0" hangingPunct="1">
+              <a:spcBef>
+                <a:spcPts val="1000"/>
+              </a:spcBef>
+              <a:spcAft>
+                <a:spcPts val="0"/>
+              </a:spcAft>
+              <a:buClr>
+                <a:schemeClr val="accent1"/>
+              </a:buClr>
+              <a:buSzPct val="80000"/>
+              <a:buFont typeface="Wingdings 3" charset="2"/>
+              <a:buChar char=""/>
+              <a:defRPr sz="1200" kern="1200">
+                <a:solidFill>
+                  <a:schemeClr val="tx1">
+                    <a:lumMod val="75000"/>
+                    <a:lumOff val="25000"/>
+                  </a:schemeClr>
+                </a:solidFill>
+                <a:latin typeface="+mn-lt"/>
+                <a:ea typeface="+mn-ea"/>
+                <a:cs typeface="+mn-cs"/>
+              </a:defRPr>
+            </a:lvl6pPr>
+            <a:lvl7pPr marL="2971800" indent="-228600" algn="l" defTabSz="457200" rtl="0" eaLnBrk="1" latinLnBrk="0" hangingPunct="1">
+              <a:spcBef>
+                <a:spcPts val="1000"/>
+              </a:spcBef>
+              <a:spcAft>
+                <a:spcPts val="0"/>
+              </a:spcAft>
+              <a:buClr>
+                <a:schemeClr val="accent1"/>
+              </a:buClr>
+              <a:buSzPct val="80000"/>
+              <a:buFont typeface="Wingdings 3" charset="2"/>
+              <a:buChar char=""/>
+              <a:defRPr sz="1200" kern="1200">
+                <a:solidFill>
+                  <a:schemeClr val="tx1">
+                    <a:lumMod val="75000"/>
+                    <a:lumOff val="25000"/>
+                  </a:schemeClr>
+                </a:solidFill>
+                <a:latin typeface="+mn-lt"/>
+                <a:ea typeface="+mn-ea"/>
+                <a:cs typeface="+mn-cs"/>
+              </a:defRPr>
+            </a:lvl7pPr>
+            <a:lvl8pPr marL="3429000" indent="-228600" algn="l" defTabSz="457200" rtl="0" eaLnBrk="1" latinLnBrk="0" hangingPunct="1">
+              <a:spcBef>
+                <a:spcPts val="1000"/>
+              </a:spcBef>
+              <a:spcAft>
+                <a:spcPts val="0"/>
+              </a:spcAft>
+              <a:buClr>
+                <a:schemeClr val="accent1"/>
+              </a:buClr>
+              <a:buSzPct val="80000"/>
+              <a:buFont typeface="Wingdings 3" charset="2"/>
+              <a:buChar char=""/>
+              <a:defRPr sz="1200" kern="1200">
+                <a:solidFill>
+                  <a:schemeClr val="tx1">
+                    <a:lumMod val="75000"/>
+                    <a:lumOff val="25000"/>
+                  </a:schemeClr>
+                </a:solidFill>
+                <a:latin typeface="+mn-lt"/>
+                <a:ea typeface="+mn-ea"/>
+                <a:cs typeface="+mn-cs"/>
+              </a:defRPr>
+            </a:lvl8pPr>
+            <a:lvl9pPr marL="3886200" indent="-228600" algn="l" defTabSz="457200" rtl="0" eaLnBrk="1" latinLnBrk="0" hangingPunct="1">
+              <a:spcBef>
+                <a:spcPts val="1000"/>
+              </a:spcBef>
+              <a:spcAft>
+                <a:spcPts val="0"/>
+              </a:spcAft>
+              <a:buClr>
+                <a:schemeClr val="accent1"/>
+              </a:buClr>
+              <a:buSzPct val="80000"/>
+              <a:buFont typeface="Wingdings 3" charset="2"/>
+              <a:buChar char=""/>
+              <a:defRPr sz="1200" kern="1200">
+                <a:solidFill>
+                  <a:schemeClr val="tx1">
+                    <a:lumMod val="75000"/>
+                    <a:lumOff val="25000"/>
+                  </a:schemeClr>
+                </a:solidFill>
+                <a:latin typeface="+mn-lt"/>
+                <a:ea typeface="+mn-ea"/>
+                <a:cs typeface="+mn-cs"/>
+              </a:defRPr>
+            </a:lvl9pPr>
+          </a:lstStyle>
+          <a:p>
+            <a:r>
+              <a:rPr lang="en-US" sz="2000" dirty="0" err="1"/>
+              <a:t>InputIterator</a:t>
+            </a:r>
+            <a:r>
+              <a:rPr lang="en-US" sz="2000" dirty="0"/>
+              <a:t> </a:t>
+            </a:r>
+            <a:r>
+              <a:rPr lang="en-US" sz="2000" dirty="0" err="1"/>
+              <a:t>fisrt</a:t>
+            </a:r>
+            <a:r>
+              <a:rPr lang="en-US" sz="2000" dirty="0"/>
+              <a:t> </a:t>
+            </a:r>
+            <a:r>
+              <a:rPr lang="ru-RU" sz="2000" dirty="0"/>
+              <a:t>стоит слева от знака оператора сравнения. </a:t>
+            </a:r>
+            <a:endParaRPr lang="en-US" sz="2000" dirty="0"/>
+          </a:p>
+          <a:p>
+            <a:r>
+              <a:rPr lang="en-US" sz="2000" dirty="0" err="1"/>
+              <a:t>OutputIterator</a:t>
+            </a:r>
+            <a:r>
+              <a:rPr lang="en-US" sz="2000" dirty="0"/>
+              <a:t> result </a:t>
+            </a:r>
+            <a:r>
+              <a:rPr lang="ru-RU" sz="2000" dirty="0"/>
+              <a:t>изменят совй значение на то, на которое указывает </a:t>
+            </a:r>
+            <a:r>
+              <a:rPr lang="en-US" sz="2000" dirty="0" err="1"/>
+              <a:t>InputIterator</a:t>
+            </a:r>
+            <a:r>
+              <a:rPr lang="en-US" sz="2000" dirty="0"/>
+              <a:t> first</a:t>
+            </a:r>
+          </a:p>
+        </p:txBody>
+      </p:sp>
+    </p:spTree>
+    <p:extLst>
+      <p:ext uri="{BB962C8B-B14F-4D97-AF65-F5344CB8AC3E}">
+        <p14:creationId xmlns:p14="http://schemas.microsoft.com/office/powerpoint/2010/main" val="1113406346"/>
+      </p:ext>
+    </p:extLst>
+  </p:cSld>
+  <p:clrMapOvr>
+    <a:masterClrMapping/>
+  </p:clrMapOvr>
+  <p:timing>
+    <p:tnLst>
+      <p:par>
+        <p:cTn id="1" dur="indefinite" restart="never" nodeType="tmRoot"/>
+      </p:par>
+    </p:tnLst>
+  </p:timing>
+</p:sld>
+</file>
+
+<file path=ppt/slides/slide6.xml><?xml version="1.0" encoding="utf-8"?>
+<p:sld xmlns:a="http://schemas.openxmlformats.org/drawingml/2006/main" xmlns:r="http://schemas.openxmlformats.org/officeDocument/2006/relationships" xmlns:p="http://schemas.openxmlformats.org/presentationml/2006/main">
+  <p:cSld>
+    <p:spTree>
+      <p:nvGrpSpPr>
+        <p:cNvPr id="1" name=""/>
+        <p:cNvGrpSpPr/>
+        <p:nvPr/>
+      </p:nvGrpSpPr>
+      <p:grpSpPr>
+        <a:xfrm>
+          <a:off x="0" y="0"/>
+          <a:ext cx="0" cy="0"/>
+          <a:chOff x="0" y="0"/>
+          <a:chExt cx="0" cy="0"/>
+        </a:xfrm>
+      </p:grpSpPr>
+      <p:pic>
+        <p:nvPicPr>
+          <p:cNvPr id="4" name="Picture 3">
+            <a:extLst>
+              <a:ext uri="{FF2B5EF4-FFF2-40B4-BE49-F238E27FC236}">
+                <a16:creationId xmlns:a16="http://schemas.microsoft.com/office/drawing/2014/main" xmlns="" id="{7EBB1CAC-E82C-4575-A59E-808C14D22364}"/>
+              </a:ext>
+            </a:extLst>
+          </p:cNvPr>
+          <p:cNvPicPr>
+            <a:picLocks noChangeAspect="1"/>
+          </p:cNvPicPr>
+          <p:nvPr/>
+        </p:nvPicPr>
+        <p:blipFill rotWithShape="1">
+          <a:blip r:embed="rId2"/>
+          <a:srcRect b="10299"/>
+          <a:stretch/>
+        </p:blipFill>
+        <p:spPr>
+          <a:xfrm>
+            <a:off x="443058" y="1097316"/>
+            <a:ext cx="5829300" cy="1307218"/>
+          </a:xfrm>
+          <a:prstGeom prst="rect">
+            <a:avLst/>
+          </a:prstGeom>
+        </p:spPr>
+      </p:pic>
+      <p:sp>
+        <p:nvSpPr>
+          <p:cNvPr id="5" name="Title 1">
+            <a:extLst>
+              <a:ext uri="{FF2B5EF4-FFF2-40B4-BE49-F238E27FC236}">
+                <a16:creationId xmlns:a16="http://schemas.microsoft.com/office/drawing/2014/main" xmlns="" id="{AB45E17C-D635-444C-9E6E-9F0B20ABC34B}"/>
+              </a:ext>
+            </a:extLst>
+          </p:cNvPr>
+          <p:cNvSpPr txBox="1">
+            <a:spLocks/>
+          </p:cNvSpPr>
+          <p:nvPr/>
+        </p:nvSpPr>
+        <p:spPr>
+          <a:xfrm>
+            <a:off x="443058" y="128922"/>
+            <a:ext cx="11491275" cy="476150"/>
+          </a:xfrm>
+          <a:prstGeom prst="rect">
+            <a:avLst/>
+          </a:prstGeom>
+          <a:solidFill>
+            <a:schemeClr val="bg1"/>
+          </a:solidFill>
+          <a:ln>
+            <a:solidFill>
+              <a:schemeClr val="tx1"/>
+            </a:solidFill>
+          </a:ln>
+        </p:spPr>
+        <p:txBody>
+          <a:bodyPr vert="horz" lIns="91440" tIns="45720" rIns="91440" bIns="45720" rtlCol="0" anchor="t">
+            <a:noAutofit/>
+          </a:bodyPr>
+          <a:lstStyle>
+            <a:lvl1pPr algn="l" defTabSz="457200" rtl="0" eaLnBrk="1" latinLnBrk="0" hangingPunct="1">
+              <a:spcBef>
+                <a:spcPct val="0"/>
+              </a:spcBef>
+              <a:buNone/>
+              <a:defRPr sz="3600" kern="1200">
+                <a:solidFill>
+                  <a:schemeClr val="accent1"/>
+                </a:solidFill>
+                <a:latin typeface="+mj-lt"/>
+                <a:ea typeface="+mj-ea"/>
+                <a:cs typeface="+mj-cs"/>
+              </a:defRPr>
+            </a:lvl1pPr>
+            <a:lvl2pPr eaLnBrk="1" hangingPunct="1">
+              <a:defRPr>
+                <a:solidFill>
+                  <a:schemeClr val="tx2"/>
+                </a:solidFill>
+              </a:defRPr>
+            </a:lvl2pPr>
+            <a:lvl3pPr eaLnBrk="1" hangingPunct="1">
+              <a:defRPr>
+                <a:solidFill>
+                  <a:schemeClr val="tx2"/>
+                </a:solidFill>
+              </a:defRPr>
+            </a:lvl3pPr>
+            <a:lvl4pPr eaLnBrk="1" hangingPunct="1">
+              <a:defRPr>
+                <a:solidFill>
+                  <a:schemeClr val="tx2"/>
+                </a:solidFill>
+              </a:defRPr>
+            </a:lvl4pPr>
+            <a:lvl5pPr eaLnBrk="1" hangingPunct="1">
+              <a:defRPr>
+                <a:solidFill>
+                  <a:schemeClr val="tx2"/>
+                </a:solidFill>
+              </a:defRPr>
+            </a:lvl5pPr>
+            <a:lvl6pPr eaLnBrk="1" hangingPunct="1">
+              <a:defRPr>
+                <a:solidFill>
+                  <a:schemeClr val="tx2"/>
+                </a:solidFill>
+              </a:defRPr>
+            </a:lvl6pPr>
+            <a:lvl7pPr eaLnBrk="1" hangingPunct="1">
+              <a:defRPr>
+                <a:solidFill>
+                  <a:schemeClr val="tx2"/>
+                </a:solidFill>
+              </a:defRPr>
+            </a:lvl7pPr>
+            <a:lvl8pPr eaLnBrk="1" hangingPunct="1">
+              <a:defRPr>
+                <a:solidFill>
+                  <a:schemeClr val="tx2"/>
+                </a:solidFill>
+              </a:defRPr>
+            </a:lvl8pPr>
+            <a:lvl9pPr eaLnBrk="1" hangingPunct="1">
+              <a:defRPr>
+                <a:solidFill>
+                  <a:schemeClr val="tx2"/>
+                </a:solidFill>
+              </a:defRPr>
+            </a:lvl9pPr>
+          </a:lstStyle>
+          <a:p>
+            <a:pPr algn="ctr"/>
+            <a:r>
+              <a:rPr lang="en-US" sz="2800" dirty="0" err="1" smtClean="0"/>
+              <a:t>ForwardIterator</a:t>
+            </a:r>
+            <a:endParaRPr lang="en-US" sz="2800" dirty="0"/>
+          </a:p>
+        </p:txBody>
+      </p:sp>
+      <p:pic>
+        <p:nvPicPr>
+          <p:cNvPr id="6" name="Picture 5">
+            <a:extLst>
+              <a:ext uri="{FF2B5EF4-FFF2-40B4-BE49-F238E27FC236}">
+                <a16:creationId xmlns:a16="http://schemas.microsoft.com/office/drawing/2014/main" xmlns="" id="{C590E18E-DB35-48A2-8D01-CCDDC5796071}"/>
+              </a:ext>
+            </a:extLst>
+          </p:cNvPr>
+          <p:cNvPicPr>
+            <a:picLocks noChangeAspect="1"/>
+          </p:cNvPicPr>
+          <p:nvPr/>
+        </p:nvPicPr>
+        <p:blipFill>
+          <a:blip r:embed="rId3"/>
+          <a:stretch>
+            <a:fillRect/>
+          </a:stretch>
+        </p:blipFill>
+        <p:spPr>
+          <a:xfrm>
+            <a:off x="443058" y="3404401"/>
+            <a:ext cx="6330420" cy="2385376"/>
+          </a:xfrm>
+          <a:prstGeom prst="rect">
+            <a:avLst/>
+          </a:prstGeom>
+        </p:spPr>
+      </p:pic>
+      <p:sp>
+        <p:nvSpPr>
+          <p:cNvPr id="7" name="Content Placeholder 2">
+            <a:extLst>
+              <a:ext uri="{FF2B5EF4-FFF2-40B4-BE49-F238E27FC236}">
+                <a16:creationId xmlns:a16="http://schemas.microsoft.com/office/drawing/2014/main" xmlns="" id="{6423B81A-58F9-4F18-87B4-FC1F266353F5}"/>
+              </a:ext>
+            </a:extLst>
+          </p:cNvPr>
+          <p:cNvSpPr txBox="1">
+            <a:spLocks/>
+          </p:cNvSpPr>
+          <p:nvPr/>
+        </p:nvSpPr>
+        <p:spPr>
+          <a:xfrm>
+            <a:off x="6773478" y="755505"/>
+            <a:ext cx="5160855" cy="5843258"/>
+          </a:xfrm>
+          <a:prstGeom prst="rect">
+            <a:avLst/>
+          </a:prstGeom>
+          <a:solidFill>
+            <a:schemeClr val="bg1"/>
+          </a:solidFill>
+        </p:spPr>
+        <p:txBody>
+          <a:bodyPr vert="horz" lIns="91440" tIns="45720" rIns="91440" bIns="45720" rtlCol="0">
+            <a:noAutofit/>
+          </a:bodyPr>
+          <a:lstStyle>
+            <a:lvl1pPr marL="342900" indent="-342900" algn="l" defTabSz="457200" rtl="0" eaLnBrk="1" latinLnBrk="0" hangingPunct="1">
+              <a:spcBef>
+                <a:spcPts val="1000"/>
+              </a:spcBef>
+              <a:spcAft>
+                <a:spcPts val="0"/>
+              </a:spcAft>
+              <a:buClr>
+                <a:schemeClr val="accent1"/>
+              </a:buClr>
+              <a:buSzPct val="80000"/>
+              <a:buFont typeface="Wingdings 3" charset="2"/>
+              <a:buChar char=""/>
+              <a:defRPr sz="1800" kern="1200">
+                <a:solidFill>
+                  <a:schemeClr val="tx1">
+                    <a:lumMod val="75000"/>
+                    <a:lumOff val="25000"/>
+                  </a:schemeClr>
+                </a:solidFill>
+                <a:latin typeface="+mn-lt"/>
+                <a:ea typeface="+mn-ea"/>
+                <a:cs typeface="+mn-cs"/>
+              </a:defRPr>
+            </a:lvl1pPr>
+            <a:lvl2pPr marL="742950" indent="-285750" algn="l" defTabSz="457200" rtl="0" eaLnBrk="1" latinLnBrk="0" hangingPunct="1">
+              <a:spcBef>
+                <a:spcPts val="1000"/>
+              </a:spcBef>
+              <a:spcAft>
+                <a:spcPts val="0"/>
+              </a:spcAft>
+              <a:buClr>
+                <a:schemeClr val="accent1"/>
+              </a:buClr>
+              <a:buSzPct val="80000"/>
+              <a:buFont typeface="Wingdings 3" charset="2"/>
+              <a:buChar char=""/>
+              <a:defRPr sz="1600" kern="1200">
+                <a:solidFill>
+                  <a:schemeClr val="tx1">
+                    <a:lumMod val="75000"/>
+                    <a:lumOff val="25000"/>
+                  </a:schemeClr>
+                </a:solidFill>
+                <a:latin typeface="+mn-lt"/>
+                <a:ea typeface="+mn-ea"/>
+                <a:cs typeface="+mn-cs"/>
+              </a:defRPr>
+            </a:lvl2pPr>
+            <a:lvl3pPr marL="1143000" indent="-228600" algn="l" defTabSz="457200" rtl="0" eaLnBrk="1" latinLnBrk="0" hangingPunct="1">
+              <a:spcBef>
+                <a:spcPts val="1000"/>
+              </a:spcBef>
+              <a:spcAft>
+                <a:spcPts val="0"/>
+              </a:spcAft>
+              <a:buClr>
+                <a:schemeClr val="accent1"/>
+              </a:buClr>
+              <a:buSzPct val="80000"/>
+              <a:buFont typeface="Wingdings 3" charset="2"/>
+              <a:buChar char=""/>
+              <a:defRPr sz="1400" kern="1200">
+                <a:solidFill>
+                  <a:schemeClr val="tx1">
+                    <a:lumMod val="75000"/>
+                    <a:lumOff val="25000"/>
+                  </a:schemeClr>
+                </a:solidFill>
+                <a:latin typeface="+mn-lt"/>
+                <a:ea typeface="+mn-ea"/>
+                <a:cs typeface="+mn-cs"/>
+              </a:defRPr>
+            </a:lvl3pPr>
+            <a:lvl4pPr marL="1600200" indent="-228600" algn="l" defTabSz="457200" rtl="0" eaLnBrk="1" latinLnBrk="0" hangingPunct="1">
+              <a:spcBef>
+                <a:spcPts val="1000"/>
+              </a:spcBef>
+              <a:spcAft>
+                <a:spcPts val="0"/>
+              </a:spcAft>
+              <a:buClr>
+                <a:schemeClr val="accent1"/>
+              </a:buClr>
+              <a:buSzPct val="80000"/>
+              <a:buFont typeface="Wingdings 3" charset="2"/>
+              <a:buChar char=""/>
+              <a:defRPr sz="1200" kern="1200">
+                <a:solidFill>
+                  <a:schemeClr val="tx1">
+                    <a:lumMod val="75000"/>
+                    <a:lumOff val="25000"/>
+                  </a:schemeClr>
+                </a:solidFill>
+                <a:latin typeface="+mn-lt"/>
+                <a:ea typeface="+mn-ea"/>
+                <a:cs typeface="+mn-cs"/>
+              </a:defRPr>
+            </a:lvl4pPr>
+            <a:lvl5pPr marL="2057400" indent="-228600" algn="l" defTabSz="457200" rtl="0" eaLnBrk="1" latinLnBrk="0" hangingPunct="1">
+              <a:spcBef>
+                <a:spcPts val="1000"/>
+              </a:spcBef>
+              <a:spcAft>
+                <a:spcPts val="0"/>
+              </a:spcAft>
+              <a:buClr>
+                <a:schemeClr val="accent1"/>
+              </a:buClr>
+              <a:buSzPct val="80000"/>
+              <a:buFont typeface="Wingdings 3" charset="2"/>
+              <a:buChar char=""/>
+              <a:defRPr sz="1200" kern="1200">
+                <a:solidFill>
+                  <a:schemeClr val="tx1">
+                    <a:lumMod val="75000"/>
+                    <a:lumOff val="25000"/>
+                  </a:schemeClr>
+                </a:solidFill>
+                <a:latin typeface="+mn-lt"/>
+                <a:ea typeface="+mn-ea"/>
+                <a:cs typeface="+mn-cs"/>
+              </a:defRPr>
+            </a:lvl5pPr>
+            <a:lvl6pPr marL="2514600" indent="-228600" algn="l" defTabSz="457200" rtl="0" eaLnBrk="1" latinLnBrk="0" hangingPunct="1">
+              <a:spcBef>
+                <a:spcPts val="1000"/>
+              </a:spcBef>
+              <a:spcAft>
+                <a:spcPts val="0"/>
+              </a:spcAft>
+              <a:buClr>
+                <a:schemeClr val="accent1"/>
+              </a:buClr>
+              <a:buSzPct val="80000"/>
+              <a:buFont typeface="Wingdings 3" charset="2"/>
+              <a:buChar char=""/>
+              <a:defRPr sz="1200" kern="1200">
+                <a:solidFill>
+                  <a:schemeClr val="tx1">
+                    <a:lumMod val="75000"/>
+                    <a:lumOff val="25000"/>
+                  </a:schemeClr>
+                </a:solidFill>
+                <a:latin typeface="+mn-lt"/>
+                <a:ea typeface="+mn-ea"/>
+                <a:cs typeface="+mn-cs"/>
+              </a:defRPr>
+            </a:lvl6pPr>
+            <a:lvl7pPr marL="2971800" indent="-228600" algn="l" defTabSz="457200" rtl="0" eaLnBrk="1" latinLnBrk="0" hangingPunct="1">
+              <a:spcBef>
+                <a:spcPts val="1000"/>
+              </a:spcBef>
+              <a:spcAft>
+                <a:spcPts val="0"/>
+              </a:spcAft>
+              <a:buClr>
+                <a:schemeClr val="accent1"/>
+              </a:buClr>
+              <a:buSzPct val="80000"/>
+              <a:buFont typeface="Wingdings 3" charset="2"/>
+              <a:buChar char=""/>
+              <a:defRPr sz="1200" kern="1200">
+                <a:solidFill>
+                  <a:schemeClr val="tx1">
+                    <a:lumMod val="75000"/>
+                    <a:lumOff val="25000"/>
+                  </a:schemeClr>
+                </a:solidFill>
+                <a:latin typeface="+mn-lt"/>
+                <a:ea typeface="+mn-ea"/>
+                <a:cs typeface="+mn-cs"/>
+              </a:defRPr>
+            </a:lvl7pPr>
+            <a:lvl8pPr marL="3429000" indent="-228600" algn="l" defTabSz="457200" rtl="0" eaLnBrk="1" latinLnBrk="0" hangingPunct="1">
+              <a:spcBef>
+                <a:spcPts val="1000"/>
+              </a:spcBef>
+              <a:spcAft>
+                <a:spcPts val="0"/>
+              </a:spcAft>
+              <a:buClr>
+                <a:schemeClr val="accent1"/>
+              </a:buClr>
+              <a:buSzPct val="80000"/>
+              <a:buFont typeface="Wingdings 3" charset="2"/>
+              <a:buChar char=""/>
+              <a:defRPr sz="1200" kern="1200">
+                <a:solidFill>
+                  <a:schemeClr val="tx1">
+                    <a:lumMod val="75000"/>
+                    <a:lumOff val="25000"/>
+                  </a:schemeClr>
+                </a:solidFill>
+                <a:latin typeface="+mn-lt"/>
+                <a:ea typeface="+mn-ea"/>
+                <a:cs typeface="+mn-cs"/>
+              </a:defRPr>
+            </a:lvl8pPr>
+            <a:lvl9pPr marL="3886200" indent="-228600" algn="l" defTabSz="457200" rtl="0" eaLnBrk="1" latinLnBrk="0" hangingPunct="1">
+              <a:spcBef>
+                <a:spcPts val="1000"/>
+              </a:spcBef>
+              <a:spcAft>
+                <a:spcPts val="0"/>
+              </a:spcAft>
+              <a:buClr>
+                <a:schemeClr val="accent1"/>
+              </a:buClr>
+              <a:buSzPct val="80000"/>
+              <a:buFont typeface="Wingdings 3" charset="2"/>
+              <a:buChar char=""/>
+              <a:defRPr sz="1200" kern="1200">
+                <a:solidFill>
+                  <a:schemeClr val="tx1">
+                    <a:lumMod val="75000"/>
+                    <a:lumOff val="25000"/>
+                  </a:schemeClr>
+                </a:solidFill>
+                <a:latin typeface="+mn-lt"/>
+                <a:ea typeface="+mn-ea"/>
+                <a:cs typeface="+mn-cs"/>
+              </a:defRPr>
+            </a:lvl9pPr>
+          </a:lstStyle>
+          <a:p>
+            <a:r>
+              <a:rPr lang="en-US" sz="2000" dirty="0" err="1"/>
+              <a:t>ForwardIterator</a:t>
+            </a:r>
+            <a:r>
+              <a:rPr lang="en-US" sz="2000" dirty="0"/>
+              <a:t> </a:t>
+            </a:r>
+            <a:r>
+              <a:rPr lang="ru-RU" sz="2000" dirty="0"/>
+              <a:t>объединяет в себе функциональность </a:t>
+            </a:r>
+            <a:r>
+              <a:rPr lang="en-US" sz="2000" dirty="0" err="1"/>
+              <a:t>InutIterator</a:t>
+            </a:r>
+            <a:r>
+              <a:rPr lang="en-US" sz="2000" dirty="0"/>
+              <a:t> </a:t>
+            </a:r>
+            <a:r>
+              <a:rPr lang="ru-RU" sz="2000" dirty="0"/>
+              <a:t>и </a:t>
+            </a:r>
+            <a:r>
+              <a:rPr lang="en-US" sz="2000" dirty="0" err="1"/>
+              <a:t>OutputIterator</a:t>
+            </a:r>
+            <a:endParaRPr lang="en-US" sz="2000" dirty="0"/>
+          </a:p>
+          <a:p>
+            <a:r>
+              <a:rPr lang="ru-RU" sz="2000" dirty="0"/>
+              <a:t>Может использоваться в алгоритмах в качестве любого из них</a:t>
+            </a:r>
+            <a:r>
+              <a:rPr lang="en-US" sz="2000" dirty="0"/>
+              <a:t> </a:t>
+            </a:r>
+            <a:endParaRPr lang="ru-RU" sz="2000" dirty="0" smtClean="0"/>
+          </a:p>
+          <a:p>
+            <a:r>
+              <a:rPr lang="en-US" sz="2000" dirty="0" err="1" smtClean="0"/>
+              <a:t>ForwardIterator</a:t>
+            </a:r>
+            <a:r>
+              <a:rPr lang="en-US" sz="2000" dirty="0" smtClean="0"/>
+              <a:t> </a:t>
+            </a:r>
+            <a:r>
+              <a:rPr lang="en-US" sz="2000" dirty="0"/>
+              <a:t>first</a:t>
+            </a:r>
+            <a:r>
+              <a:rPr lang="ru-RU" sz="2000" dirty="0"/>
+              <a:t> стоит по левую сторону от знака оператора сравнения !=, т.е. он определяет этот </a:t>
+            </a:r>
+            <a:r>
+              <a:rPr lang="ru-RU" sz="2000" dirty="0" smtClean="0"/>
+              <a:t>оператор (это то, что умеет </a:t>
+            </a:r>
+            <a:r>
+              <a:rPr lang="en-US" sz="2000" dirty="0" err="1" smtClean="0"/>
+              <a:t>InputIterator</a:t>
+            </a:r>
+            <a:r>
+              <a:rPr lang="en-US" sz="2000" dirty="0" smtClean="0"/>
+              <a:t>, </a:t>
+            </a:r>
+            <a:r>
+              <a:rPr lang="ru-RU" sz="2000" dirty="0" smtClean="0"/>
+              <a:t>но не </a:t>
+            </a:r>
+            <a:r>
+              <a:rPr lang="en-US" sz="2000" dirty="0" err="1" smtClean="0"/>
+              <a:t>OutputIterator</a:t>
+            </a:r>
+            <a:r>
+              <a:rPr lang="ru-RU" sz="2000" dirty="0" smtClean="0"/>
+              <a:t>)</a:t>
+            </a:r>
+            <a:endParaRPr lang="ru-RU" sz="2000" dirty="0"/>
+          </a:p>
+          <a:p>
+            <a:r>
+              <a:rPr lang="en-US" sz="2000" dirty="0" err="1"/>
+              <a:t>ForwardIterator</a:t>
+            </a:r>
+            <a:r>
+              <a:rPr lang="en-US" sz="2000" dirty="0"/>
+              <a:t> first </a:t>
+            </a:r>
+            <a:r>
+              <a:rPr lang="ru-RU" sz="2000" dirty="0"/>
+              <a:t>разыменовывается с изменением </a:t>
+            </a:r>
+            <a:r>
+              <a:rPr lang="ru-RU" sz="2000" dirty="0" smtClean="0"/>
+              <a:t>значения</a:t>
+            </a:r>
+            <a:r>
+              <a:rPr lang="en-US" sz="2000" dirty="0" smtClean="0"/>
+              <a:t> </a:t>
+            </a:r>
+            <a:r>
+              <a:rPr lang="ru-RU" sz="2000" dirty="0"/>
+              <a:t>(это то, что </a:t>
+            </a:r>
+            <a:r>
+              <a:rPr lang="ru-RU" sz="2000" dirty="0" smtClean="0"/>
+              <a:t>умеет</a:t>
+            </a:r>
+            <a:r>
+              <a:rPr lang="en-US" sz="2000" dirty="0" smtClean="0"/>
+              <a:t> </a:t>
+            </a:r>
+            <a:r>
+              <a:rPr lang="en-US" sz="2000" dirty="0" err="1" smtClean="0"/>
+              <a:t>OutputIterator</a:t>
+            </a:r>
+            <a:r>
+              <a:rPr lang="en-US" sz="2000" dirty="0" smtClean="0"/>
+              <a:t>, </a:t>
+            </a:r>
+            <a:r>
+              <a:rPr lang="ru-RU" sz="2000" dirty="0" smtClean="0"/>
+              <a:t>но не </a:t>
+            </a:r>
+            <a:r>
+              <a:rPr lang="en-US" sz="2000" dirty="0" err="1" smtClean="0"/>
+              <a:t>InputIterator</a:t>
+            </a:r>
+            <a:r>
+              <a:rPr lang="ru-RU" sz="2000" dirty="0" smtClean="0"/>
+              <a:t>)</a:t>
+            </a:r>
+            <a:endParaRPr lang="en-US" sz="2000" dirty="0"/>
+          </a:p>
+        </p:txBody>
+      </p:sp>
+    </p:spTree>
+    <p:extLst>
+      <p:ext uri="{BB962C8B-B14F-4D97-AF65-F5344CB8AC3E}">
+        <p14:creationId xmlns:p14="http://schemas.microsoft.com/office/powerpoint/2010/main" val="3231888168"/>
+      </p:ext>
+    </p:extLst>
+  </p:cSld>
+  <p:clrMapOvr>
+    <a:masterClrMapping/>
+  </p:clrMapOvr>
+  <p:timing>
+    <p:tnLst>
+      <p:par>
+        <p:cTn id="1" dur="indefinite" restart="never" nodeType="tmRoot"/>
+      </p:par>
+    </p:tnLst>
+  </p:timing>
+</p:sld>
+</file>
+
+<file path=ppt/slides/slide7.xml><?xml version="1.0" encoding="utf-8"?>
+<p:sld xmlns:a="http://schemas.openxmlformats.org/drawingml/2006/main" xmlns:r="http://schemas.openxmlformats.org/officeDocument/2006/relationships" xmlns:p="http://schemas.openxmlformats.org/presentationml/2006/main">
+  <p:cSld>
+    <p:spTree>
+      <p:nvGrpSpPr>
+        <p:cNvPr id="1" name=""/>
+        <p:cNvGrpSpPr/>
+        <p:nvPr/>
+      </p:nvGrpSpPr>
+      <p:grpSpPr>
+        <a:xfrm>
+          <a:off x="0" y="0"/>
+          <a:ext cx="0" cy="0"/>
+          <a:chOff x="0" y="0"/>
+          <a:chExt cx="0" cy="0"/>
+        </a:xfrm>
+      </p:grpSpPr>
+      <p:sp>
+        <p:nvSpPr>
+          <p:cNvPr id="3" name="Объект 2"/>
+          <p:cNvSpPr>
+            <a:spLocks noGrp="1"/>
+          </p:cNvSpPr>
+          <p:nvPr>
+            <p:ph idx="1"/>
+          </p:nvPr>
+        </p:nvSpPr>
+        <p:spPr>
+          <a:xfrm>
+            <a:off x="5891753" y="793702"/>
+            <a:ext cx="6042580" cy="5607097"/>
+          </a:xfrm>
+          <a:solidFill>
+            <a:schemeClr val="bg1"/>
+          </a:solidFill>
+          <a:ln>
+            <a:solidFill>
+              <a:schemeClr val="bg1"/>
+            </a:solidFill>
+          </a:ln>
+        </p:spPr>
+        <p:txBody>
+          <a:bodyPr>
+            <a:normAutofit/>
+          </a:bodyPr>
+          <a:lstStyle/>
+          <a:p>
+            <a:r>
+              <a:rPr lang="en-US" sz="2000" dirty="0" err="1" smtClean="0"/>
+              <a:t>BidirectionalIterator</a:t>
+            </a:r>
+            <a:r>
+              <a:rPr lang="ru-RU" sz="2000" dirty="0" smtClean="0"/>
+              <a:t> умеет то же, что и </a:t>
+            </a:r>
+            <a:r>
+              <a:rPr lang="en-US" sz="2000" dirty="0" smtClean="0"/>
+              <a:t>Forward Iterator, </a:t>
+            </a:r>
+            <a:r>
+              <a:rPr lang="ru-RU" sz="2000" dirty="0" smtClean="0"/>
+              <a:t>но в дополнение к этому определяе</a:t>
+            </a:r>
+            <a:r>
+              <a:rPr lang="ru-RU" sz="2000" dirty="0"/>
+              <a:t>т</a:t>
+            </a:r>
+            <a:r>
+              <a:rPr lang="ru-RU" sz="2000" dirty="0" smtClean="0"/>
+              <a:t> операторы для </a:t>
+            </a:r>
+            <a:r>
+              <a:rPr lang="ru-RU" sz="2000" dirty="0" err="1" smtClean="0"/>
+              <a:t>предекремента</a:t>
+            </a:r>
+            <a:r>
+              <a:rPr lang="ru-RU" sz="2000" dirty="0" smtClean="0"/>
+              <a:t> и </a:t>
+            </a:r>
+            <a:r>
+              <a:rPr lang="ru-RU" sz="2000" dirty="0" err="1" smtClean="0"/>
+              <a:t>постдекремента</a:t>
+            </a:r>
+            <a:endParaRPr lang="en-US" sz="2000" dirty="0" smtClean="0"/>
+          </a:p>
+          <a:p>
+            <a:r>
+              <a:rPr lang="ru-RU" sz="2000" dirty="0" smtClean="0"/>
+              <a:t>Можно использовать там, где требуются </a:t>
+            </a:r>
+            <a:r>
+              <a:rPr lang="en-US" sz="2000" dirty="0" err="1" smtClean="0"/>
+              <a:t>InputIterator</a:t>
+            </a:r>
+            <a:r>
+              <a:rPr lang="en-US" sz="2000" dirty="0" smtClean="0"/>
+              <a:t>, </a:t>
+            </a:r>
+            <a:r>
+              <a:rPr lang="en-US" sz="2000" dirty="0" err="1" smtClean="0"/>
+              <a:t>OutputIterator</a:t>
+            </a:r>
+            <a:r>
+              <a:rPr lang="en-US" sz="2000" dirty="0" smtClean="0"/>
+              <a:t> </a:t>
+            </a:r>
+            <a:r>
+              <a:rPr lang="ru-RU" sz="2000" dirty="0" smtClean="0"/>
+              <a:t>и </a:t>
+            </a:r>
+            <a:r>
+              <a:rPr lang="en-US" sz="2000" dirty="0" err="1" smtClean="0"/>
+              <a:t>ForwardIterator</a:t>
+            </a:r>
+            <a:endParaRPr lang="ru-RU" sz="2000" dirty="0" smtClean="0"/>
+          </a:p>
+          <a:p>
+            <a:r>
+              <a:rPr lang="ru-RU" sz="2000" dirty="0" smtClean="0"/>
+              <a:t>Позволяет двигаться в обратном направлении, но на один элемент за раз</a:t>
+            </a:r>
+          </a:p>
+          <a:p>
+            <a:pPr marL="0" indent="0">
+              <a:buNone/>
+            </a:pPr>
+            <a:endParaRPr lang="en-US" sz="2000" dirty="0"/>
+          </a:p>
+        </p:txBody>
+      </p:sp>
+      <p:sp>
+        <p:nvSpPr>
+          <p:cNvPr id="4" name="Title 1">
+            <a:extLst>
+              <a:ext uri="{FF2B5EF4-FFF2-40B4-BE49-F238E27FC236}">
+                <a16:creationId xmlns:a16="http://schemas.microsoft.com/office/drawing/2014/main" xmlns="" id="{AB45E17C-D635-444C-9E6E-9F0B20ABC34B}"/>
+              </a:ext>
+            </a:extLst>
+          </p:cNvPr>
+          <p:cNvSpPr txBox="1">
+            <a:spLocks/>
+          </p:cNvSpPr>
+          <p:nvPr/>
+        </p:nvSpPr>
+        <p:spPr>
+          <a:xfrm>
+            <a:off x="443058" y="128922"/>
+            <a:ext cx="11491275" cy="549808"/>
+          </a:xfrm>
+          <a:prstGeom prst="rect">
+            <a:avLst/>
+          </a:prstGeom>
+          <a:solidFill>
+            <a:schemeClr val="bg1"/>
+          </a:solidFill>
+          <a:ln>
+            <a:solidFill>
+              <a:schemeClr val="tx1"/>
+            </a:solidFill>
+          </a:ln>
+        </p:spPr>
+        <p:txBody>
+          <a:bodyPr vert="horz" lIns="91440" tIns="45720" rIns="91440" bIns="45720" rtlCol="0" anchor="t">
+            <a:noAutofit/>
+          </a:bodyPr>
+          <a:lstStyle>
+            <a:lvl1pPr algn="l" defTabSz="457200" rtl="0" eaLnBrk="1" latinLnBrk="0" hangingPunct="1">
+              <a:spcBef>
+                <a:spcPct val="0"/>
+              </a:spcBef>
+              <a:buNone/>
+              <a:defRPr sz="3600" kern="1200">
+                <a:solidFill>
+                  <a:schemeClr val="accent1"/>
+                </a:solidFill>
+                <a:latin typeface="+mj-lt"/>
+                <a:ea typeface="+mj-ea"/>
+                <a:cs typeface="+mj-cs"/>
+              </a:defRPr>
+            </a:lvl1pPr>
+            <a:lvl2pPr eaLnBrk="1" hangingPunct="1">
+              <a:defRPr>
+                <a:solidFill>
+                  <a:schemeClr val="tx2"/>
+                </a:solidFill>
+              </a:defRPr>
+            </a:lvl2pPr>
+            <a:lvl3pPr eaLnBrk="1" hangingPunct="1">
+              <a:defRPr>
+                <a:solidFill>
+                  <a:schemeClr val="tx2"/>
+                </a:solidFill>
+              </a:defRPr>
+            </a:lvl3pPr>
+            <a:lvl4pPr eaLnBrk="1" hangingPunct="1">
+              <a:defRPr>
+                <a:solidFill>
+                  <a:schemeClr val="tx2"/>
+                </a:solidFill>
+              </a:defRPr>
+            </a:lvl4pPr>
+            <a:lvl5pPr eaLnBrk="1" hangingPunct="1">
+              <a:defRPr>
+                <a:solidFill>
+                  <a:schemeClr val="tx2"/>
+                </a:solidFill>
+              </a:defRPr>
+            </a:lvl5pPr>
+            <a:lvl6pPr eaLnBrk="1" hangingPunct="1">
+              <a:defRPr>
+                <a:solidFill>
+                  <a:schemeClr val="tx2"/>
+                </a:solidFill>
+              </a:defRPr>
+            </a:lvl6pPr>
+            <a:lvl7pPr eaLnBrk="1" hangingPunct="1">
+              <a:defRPr>
+                <a:solidFill>
+                  <a:schemeClr val="tx2"/>
+                </a:solidFill>
+              </a:defRPr>
+            </a:lvl7pPr>
+            <a:lvl8pPr eaLnBrk="1" hangingPunct="1">
+              <a:defRPr>
+                <a:solidFill>
+                  <a:schemeClr val="tx2"/>
+                </a:solidFill>
+              </a:defRPr>
+            </a:lvl8pPr>
+            <a:lvl9pPr eaLnBrk="1" hangingPunct="1">
+              <a:defRPr>
+                <a:solidFill>
+                  <a:schemeClr val="tx2"/>
+                </a:solidFill>
+              </a:defRPr>
+            </a:lvl9pPr>
+          </a:lstStyle>
+          <a:p>
+            <a:pPr algn="ctr"/>
+            <a:r>
+              <a:rPr lang="en-US" sz="2800" dirty="0" err="1" smtClean="0"/>
+              <a:t>BidirectionalIterator</a:t>
+            </a:r>
+            <a:endParaRPr lang="en-US" sz="2800" dirty="0"/>
+          </a:p>
+        </p:txBody>
+      </p:sp>
+      <p:pic>
+        <p:nvPicPr>
+          <p:cNvPr id="5" name="Рисунок 4"/>
+          <p:cNvPicPr>
+            <a:picLocks noChangeAspect="1"/>
+          </p:cNvPicPr>
+          <p:nvPr/>
+        </p:nvPicPr>
+        <p:blipFill>
+          <a:blip r:embed="rId2"/>
+          <a:stretch>
+            <a:fillRect/>
+          </a:stretch>
+        </p:blipFill>
+        <p:spPr>
+          <a:xfrm>
+            <a:off x="548523" y="922794"/>
+            <a:ext cx="5018928" cy="2169197"/>
+          </a:xfrm>
+          <a:prstGeom prst="rect">
+            <a:avLst/>
+          </a:prstGeom>
+        </p:spPr>
+      </p:pic>
+      <p:graphicFrame>
+        <p:nvGraphicFramePr>
+          <p:cNvPr id="6" name="Таблица 5"/>
+          <p:cNvGraphicFramePr>
+            <a:graphicFrameLocks noGrp="1"/>
+          </p:cNvGraphicFramePr>
+          <p:nvPr>
+            <p:extLst>
+              <p:ext uri="{D42A27DB-BD31-4B8C-83A1-F6EECF244321}">
+                <p14:modId xmlns:p14="http://schemas.microsoft.com/office/powerpoint/2010/main" val="3535189952"/>
+              </p:ext>
+            </p:extLst>
+          </p:nvPr>
+        </p:nvGraphicFramePr>
+        <p:xfrm>
+          <a:off x="548523" y="4133353"/>
+          <a:ext cx="5069851" cy="1564640"/>
+        </p:xfrm>
+        <a:graphic>
+          <a:graphicData uri="http://schemas.openxmlformats.org/drawingml/2006/table">
+            <a:tbl>
+              <a:tblPr firstRow="1" bandRow="1">
+                <a:tableStyleId>{5C22544A-7EE6-4342-B048-85BDC9FD1C3A}</a:tableStyleId>
+              </a:tblPr>
+              <a:tblGrid>
+                <a:gridCol w="2658359"/>
+                <a:gridCol w="2411492"/>
+              </a:tblGrid>
+              <a:tr h="370840">
+                <a:tc>
+                  <a:txBody>
+                    <a:bodyPr/>
+                    <a:lstStyle/>
+                    <a:p>
+                      <a:pPr algn="ctr"/>
+                      <a:r>
+                        <a:rPr lang="ru-RU" dirty="0" smtClean="0"/>
+                        <a:t>Операция</a:t>
+                      </a:r>
+                      <a:endParaRPr lang="en-US" dirty="0"/>
+                    </a:p>
+                  </a:txBody>
+                  <a:tcPr/>
+                </a:tc>
+                <a:tc>
+                  <a:txBody>
+                    <a:bodyPr/>
+                    <a:lstStyle/>
+                    <a:p>
+                      <a:pPr algn="ctr"/>
+                      <a:r>
+                        <a:rPr lang="ru-RU" dirty="0" smtClean="0"/>
+                        <a:t>Оператор</a:t>
+                      </a:r>
+                      <a:endParaRPr lang="en-US" dirty="0"/>
+                    </a:p>
+                  </a:txBody>
+                  <a:tcPr/>
+                </a:tc>
+              </a:tr>
+              <a:tr h="370840">
+                <a:tc gridSpan="2">
+                  <a:txBody>
+                    <a:bodyPr/>
+                    <a:lstStyle/>
+                    <a:p>
+                      <a:pPr algn="ctr"/>
+                      <a:r>
+                        <a:rPr lang="ru-RU" dirty="0" smtClean="0"/>
+                        <a:t>Все операторы </a:t>
+                      </a:r>
+                      <a:r>
+                        <a:rPr lang="en-US" dirty="0" err="1" smtClean="0"/>
+                        <a:t>ForwardIterator</a:t>
+                      </a:r>
+                      <a:endParaRPr lang="en-US" dirty="0"/>
+                    </a:p>
+                  </a:txBody>
+                  <a:tcPr/>
+                </a:tc>
+                <a:tc hMerge="1">
+                  <a:txBody>
+                    <a:bodyPr/>
+                    <a:lstStyle/>
+                    <a:p>
+                      <a:endParaRPr lang="en-US"/>
+                    </a:p>
+                  </a:txBody>
+                  <a:tcPr/>
+                </a:tc>
+              </a:tr>
+              <a:tr h="370840">
+                <a:tc>
+                  <a:txBody>
+                    <a:bodyPr/>
+                    <a:lstStyle/>
+                    <a:p>
+                      <a:r>
+                        <a:rPr lang="ru-RU" sz="1600" dirty="0" smtClean="0"/>
+                        <a:t>Декремент</a:t>
+                      </a:r>
+                      <a:endParaRPr lang="ru-RU" sz="1600" dirty="0"/>
+                    </a:p>
+                    <a:p>
+                      <a:r>
+                        <a:rPr lang="ru-RU" sz="1600" dirty="0" smtClean="0"/>
+                        <a:t>--</a:t>
+                      </a:r>
+                      <a:r>
+                        <a:rPr lang="en-US" sz="1600" dirty="0" smtClean="0"/>
+                        <a:t>A</a:t>
+                      </a:r>
+                      <a:endParaRPr lang="en-US" sz="1600" dirty="0"/>
+                    </a:p>
+                    <a:p>
+                      <a:r>
+                        <a:rPr lang="en-US" sz="1600" dirty="0" smtClean="0"/>
+                        <a:t>A</a:t>
+                      </a:r>
+                      <a:r>
+                        <a:rPr lang="ru-RU" sz="1600" dirty="0" smtClean="0"/>
+                        <a:t>--</a:t>
+                      </a:r>
+                    </a:p>
+                  </a:txBody>
+                  <a:tcPr/>
+                </a:tc>
+                <a:tc>
+                  <a:txBody>
+                    <a:bodyPr/>
+                    <a:lstStyle/>
+                    <a:p>
+                      <a:r>
+                        <a:rPr lang="en-US" dirty="0"/>
+                        <a:t>A</a:t>
+                      </a:r>
+                      <a:r>
+                        <a:rPr lang="en-US" dirty="0">
+                          <a:latin typeface="Times New Roman" panose="02020603050405020304" pitchFamily="18" charset="0"/>
+                          <a:cs typeface="Times New Roman" panose="02020603050405020304" pitchFamily="18" charset="0"/>
+                        </a:rPr>
+                        <a:t>&amp;</a:t>
+                      </a:r>
+                      <a:r>
+                        <a:rPr lang="en-US" dirty="0"/>
+                        <a:t> </a:t>
+                      </a:r>
+                      <a:r>
+                        <a:rPr lang="en-US" dirty="0" smtClean="0"/>
+                        <a:t>operator</a:t>
+                      </a:r>
+                      <a:r>
+                        <a:rPr lang="ru-RU" dirty="0" smtClean="0"/>
+                        <a:t>--</a:t>
+                      </a:r>
+                      <a:r>
+                        <a:rPr lang="en-US" dirty="0" smtClean="0"/>
+                        <a:t>()</a:t>
+                      </a:r>
+                      <a:endParaRPr lang="en-US" dirty="0"/>
+                    </a:p>
+                    <a:p>
+                      <a:r>
+                        <a:rPr lang="en-US" dirty="0"/>
+                        <a:t>A </a:t>
+                      </a:r>
+                      <a:r>
+                        <a:rPr lang="en-US" dirty="0" smtClean="0"/>
+                        <a:t>operator</a:t>
+                      </a:r>
+                      <a:r>
+                        <a:rPr lang="ru-RU" dirty="0" smtClean="0"/>
+                        <a:t>--</a:t>
+                      </a:r>
+                      <a:r>
+                        <a:rPr lang="en-US" dirty="0" smtClean="0"/>
+                        <a:t>(</a:t>
+                      </a:r>
+                      <a:r>
+                        <a:rPr lang="en-US" dirty="0" err="1" smtClean="0"/>
+                        <a:t>int</a:t>
+                      </a:r>
+                      <a:r>
+                        <a:rPr lang="en-US" dirty="0" smtClean="0"/>
+                        <a:t> </a:t>
+                      </a:r>
+                      <a:r>
+                        <a:rPr lang="en-US" dirty="0"/>
+                        <a:t>n)</a:t>
+                      </a:r>
+                    </a:p>
+                  </a:txBody>
+                  <a:tcPr/>
+                </a:tc>
+              </a:tr>
+            </a:tbl>
+          </a:graphicData>
+        </a:graphic>
+      </p:graphicFrame>
+      <p:sp>
+        <p:nvSpPr>
+          <p:cNvPr id="7" name="TextBox 6"/>
+          <p:cNvSpPr txBox="1"/>
+          <p:nvPr/>
+        </p:nvSpPr>
+        <p:spPr>
+          <a:xfrm>
+            <a:off x="1029290" y="3535052"/>
+            <a:ext cx="3774559" cy="369332"/>
+          </a:xfrm>
+          <a:prstGeom prst="rect">
+            <a:avLst/>
+          </a:prstGeom>
+          <a:noFill/>
+        </p:spPr>
+        <p:txBody>
+          <a:bodyPr wrap="none" rtlCol="0">
+            <a:spAutoFit/>
+          </a:bodyPr>
+          <a:lstStyle/>
+          <a:p>
+            <a:r>
+              <a:rPr lang="ru-RU" b="1" dirty="0" smtClean="0"/>
+              <a:t>Интерфейс </a:t>
+            </a:r>
+            <a:r>
+              <a:rPr lang="en-US" b="1" dirty="0" err="1" smtClean="0"/>
+              <a:t>BidirectionalIterator</a:t>
+            </a:r>
+            <a:endParaRPr lang="en-US" b="1" dirty="0"/>
+          </a:p>
+        </p:txBody>
+      </p:sp>
+    </p:spTree>
+    <p:extLst>
+      <p:ext uri="{BB962C8B-B14F-4D97-AF65-F5344CB8AC3E}">
+        <p14:creationId xmlns:p14="http://schemas.microsoft.com/office/powerpoint/2010/main" val="1979735223"/>
+      </p:ext>
+    </p:extLst>
+  </p:cSld>
+  <p:clrMapOvr>
+    <a:masterClrMapping/>
+  </p:clrMapOvr>
+</p:sld>
+</file>
+
+<file path=ppt/slides/slide8.xml><?xml version="1.0" encoding="utf-8"?>
+<p:sld xmlns:a="http://schemas.openxmlformats.org/drawingml/2006/main" xmlns:r="http://schemas.openxmlformats.org/officeDocument/2006/relationships" xmlns:p="http://schemas.openxmlformats.org/presentationml/2006/main">
+  <p:cSld>
+    <p:spTree>
+      <p:nvGrpSpPr>
+        <p:cNvPr id="1" name=""/>
+        <p:cNvGrpSpPr/>
+        <p:nvPr/>
+      </p:nvGrpSpPr>
+      <p:grpSpPr>
+        <a:xfrm>
+          <a:off x="0" y="0"/>
+          <a:ext cx="0" cy="0"/>
+          <a:chOff x="0" y="0"/>
+          <a:chExt cx="0" cy="0"/>
+        </a:xfrm>
+      </p:grpSpPr>
+      <p:sp>
+        <p:nvSpPr>
+          <p:cNvPr id="4" name="Title 1">
+            <a:extLst>
+              <a:ext uri="{FF2B5EF4-FFF2-40B4-BE49-F238E27FC236}">
+                <a16:creationId xmlns:a16="http://schemas.microsoft.com/office/drawing/2014/main" xmlns="" id="{AB45E17C-D635-444C-9E6E-9F0B20ABC34B}"/>
+              </a:ext>
+            </a:extLst>
+          </p:cNvPr>
+          <p:cNvSpPr txBox="1">
+            <a:spLocks/>
+          </p:cNvSpPr>
+          <p:nvPr/>
+        </p:nvSpPr>
+        <p:spPr>
+          <a:xfrm>
+            <a:off x="443058" y="128922"/>
+            <a:ext cx="11491275" cy="549808"/>
+          </a:xfrm>
+          <a:prstGeom prst="rect">
+            <a:avLst/>
+          </a:prstGeom>
+          <a:solidFill>
+            <a:schemeClr val="bg1"/>
+          </a:solidFill>
+          <a:ln>
+            <a:solidFill>
+              <a:schemeClr val="tx1"/>
+            </a:solidFill>
+          </a:ln>
+        </p:spPr>
+        <p:txBody>
+          <a:bodyPr vert="horz" lIns="91440" tIns="45720" rIns="91440" bIns="45720" rtlCol="0" anchor="t">
+            <a:noAutofit/>
+          </a:bodyPr>
+          <a:lstStyle>
+            <a:lvl1pPr algn="l" defTabSz="457200" rtl="0" eaLnBrk="1" latinLnBrk="0" hangingPunct="1">
+              <a:spcBef>
+                <a:spcPct val="0"/>
+              </a:spcBef>
+              <a:buNone/>
+              <a:defRPr sz="3600" kern="1200">
+                <a:solidFill>
+                  <a:schemeClr val="accent1"/>
+                </a:solidFill>
+                <a:latin typeface="+mj-lt"/>
+                <a:ea typeface="+mj-ea"/>
+                <a:cs typeface="+mj-cs"/>
+              </a:defRPr>
+            </a:lvl1pPr>
+            <a:lvl2pPr eaLnBrk="1" hangingPunct="1">
+              <a:defRPr>
+                <a:solidFill>
+                  <a:schemeClr val="tx2"/>
+                </a:solidFill>
+              </a:defRPr>
+            </a:lvl2pPr>
+            <a:lvl3pPr eaLnBrk="1" hangingPunct="1">
+              <a:defRPr>
+                <a:solidFill>
+                  <a:schemeClr val="tx2"/>
+                </a:solidFill>
+              </a:defRPr>
+            </a:lvl3pPr>
+            <a:lvl4pPr eaLnBrk="1" hangingPunct="1">
+              <a:defRPr>
+                <a:solidFill>
+                  <a:schemeClr val="tx2"/>
+                </a:solidFill>
+              </a:defRPr>
+            </a:lvl4pPr>
+            <a:lvl5pPr eaLnBrk="1" hangingPunct="1">
+              <a:defRPr>
+                <a:solidFill>
+                  <a:schemeClr val="tx2"/>
+                </a:solidFill>
+              </a:defRPr>
+            </a:lvl5pPr>
+            <a:lvl6pPr eaLnBrk="1" hangingPunct="1">
+              <a:defRPr>
+                <a:solidFill>
+                  <a:schemeClr val="tx2"/>
+                </a:solidFill>
+              </a:defRPr>
+            </a:lvl6pPr>
+            <a:lvl7pPr eaLnBrk="1" hangingPunct="1">
+              <a:defRPr>
+                <a:solidFill>
+                  <a:schemeClr val="tx2"/>
+                </a:solidFill>
+              </a:defRPr>
+            </a:lvl7pPr>
+            <a:lvl8pPr eaLnBrk="1" hangingPunct="1">
+              <a:defRPr>
+                <a:solidFill>
+                  <a:schemeClr val="tx2"/>
+                </a:solidFill>
+              </a:defRPr>
+            </a:lvl8pPr>
+            <a:lvl9pPr eaLnBrk="1" hangingPunct="1">
+              <a:defRPr>
+                <a:solidFill>
+                  <a:schemeClr val="tx2"/>
+                </a:solidFill>
+              </a:defRPr>
+            </a:lvl9pPr>
+          </a:lstStyle>
+          <a:p>
+            <a:pPr algn="ctr"/>
+            <a:r>
+              <a:rPr lang="en-US" sz="2800" dirty="0" err="1" smtClean="0"/>
+              <a:t>RandomAccessIterator</a:t>
+            </a:r>
+            <a:endParaRPr lang="en-US" sz="2800" dirty="0"/>
+          </a:p>
+        </p:txBody>
+      </p:sp>
+      <p:graphicFrame>
+        <p:nvGraphicFramePr>
+          <p:cNvPr id="5" name="Таблица 4"/>
+          <p:cNvGraphicFramePr>
+            <a:graphicFrameLocks noGrp="1"/>
+          </p:cNvGraphicFramePr>
+          <p:nvPr>
+            <p:extLst>
+              <p:ext uri="{D42A27DB-BD31-4B8C-83A1-F6EECF244321}">
+                <p14:modId xmlns:p14="http://schemas.microsoft.com/office/powerpoint/2010/main" val="2624619364"/>
+              </p:ext>
+            </p:extLst>
+          </p:nvPr>
+        </p:nvGraphicFramePr>
+        <p:xfrm>
+          <a:off x="443058" y="809170"/>
+          <a:ext cx="11444142" cy="5443584"/>
+        </p:xfrm>
+        <a:graphic>
+          <a:graphicData uri="http://schemas.openxmlformats.org/drawingml/2006/table">
+            <a:tbl>
+              <a:tblPr firstRow="1" bandRow="1">
+                <a:tableStyleId>{5C22544A-7EE6-4342-B048-85BDC9FD1C3A}</a:tableStyleId>
+              </a:tblPr>
+              <a:tblGrid>
+                <a:gridCol w="5291917"/>
+                <a:gridCol w="6152225"/>
+              </a:tblGrid>
+              <a:tr h="367073">
+                <a:tc>
+                  <a:txBody>
+                    <a:bodyPr/>
+                    <a:lstStyle/>
+                    <a:p>
+                      <a:pPr algn="ctr"/>
+                      <a:r>
+                        <a:rPr lang="ru-RU" sz="1600" dirty="0" smtClean="0"/>
+                        <a:t>Операция</a:t>
+                      </a:r>
+                      <a:endParaRPr lang="en-US" sz="1600" dirty="0"/>
+                    </a:p>
+                  </a:txBody>
+                  <a:tcPr/>
+                </a:tc>
+                <a:tc>
+                  <a:txBody>
+                    <a:bodyPr/>
+                    <a:lstStyle/>
+                    <a:p>
+                      <a:pPr algn="ctr"/>
+                      <a:r>
+                        <a:rPr lang="ru-RU" sz="1600" dirty="0" smtClean="0"/>
+                        <a:t>Оператор</a:t>
+                      </a:r>
+                      <a:endParaRPr lang="en-US" sz="1600" dirty="0"/>
+                    </a:p>
+                  </a:txBody>
+                  <a:tcPr/>
+                </a:tc>
+              </a:tr>
+              <a:tr h="485588">
+                <a:tc gridSpan="2">
+                  <a:txBody>
+                    <a:bodyPr/>
+                    <a:lstStyle/>
+                    <a:p>
+                      <a:pPr algn="ctr"/>
+                      <a:r>
+                        <a:rPr lang="ru-RU" sz="1600" dirty="0" smtClean="0"/>
+                        <a:t>Все операторы </a:t>
+                      </a:r>
+                      <a:r>
+                        <a:rPr lang="en-US" sz="1600" dirty="0" err="1" smtClean="0"/>
+                        <a:t>BidirectionalIterator</a:t>
+                      </a:r>
+                      <a:endParaRPr lang="en-US" sz="1600" dirty="0"/>
+                    </a:p>
+                  </a:txBody>
+                  <a:tcPr anchor="ctr"/>
+                </a:tc>
+                <a:tc hMerge="1">
+                  <a:txBody>
+                    <a:bodyPr/>
+                    <a:lstStyle/>
+                    <a:p>
+                      <a:endParaRPr lang="en-US"/>
+                    </a:p>
+                  </a:txBody>
+                  <a:tcPr/>
+                </a:tc>
+              </a:tr>
+              <a:tr h="367073">
+                <a:tc>
+                  <a:txBody>
+                    <a:bodyPr/>
+                    <a:lstStyle/>
+                    <a:p>
+                      <a:r>
+                        <a:rPr lang="ru-RU" sz="1600" dirty="0" smtClean="0"/>
+                        <a:t>Индексирование</a:t>
+                      </a:r>
+                    </a:p>
+                  </a:txBody>
+                  <a:tcPr anchor="ctr"/>
+                </a:tc>
+                <a:tc>
+                  <a:txBody>
+                    <a:bodyPr/>
+                    <a:lstStyle/>
+                    <a:p>
+                      <a:r>
+                        <a:rPr lang="en-US" sz="1600" dirty="0"/>
+                        <a:t>A</a:t>
+                      </a:r>
+                      <a:r>
+                        <a:rPr lang="en-US" sz="1600" dirty="0">
+                          <a:latin typeface="Times New Roman" panose="02020603050405020304" pitchFamily="18" charset="0"/>
+                          <a:cs typeface="Times New Roman" panose="02020603050405020304" pitchFamily="18" charset="0"/>
+                        </a:rPr>
+                        <a:t>&amp;</a:t>
+                      </a:r>
+                      <a:r>
+                        <a:rPr lang="en-US" sz="1600" dirty="0"/>
+                        <a:t> </a:t>
+                      </a:r>
+                      <a:r>
+                        <a:rPr lang="en-US" sz="1600" dirty="0" smtClean="0"/>
+                        <a:t>operator[](</a:t>
+                      </a:r>
+                      <a:r>
+                        <a:rPr lang="en-US" sz="1600" dirty="0" err="1" smtClean="0"/>
+                        <a:t>size_t</a:t>
+                      </a:r>
+                      <a:r>
+                        <a:rPr lang="en-US" sz="1600" dirty="0" smtClean="0"/>
+                        <a:t> </a:t>
+                      </a:r>
+                      <a:r>
+                        <a:rPr lang="en-US" sz="1600" dirty="0" err="1" smtClean="0"/>
+                        <a:t>i</a:t>
+                      </a:r>
+                      <a:r>
+                        <a:rPr lang="en-US" sz="1600" dirty="0" smtClean="0"/>
+                        <a:t>)</a:t>
+                      </a:r>
+                      <a:endParaRPr lang="en-US" sz="1600" dirty="0"/>
+                    </a:p>
+                  </a:txBody>
+                  <a:tcPr anchor="ctr"/>
+                </a:tc>
+              </a:tr>
+              <a:tr h="1116303">
+                <a:tc>
+                  <a:txBody>
+                    <a:bodyPr/>
+                    <a:lstStyle/>
+                    <a:p>
+                      <a:r>
+                        <a:rPr lang="ru-RU" sz="1600" dirty="0" smtClean="0"/>
+                        <a:t>Сдвиг на произвольное число элементов вперед</a:t>
+                      </a:r>
+                    </a:p>
+                  </a:txBody>
+                  <a:tcPr anchor="ctr"/>
+                </a:tc>
+                <a:tc>
+                  <a:txBody>
+                    <a:bodyPr/>
+                    <a:lstStyle/>
+                    <a:p>
+                      <a:r>
+                        <a:rPr lang="en-US" sz="1600" dirty="0" smtClean="0"/>
+                        <a:t>A</a:t>
+                      </a:r>
+                      <a:r>
+                        <a:rPr lang="en-US" sz="1600" dirty="0" smtClean="0">
+                          <a:latin typeface="Times New Roman" panose="02020603050405020304" pitchFamily="18" charset="0"/>
+                          <a:cs typeface="Times New Roman" panose="02020603050405020304" pitchFamily="18" charset="0"/>
+                        </a:rPr>
+                        <a:t>&amp;</a:t>
+                      </a:r>
+                      <a:r>
+                        <a:rPr lang="en-US" sz="1600" baseline="0" dirty="0" smtClean="0"/>
+                        <a:t> operator+=(</a:t>
+                      </a:r>
+                      <a:r>
+                        <a:rPr lang="en-US" sz="1600" baseline="0" dirty="0" err="1" smtClean="0"/>
+                        <a:t>size_t</a:t>
+                      </a:r>
+                      <a:r>
+                        <a:rPr lang="en-US" sz="1600" baseline="0" dirty="0" smtClean="0"/>
+                        <a:t> n)</a:t>
+                      </a:r>
+                    </a:p>
+                    <a:p>
+                      <a:pPr marL="0" marR="0" indent="0" algn="l" defTabSz="457200" rtl="0" eaLnBrk="1" fontAlgn="auto" latinLnBrk="0" hangingPunct="1">
+                        <a:lnSpc>
+                          <a:spcPct val="100000"/>
+                        </a:lnSpc>
+                        <a:spcBef>
+                          <a:spcPts val="0"/>
+                        </a:spcBef>
+                        <a:spcAft>
+                          <a:spcPts val="0"/>
+                        </a:spcAft>
+                        <a:buClrTx/>
+                        <a:buSzTx/>
+                        <a:buFontTx/>
+                        <a:buNone/>
+                        <a:tabLst/>
+                        <a:defRPr/>
+                      </a:pPr>
+                      <a:r>
+                        <a:rPr lang="en-US" sz="1600" dirty="0" smtClean="0"/>
+                        <a:t>A</a:t>
+                      </a:r>
+                      <a:r>
+                        <a:rPr lang="en-US" sz="1600" baseline="0" dirty="0" smtClean="0"/>
+                        <a:t> operator+(</a:t>
+                      </a:r>
+                      <a:r>
+                        <a:rPr lang="en-US" sz="1600" baseline="0" dirty="0" err="1" smtClean="0"/>
+                        <a:t>size_t</a:t>
+                      </a:r>
+                      <a:r>
+                        <a:rPr lang="en-US" sz="1600" baseline="0" dirty="0" smtClean="0"/>
+                        <a:t> n)</a:t>
+                      </a:r>
+                      <a:endParaRPr lang="en-US" sz="1600" dirty="0" smtClean="0"/>
+                    </a:p>
+                    <a:p>
+                      <a:r>
+                        <a:rPr lang="en-US" sz="1600" dirty="0" smtClean="0"/>
+                        <a:t>friend</a:t>
+                      </a:r>
+                      <a:r>
+                        <a:rPr lang="ru-RU" sz="1600" dirty="0" smtClean="0"/>
+                        <a:t> </a:t>
+                      </a:r>
+                      <a:r>
+                        <a:rPr lang="en-US" sz="1600" dirty="0" smtClean="0"/>
+                        <a:t>A operator+(</a:t>
+                      </a:r>
+                      <a:r>
+                        <a:rPr lang="en-US" sz="1600" dirty="0" err="1" smtClean="0"/>
+                        <a:t>const</a:t>
+                      </a:r>
+                      <a:r>
+                        <a:rPr lang="en-US" sz="1600" baseline="0" dirty="0" smtClean="0"/>
+                        <a:t> </a:t>
+                      </a:r>
+                      <a:r>
+                        <a:rPr lang="en-US" sz="1600" baseline="0" dirty="0" err="1" smtClean="0"/>
+                        <a:t>Iter</a:t>
+                      </a:r>
+                      <a:r>
+                        <a:rPr lang="en-US" sz="1600" baseline="0" dirty="0" smtClean="0">
+                          <a:latin typeface="Times New Roman" panose="02020603050405020304" pitchFamily="18" charset="0"/>
+                          <a:cs typeface="Times New Roman" panose="02020603050405020304" pitchFamily="18" charset="0"/>
+                        </a:rPr>
+                        <a:t>&amp;</a:t>
+                      </a:r>
+                      <a:r>
+                        <a:rPr lang="en-US" sz="1600" baseline="0" dirty="0" smtClean="0"/>
+                        <a:t> it, </a:t>
+                      </a:r>
+                      <a:r>
+                        <a:rPr lang="en-US" sz="1600" baseline="0" dirty="0" err="1" smtClean="0"/>
+                        <a:t>size_t</a:t>
+                      </a:r>
+                      <a:r>
+                        <a:rPr lang="en-US" sz="1600" baseline="0" dirty="0" smtClean="0"/>
+                        <a:t> n</a:t>
+                      </a:r>
+                      <a:r>
+                        <a:rPr lang="en-US" sz="1600" dirty="0" smtClean="0"/>
+                        <a:t>)</a:t>
+                      </a:r>
+                      <a:endParaRPr lang="en-US" sz="1600" dirty="0"/>
+                    </a:p>
+                  </a:txBody>
+                  <a:tcPr anchor="ctr"/>
+                </a:tc>
+              </a:tr>
+              <a:tr h="1116303">
+                <a:tc>
+                  <a:txBody>
+                    <a:bodyPr/>
+                    <a:lstStyle/>
+                    <a:p>
+                      <a:pPr marL="0" marR="0" indent="0" algn="l" defTabSz="457200" rtl="0" eaLnBrk="1" fontAlgn="auto" latinLnBrk="0" hangingPunct="1">
+                        <a:lnSpc>
+                          <a:spcPct val="100000"/>
+                        </a:lnSpc>
+                        <a:spcBef>
+                          <a:spcPts val="0"/>
+                        </a:spcBef>
+                        <a:spcAft>
+                          <a:spcPts val="0"/>
+                        </a:spcAft>
+                        <a:buClrTx/>
+                        <a:buSzTx/>
+                        <a:buFontTx/>
+                        <a:buNone/>
+                        <a:tabLst/>
+                        <a:defRPr/>
+                      </a:pPr>
+                      <a:r>
+                        <a:rPr lang="ru-RU" sz="1600" dirty="0" smtClean="0"/>
+                        <a:t>Сдвиг на произвольное число элементов назад</a:t>
+                      </a:r>
+                    </a:p>
+                    <a:p>
+                      <a:endParaRPr lang="ru-RU" sz="1600" dirty="0" smtClean="0"/>
+                    </a:p>
+                  </a:txBody>
+                  <a:tcPr anchor="ctr"/>
+                </a:tc>
+                <a:tc>
+                  <a:txBody>
+                    <a:bodyPr/>
+                    <a:lstStyle/>
+                    <a:p>
+                      <a:r>
+                        <a:rPr lang="en-US" sz="1600" dirty="0" smtClean="0"/>
+                        <a:t>A</a:t>
+                      </a:r>
+                      <a:r>
+                        <a:rPr lang="en-US" sz="1600" dirty="0" smtClean="0">
+                          <a:latin typeface="Times New Roman" panose="02020603050405020304" pitchFamily="18" charset="0"/>
+                          <a:cs typeface="Times New Roman" panose="02020603050405020304" pitchFamily="18" charset="0"/>
+                        </a:rPr>
+                        <a:t>&amp;</a:t>
+                      </a:r>
+                      <a:r>
+                        <a:rPr lang="en-US" sz="1600" baseline="0" dirty="0" smtClean="0"/>
+                        <a:t> operator</a:t>
+                      </a:r>
+                      <a:r>
+                        <a:rPr lang="ru-RU" sz="1600" baseline="0" dirty="0" smtClean="0"/>
+                        <a:t>-</a:t>
+                      </a:r>
+                      <a:r>
+                        <a:rPr lang="en-US" sz="1600" baseline="0" dirty="0" smtClean="0"/>
+                        <a:t>=(</a:t>
+                      </a:r>
+                      <a:r>
+                        <a:rPr lang="en-US" sz="1600" baseline="0" dirty="0" err="1" smtClean="0"/>
+                        <a:t>size_t</a:t>
+                      </a:r>
+                      <a:r>
+                        <a:rPr lang="en-US" sz="1600" baseline="0" dirty="0" smtClean="0"/>
+                        <a:t> n)</a:t>
+                      </a:r>
+                    </a:p>
+                    <a:p>
+                      <a:pPr marL="0" marR="0" indent="0" algn="l" defTabSz="457200" rtl="0" eaLnBrk="1" fontAlgn="auto" latinLnBrk="0" hangingPunct="1">
+                        <a:lnSpc>
+                          <a:spcPct val="100000"/>
+                        </a:lnSpc>
+                        <a:spcBef>
+                          <a:spcPts val="0"/>
+                        </a:spcBef>
+                        <a:spcAft>
+                          <a:spcPts val="0"/>
+                        </a:spcAft>
+                        <a:buClrTx/>
+                        <a:buSzTx/>
+                        <a:buFontTx/>
+                        <a:buNone/>
+                        <a:tabLst/>
+                        <a:defRPr/>
+                      </a:pPr>
+                      <a:r>
+                        <a:rPr lang="en-US" sz="1600" dirty="0" smtClean="0"/>
+                        <a:t>A</a:t>
+                      </a:r>
+                      <a:r>
+                        <a:rPr lang="en-US" sz="1600" baseline="0" dirty="0" smtClean="0"/>
+                        <a:t> operator</a:t>
+                      </a:r>
+                      <a:r>
+                        <a:rPr lang="ru-RU" sz="1600" baseline="0" dirty="0" smtClean="0"/>
+                        <a:t>-</a:t>
+                      </a:r>
+                      <a:r>
+                        <a:rPr lang="en-US" sz="1600" baseline="0" dirty="0" smtClean="0"/>
+                        <a:t>(</a:t>
+                      </a:r>
+                      <a:r>
+                        <a:rPr lang="en-US" sz="1600" baseline="0" dirty="0" err="1" smtClean="0"/>
+                        <a:t>size_t</a:t>
+                      </a:r>
+                      <a:r>
+                        <a:rPr lang="en-US" sz="1600" baseline="0" dirty="0" smtClean="0"/>
+                        <a:t> n)</a:t>
+                      </a:r>
+                      <a:endParaRPr lang="en-US" sz="1600" dirty="0" smtClean="0"/>
+                    </a:p>
+                    <a:p>
+                      <a:r>
+                        <a:rPr lang="en-US" sz="1600" dirty="0" smtClean="0"/>
+                        <a:t>friend</a:t>
+                      </a:r>
+                      <a:r>
+                        <a:rPr lang="ru-RU" sz="1600" baseline="0" dirty="0" smtClean="0"/>
+                        <a:t> </a:t>
+                      </a:r>
+                      <a:r>
+                        <a:rPr lang="en-US" sz="1600" dirty="0" smtClean="0"/>
+                        <a:t>A operator</a:t>
+                      </a:r>
+                      <a:r>
+                        <a:rPr lang="ru-RU" sz="1600" dirty="0" smtClean="0"/>
+                        <a:t>-</a:t>
+                      </a:r>
+                      <a:r>
+                        <a:rPr lang="en-US" sz="1600" dirty="0" smtClean="0"/>
+                        <a:t>(</a:t>
+                      </a:r>
+                      <a:r>
+                        <a:rPr lang="en-US" sz="1600" dirty="0" err="1" smtClean="0"/>
+                        <a:t>const</a:t>
+                      </a:r>
+                      <a:r>
+                        <a:rPr lang="en-US" sz="1600" baseline="0" dirty="0" smtClean="0"/>
+                        <a:t> </a:t>
+                      </a:r>
+                      <a:r>
+                        <a:rPr lang="en-US" sz="1600" baseline="0" dirty="0" err="1" smtClean="0"/>
+                        <a:t>Iter</a:t>
+                      </a:r>
+                      <a:r>
+                        <a:rPr lang="en-US" sz="1600" baseline="0" dirty="0" smtClean="0">
+                          <a:latin typeface="Times New Roman" panose="02020603050405020304" pitchFamily="18" charset="0"/>
+                          <a:cs typeface="Times New Roman" panose="02020603050405020304" pitchFamily="18" charset="0"/>
+                        </a:rPr>
+                        <a:t>&amp;</a:t>
+                      </a:r>
+                      <a:r>
+                        <a:rPr lang="en-US" sz="1600" baseline="0" dirty="0" smtClean="0"/>
+                        <a:t> it, </a:t>
+                      </a:r>
+                      <a:r>
+                        <a:rPr lang="en-US" sz="1600" baseline="0" dirty="0" err="1" smtClean="0"/>
+                        <a:t>size_t</a:t>
+                      </a:r>
+                      <a:r>
+                        <a:rPr lang="en-US" sz="1600" baseline="0" dirty="0" smtClean="0"/>
+                        <a:t> n</a:t>
+                      </a:r>
+                      <a:r>
+                        <a:rPr lang="en-US" sz="1600" dirty="0" smtClean="0"/>
+                        <a:t>)</a:t>
+                      </a:r>
+                    </a:p>
+                  </a:txBody>
+                  <a:tcPr anchor="ctr"/>
+                </a:tc>
+              </a:tr>
+              <a:tr h="905111">
+                <a:tc>
+                  <a:txBody>
+                    <a:bodyPr/>
+                    <a:lstStyle/>
+                    <a:p>
+                      <a:r>
+                        <a:rPr lang="ru-RU" sz="1600" dirty="0" smtClean="0"/>
+                        <a:t>Расстояние</a:t>
+                      </a:r>
+                      <a:r>
+                        <a:rPr lang="ru-RU" sz="1600" baseline="0" dirty="0" smtClean="0"/>
+                        <a:t> между итераторами (в элементах)</a:t>
+                      </a:r>
+                      <a:endParaRPr lang="ru-RU" sz="1600" dirty="0" smtClean="0"/>
+                    </a:p>
+                  </a:txBody>
+                  <a:tcPr anchor="ctr"/>
+                </a:tc>
+                <a:tc>
+                  <a:txBody>
+                    <a:bodyPr/>
+                    <a:lstStyle/>
+                    <a:p>
+                      <a:r>
+                        <a:rPr lang="en-US" sz="1600" dirty="0" err="1" smtClean="0"/>
+                        <a:t>ptrdiff_t</a:t>
+                      </a:r>
+                      <a:r>
+                        <a:rPr lang="en-US" sz="1600" dirty="0" smtClean="0"/>
+                        <a:t> operator-(</a:t>
+                      </a:r>
+                      <a:r>
+                        <a:rPr lang="en-US" sz="1600" dirty="0" err="1" smtClean="0"/>
+                        <a:t>const</a:t>
+                      </a:r>
+                      <a:r>
+                        <a:rPr lang="en-US" sz="1600" dirty="0" smtClean="0"/>
+                        <a:t> </a:t>
+                      </a:r>
+                      <a:r>
+                        <a:rPr lang="en-US" sz="1600" dirty="0" err="1" smtClean="0"/>
+                        <a:t>Iter</a:t>
+                      </a:r>
+                      <a:r>
+                        <a:rPr lang="en-US" sz="1600" dirty="0" smtClean="0">
+                          <a:latin typeface="Times New Roman" panose="02020603050405020304" pitchFamily="18" charset="0"/>
+                          <a:cs typeface="Times New Roman" panose="02020603050405020304" pitchFamily="18" charset="0"/>
+                        </a:rPr>
+                        <a:t>&amp;</a:t>
+                      </a:r>
+                      <a:r>
+                        <a:rPr lang="en-US" sz="1600" dirty="0" smtClean="0"/>
+                        <a:t> other)</a:t>
+                      </a:r>
+                      <a:endParaRPr lang="en-US" sz="1600" dirty="0"/>
+                    </a:p>
+                  </a:txBody>
+                  <a:tcPr anchor="ctr"/>
+                </a:tc>
+              </a:tr>
+              <a:tr h="1086133">
+                <a:tc>
+                  <a:txBody>
+                    <a:bodyPr/>
+                    <a:lstStyle/>
+                    <a:p>
+                      <a:r>
+                        <a:rPr lang="ru-RU" sz="1600" dirty="0" smtClean="0"/>
+                        <a:t>Сравнение</a:t>
+                      </a:r>
+                    </a:p>
+                  </a:txBody>
+                  <a:tcPr anchor="ctr"/>
+                </a:tc>
+                <a:tc>
+                  <a:txBody>
+                    <a:bodyPr/>
+                    <a:lstStyle/>
+                    <a:p>
+                      <a:r>
+                        <a:rPr lang="en-US" sz="1600" dirty="0" err="1" smtClean="0"/>
+                        <a:t>bool</a:t>
+                      </a:r>
+                      <a:r>
+                        <a:rPr lang="en-US" sz="1600" baseline="0" dirty="0" smtClean="0"/>
+                        <a:t> operator&lt;(</a:t>
+                      </a:r>
+                      <a:r>
+                        <a:rPr lang="en-US" sz="1600" baseline="0" dirty="0" err="1" smtClean="0"/>
+                        <a:t>const</a:t>
+                      </a:r>
+                      <a:r>
+                        <a:rPr lang="en-US" sz="1600" baseline="0" dirty="0" smtClean="0"/>
+                        <a:t> </a:t>
+                      </a:r>
+                      <a:r>
+                        <a:rPr lang="en-US" sz="1600" baseline="0" dirty="0" err="1" smtClean="0"/>
+                        <a:t>Iter</a:t>
+                      </a:r>
+                      <a:r>
+                        <a:rPr lang="en-US" sz="1600" baseline="0" dirty="0" smtClean="0">
+                          <a:latin typeface="Times New Roman" panose="02020603050405020304" pitchFamily="18" charset="0"/>
+                          <a:cs typeface="Times New Roman" panose="02020603050405020304" pitchFamily="18" charset="0"/>
+                        </a:rPr>
+                        <a:t>&amp;</a:t>
+                      </a:r>
+                      <a:r>
+                        <a:rPr lang="en-US" sz="1600" baseline="0" dirty="0" smtClean="0"/>
+                        <a:t> other)</a:t>
+                      </a:r>
+                    </a:p>
+                    <a:p>
+                      <a:pPr marL="0" marR="0" indent="0" algn="l" defTabSz="457200" rtl="0" eaLnBrk="1" fontAlgn="auto" latinLnBrk="0" hangingPunct="1">
+                        <a:lnSpc>
+                          <a:spcPct val="100000"/>
+                        </a:lnSpc>
+                        <a:spcBef>
+                          <a:spcPts val="0"/>
+                        </a:spcBef>
+                        <a:spcAft>
+                          <a:spcPts val="0"/>
+                        </a:spcAft>
+                        <a:buClrTx/>
+                        <a:buSzTx/>
+                        <a:buFontTx/>
+                        <a:buNone/>
+                        <a:tabLst/>
+                        <a:defRPr/>
+                      </a:pPr>
+                      <a:r>
+                        <a:rPr lang="en-US" sz="1600" dirty="0" err="1" smtClean="0"/>
+                        <a:t>bool</a:t>
+                      </a:r>
+                      <a:r>
+                        <a:rPr lang="en-US" sz="1600" baseline="0" dirty="0" smtClean="0"/>
+                        <a:t> operator&lt;=(</a:t>
+                      </a:r>
+                      <a:r>
+                        <a:rPr lang="en-US" sz="1600" baseline="0" dirty="0" err="1" smtClean="0"/>
+                        <a:t>const</a:t>
+                      </a:r>
+                      <a:r>
+                        <a:rPr lang="en-US" sz="1600" baseline="0" dirty="0" smtClean="0"/>
+                        <a:t> </a:t>
+                      </a:r>
+                      <a:r>
+                        <a:rPr lang="en-US" sz="1600" baseline="0" dirty="0" err="1" smtClean="0"/>
+                        <a:t>Iter</a:t>
+                      </a:r>
+                      <a:r>
+                        <a:rPr lang="en-US" sz="1600" baseline="0" dirty="0" smtClean="0">
+                          <a:latin typeface="Times New Roman" panose="02020603050405020304" pitchFamily="18" charset="0"/>
+                          <a:cs typeface="Times New Roman" panose="02020603050405020304" pitchFamily="18" charset="0"/>
+                        </a:rPr>
+                        <a:t>&amp;</a:t>
+                      </a:r>
+                      <a:r>
+                        <a:rPr lang="en-US" sz="1600" baseline="0" dirty="0" smtClean="0"/>
+                        <a:t> other)</a:t>
+                      </a:r>
+                    </a:p>
+                    <a:p>
+                      <a:pPr marL="0" marR="0" indent="0" algn="l" defTabSz="457200" rtl="0" eaLnBrk="1" fontAlgn="auto" latinLnBrk="0" hangingPunct="1">
+                        <a:lnSpc>
+                          <a:spcPct val="100000"/>
+                        </a:lnSpc>
+                        <a:spcBef>
+                          <a:spcPts val="0"/>
+                        </a:spcBef>
+                        <a:spcAft>
+                          <a:spcPts val="0"/>
+                        </a:spcAft>
+                        <a:buClrTx/>
+                        <a:buSzTx/>
+                        <a:buFontTx/>
+                        <a:buNone/>
+                        <a:tabLst/>
+                        <a:defRPr/>
+                      </a:pPr>
+                      <a:r>
+                        <a:rPr lang="en-US" sz="1600" dirty="0" err="1" smtClean="0"/>
+                        <a:t>bool</a:t>
+                      </a:r>
+                      <a:r>
+                        <a:rPr lang="en-US" sz="1600" baseline="0" dirty="0" smtClean="0"/>
+                        <a:t> operator&gt;(</a:t>
+                      </a:r>
+                      <a:r>
+                        <a:rPr lang="en-US" sz="1600" baseline="0" dirty="0" err="1" smtClean="0"/>
+                        <a:t>const</a:t>
+                      </a:r>
+                      <a:r>
+                        <a:rPr lang="en-US" sz="1600" baseline="0" dirty="0" smtClean="0"/>
+                        <a:t> </a:t>
+                      </a:r>
+                      <a:r>
+                        <a:rPr lang="en-US" sz="1600" baseline="0" dirty="0" err="1" smtClean="0"/>
+                        <a:t>Iter</a:t>
+                      </a:r>
+                      <a:r>
+                        <a:rPr lang="en-US" sz="1600" baseline="0" dirty="0" smtClean="0">
+                          <a:latin typeface="Times New Roman" panose="02020603050405020304" pitchFamily="18" charset="0"/>
+                          <a:cs typeface="Times New Roman" panose="02020603050405020304" pitchFamily="18" charset="0"/>
+                        </a:rPr>
+                        <a:t>&amp;</a:t>
+                      </a:r>
+                      <a:r>
+                        <a:rPr lang="en-US" sz="1600" baseline="0" dirty="0" smtClean="0"/>
+                        <a:t> other)</a:t>
+                      </a:r>
+                    </a:p>
+                    <a:p>
+                      <a:pPr marL="0" marR="0" indent="0" algn="l" defTabSz="457200" rtl="0" eaLnBrk="1" fontAlgn="auto" latinLnBrk="0" hangingPunct="1">
+                        <a:lnSpc>
+                          <a:spcPct val="100000"/>
+                        </a:lnSpc>
+                        <a:spcBef>
+                          <a:spcPts val="0"/>
+                        </a:spcBef>
+                        <a:spcAft>
+                          <a:spcPts val="0"/>
+                        </a:spcAft>
+                        <a:buClrTx/>
+                        <a:buSzTx/>
+                        <a:buFontTx/>
+                        <a:buNone/>
+                        <a:tabLst/>
+                        <a:defRPr/>
+                      </a:pPr>
+                      <a:r>
+                        <a:rPr lang="en-US" sz="1600" dirty="0" err="1" smtClean="0"/>
+                        <a:t>bool</a:t>
+                      </a:r>
+                      <a:r>
+                        <a:rPr lang="en-US" sz="1600" baseline="0" dirty="0" smtClean="0"/>
+                        <a:t> operator=&gt;(</a:t>
+                      </a:r>
+                      <a:r>
+                        <a:rPr lang="en-US" sz="1600" baseline="0" dirty="0" err="1" smtClean="0"/>
+                        <a:t>const</a:t>
+                      </a:r>
+                      <a:r>
+                        <a:rPr lang="en-US" sz="1600" baseline="0" dirty="0" smtClean="0"/>
+                        <a:t> </a:t>
+                      </a:r>
+                      <a:r>
+                        <a:rPr lang="en-US" sz="1600" baseline="0" dirty="0" err="1" smtClean="0"/>
+                        <a:t>Iter</a:t>
+                      </a:r>
+                      <a:r>
+                        <a:rPr lang="en-US" sz="1600" baseline="0" dirty="0" smtClean="0">
+                          <a:latin typeface="Times New Roman" panose="02020603050405020304" pitchFamily="18" charset="0"/>
+                          <a:cs typeface="Times New Roman" panose="02020603050405020304" pitchFamily="18" charset="0"/>
+                        </a:rPr>
+                        <a:t>&amp;</a:t>
+                      </a:r>
+                      <a:r>
+                        <a:rPr lang="en-US" sz="1600" baseline="0" dirty="0" smtClean="0"/>
+                        <a:t> other)</a:t>
+                      </a:r>
+                      <a:endParaRPr lang="en-US" sz="1600" dirty="0"/>
+                    </a:p>
+                  </a:txBody>
+                  <a:tcPr anchor="ctr"/>
+                </a:tc>
+              </a:tr>
+            </a:tbl>
+          </a:graphicData>
+        </a:graphic>
+      </p:graphicFrame>
+      <p:sp>
+        <p:nvSpPr>
+          <p:cNvPr id="2" name="TextBox 1"/>
+          <p:cNvSpPr txBox="1"/>
+          <p:nvPr/>
+        </p:nvSpPr>
+        <p:spPr>
+          <a:xfrm>
+            <a:off x="443058" y="6435634"/>
+            <a:ext cx="8557151" cy="369332"/>
+          </a:xfrm>
+          <a:prstGeom prst="rect">
+            <a:avLst/>
+          </a:prstGeom>
+          <a:noFill/>
+        </p:spPr>
+        <p:txBody>
+          <a:bodyPr wrap="none" rtlCol="0">
+            <a:spAutoFit/>
+          </a:bodyPr>
+          <a:lstStyle/>
+          <a:p>
+            <a:r>
+              <a:rPr lang="ru-RU" dirty="0" smtClean="0"/>
+              <a:t>Абстракции для операций с разными типами итераторов: </a:t>
+            </a:r>
+            <a:r>
+              <a:rPr lang="en-US" dirty="0" smtClean="0"/>
+              <a:t>examples\4_advance</a:t>
+            </a:r>
+            <a:endParaRPr lang="en-US" dirty="0"/>
+          </a:p>
+        </p:txBody>
+      </p:sp>
+    </p:spTree>
+    <p:extLst>
+      <p:ext uri="{BB962C8B-B14F-4D97-AF65-F5344CB8AC3E}">
+        <p14:creationId xmlns:p14="http://schemas.microsoft.com/office/powerpoint/2010/main" val="525887296"/>
+      </p:ext>
+    </p:extLst>
+  </p:cSld>
+  <p:clrMapOvr>
+    <a:masterClrMapping/>
+  </p:clrMapOvr>
+</p:sld>
+</file>
+
+<file path=ppt/slides/slide9.xml><?xml version="1.0" encoding="utf-8"?>
+<p:sld xmlns:a="http://schemas.openxmlformats.org/drawingml/2006/main" xmlns:r="http://schemas.openxmlformats.org/officeDocument/2006/relationships" xmlns:p="http://schemas.openxmlformats.org/presentationml/2006/main">
+  <p:cSld>
+    <p:spTree>
+      <p:nvGrpSpPr>
+        <p:cNvPr id="1" name=""/>
+        <p:cNvGrpSpPr/>
+        <p:nvPr/>
+      </p:nvGrpSpPr>
+      <p:grpSpPr>
+        <a:xfrm>
+          <a:off x="0" y="0"/>
+          <a:ext cx="0" cy="0"/>
+          <a:chOff x="0" y="0"/>
+          <a:chExt cx="0" cy="0"/>
+        </a:xfrm>
+      </p:grpSpPr>
+      <p:sp>
+        <p:nvSpPr>
+          <p:cNvPr id="4" name="Title 1">
+            <a:extLst>
+              <a:ext uri="{FF2B5EF4-FFF2-40B4-BE49-F238E27FC236}">
+                <a16:creationId xmlns:a16="http://schemas.microsoft.com/office/drawing/2014/main" xmlns="" id="{C60BD838-89F7-4CB1-8B5E-1D5AD5FDEA16}"/>
               </a:ext>
             </a:extLst>
           </p:cNvPr>
@@ -10815,4011 +15201,6 @@
 </p:sld>
 </file>
 
-<file path=ppt/slides/slide4.xml><?xml version="1.0" encoding="utf-8"?>
-<p:sld xmlns:a="http://schemas.openxmlformats.org/drawingml/2006/main" xmlns:r="http://schemas.openxmlformats.org/officeDocument/2006/relationships" xmlns:p="http://schemas.openxmlformats.org/presentationml/2006/main">
-  <p:cSld>
-    <p:spTree>
-      <p:nvGrpSpPr>
-        <p:cNvPr id="1" name=""/>
-        <p:cNvGrpSpPr/>
-        <p:nvPr/>
-      </p:nvGrpSpPr>
-      <p:grpSpPr>
-        <a:xfrm>
-          <a:off x="0" y="0"/>
-          <a:ext cx="0" cy="0"/>
-          <a:chOff x="0" y="0"/>
-          <a:chExt cx="0" cy="0"/>
-        </a:xfrm>
-      </p:grpSpPr>
-      <p:sp>
-        <p:nvSpPr>
-          <p:cNvPr id="3" name="Объект 2"/>
-          <p:cNvSpPr>
-            <a:spLocks noGrp="1"/>
-          </p:cNvSpPr>
-          <p:nvPr>
-            <p:ph idx="1"/>
-          </p:nvPr>
-        </p:nvSpPr>
-        <p:spPr>
-          <a:xfrm>
-            <a:off x="5986021" y="782282"/>
-            <a:ext cx="5948311" cy="5901322"/>
-          </a:xfrm>
-          <a:solidFill>
-            <a:schemeClr val="bg1"/>
-          </a:solidFill>
-        </p:spPr>
-        <p:txBody>
-          <a:bodyPr/>
-          <a:lstStyle/>
-          <a:p>
-            <a:r>
-              <a:rPr lang="ru-RU" dirty="0" smtClean="0"/>
-              <a:t>Итераторы – шаблонные классы, реализующие способы обхода контейнеров и доступа к их элементам в виде перегруженных операторов</a:t>
-            </a:r>
-          </a:p>
-          <a:p>
-            <a:r>
-              <a:rPr lang="ru-RU" dirty="0" smtClean="0"/>
-              <a:t>Алгоритмы </a:t>
-            </a:r>
-            <a:r>
-              <a:rPr lang="en-US" dirty="0" smtClean="0"/>
-              <a:t>STL </a:t>
-            </a:r>
-            <a:r>
-              <a:rPr lang="ru-RU" dirty="0" smtClean="0"/>
-              <a:t>принимают итераторы на контейнеры, а не сами контейнеры. Потому все контейнеры предоставляют методы для доступа к итераторам: </a:t>
-            </a:r>
-            <a:r>
-              <a:rPr lang="en-US" dirty="0" smtClean="0"/>
-              <a:t>begin(), end(), </a:t>
-            </a:r>
-            <a:r>
-              <a:rPr lang="en-US" dirty="0" err="1" smtClean="0"/>
-              <a:t>cbegin</a:t>
-            </a:r>
-            <a:r>
-              <a:rPr lang="en-US" dirty="0" smtClean="0"/>
-              <a:t>() </a:t>
-            </a:r>
-            <a:r>
-              <a:rPr lang="ru-RU" dirty="0" smtClean="0"/>
-              <a:t>и </a:t>
-            </a:r>
-            <a:r>
-              <a:rPr lang="ru-RU" dirty="0" err="1" smtClean="0"/>
-              <a:t>тд</a:t>
-            </a:r>
-            <a:endParaRPr lang="ru-RU" dirty="0" smtClean="0"/>
-          </a:p>
-          <a:p>
-            <a:r>
-              <a:rPr lang="ru-RU" dirty="0"/>
-              <a:t>Способы обхода контейнеров и доступа к их элементам, а также алгоритмическая сложность этих операций, зависят от структуры данных, которую реализует контейнер</a:t>
-            </a:r>
-          </a:p>
-          <a:p>
-            <a:r>
-              <a:rPr lang="ru-RU" dirty="0"/>
-              <a:t>Различные алгоритмы также выполняют различные операции. </a:t>
-            </a:r>
-            <a:r>
-              <a:rPr lang="ru-RU" dirty="0" smtClean="0"/>
-              <a:t>Каким-то из них достаточно доступа к значению по итератору (разыменовывания), другие требуют более широкого набора операций</a:t>
-            </a:r>
-          </a:p>
-          <a:p>
-            <a:r>
-              <a:rPr lang="ru-RU" dirty="0" smtClean="0"/>
-              <a:t>В связи с этим, итераторы разбиты на 5 основных категорий  в зависимости от того, какие операции они </a:t>
-            </a:r>
-            <a:r>
-              <a:rPr lang="ru-RU" dirty="0"/>
-              <a:t>п</a:t>
-            </a:r>
-            <a:r>
-              <a:rPr lang="ru-RU" dirty="0" smtClean="0"/>
-              <a:t>озволяют выполнять</a:t>
-            </a:r>
-            <a:endParaRPr lang="en-US" dirty="0"/>
-          </a:p>
-          <a:p>
-            <a:endParaRPr lang="en-US" dirty="0"/>
-          </a:p>
-        </p:txBody>
-      </p:sp>
-      <p:sp>
-        <p:nvSpPr>
-          <p:cNvPr id="4" name="Title 1">
-            <a:extLst>
-              <a:ext uri="{FF2B5EF4-FFF2-40B4-BE49-F238E27FC236}">
-                <a16:creationId xmlns="" xmlns:a16="http://schemas.microsoft.com/office/drawing/2014/main" id="{C60BD838-89F7-4CB1-8B5E-1D5AD5FDEA16}"/>
-              </a:ext>
-            </a:extLst>
-          </p:cNvPr>
-          <p:cNvSpPr txBox="1">
-            <a:spLocks/>
-          </p:cNvSpPr>
-          <p:nvPr/>
-        </p:nvSpPr>
-        <p:spPr>
-          <a:xfrm>
-            <a:off x="329938" y="128922"/>
-            <a:ext cx="11604395" cy="476150"/>
-          </a:xfrm>
-          <a:prstGeom prst="rect">
-            <a:avLst/>
-          </a:prstGeom>
-          <a:solidFill>
-            <a:schemeClr val="bg1"/>
-          </a:solidFill>
-          <a:ln>
-            <a:solidFill>
-              <a:schemeClr val="tx1"/>
-            </a:solidFill>
-          </a:ln>
-        </p:spPr>
-        <p:txBody>
-          <a:bodyPr vert="horz" lIns="91440" tIns="45720" rIns="91440" bIns="45720" rtlCol="0" anchor="t">
-            <a:noAutofit/>
-          </a:bodyPr>
-          <a:lstStyle>
-            <a:lvl1pPr algn="l" defTabSz="457200" rtl="0" eaLnBrk="1" latinLnBrk="0" hangingPunct="1">
-              <a:spcBef>
-                <a:spcPct val="0"/>
-              </a:spcBef>
-              <a:buNone/>
-              <a:defRPr sz="3600" kern="1200">
-                <a:solidFill>
-                  <a:schemeClr val="accent1"/>
-                </a:solidFill>
-                <a:latin typeface="+mj-lt"/>
-                <a:ea typeface="+mj-ea"/>
-                <a:cs typeface="+mj-cs"/>
-              </a:defRPr>
-            </a:lvl1pPr>
-            <a:lvl2pPr eaLnBrk="1" hangingPunct="1">
-              <a:defRPr>
-                <a:solidFill>
-                  <a:schemeClr val="tx2"/>
-                </a:solidFill>
-              </a:defRPr>
-            </a:lvl2pPr>
-            <a:lvl3pPr eaLnBrk="1" hangingPunct="1">
-              <a:defRPr>
-                <a:solidFill>
-                  <a:schemeClr val="tx2"/>
-                </a:solidFill>
-              </a:defRPr>
-            </a:lvl3pPr>
-            <a:lvl4pPr eaLnBrk="1" hangingPunct="1">
-              <a:defRPr>
-                <a:solidFill>
-                  <a:schemeClr val="tx2"/>
-                </a:solidFill>
-              </a:defRPr>
-            </a:lvl4pPr>
-            <a:lvl5pPr eaLnBrk="1" hangingPunct="1">
-              <a:defRPr>
-                <a:solidFill>
-                  <a:schemeClr val="tx2"/>
-                </a:solidFill>
-              </a:defRPr>
-            </a:lvl5pPr>
-            <a:lvl6pPr eaLnBrk="1" hangingPunct="1">
-              <a:defRPr>
-                <a:solidFill>
-                  <a:schemeClr val="tx2"/>
-                </a:solidFill>
-              </a:defRPr>
-            </a:lvl6pPr>
-            <a:lvl7pPr eaLnBrk="1" hangingPunct="1">
-              <a:defRPr>
-                <a:solidFill>
-                  <a:schemeClr val="tx2"/>
-                </a:solidFill>
-              </a:defRPr>
-            </a:lvl7pPr>
-            <a:lvl8pPr eaLnBrk="1" hangingPunct="1">
-              <a:defRPr>
-                <a:solidFill>
-                  <a:schemeClr val="tx2"/>
-                </a:solidFill>
-              </a:defRPr>
-            </a:lvl8pPr>
-            <a:lvl9pPr eaLnBrk="1" hangingPunct="1">
-              <a:defRPr>
-                <a:solidFill>
-                  <a:schemeClr val="tx2"/>
-                </a:solidFill>
-              </a:defRPr>
-            </a:lvl9pPr>
-          </a:lstStyle>
-          <a:p>
-            <a:pPr algn="ctr"/>
-            <a:r>
-              <a:rPr lang="ru-RU" sz="2800" dirty="0" smtClean="0"/>
-              <a:t>Типы итераторов</a:t>
-            </a:r>
-            <a:endParaRPr lang="en-US" sz="2800" dirty="0"/>
-          </a:p>
-        </p:txBody>
-      </p:sp>
-      <p:pic>
-        <p:nvPicPr>
-          <p:cNvPr id="5" name="Рисунок 4"/>
-          <p:cNvPicPr>
-            <a:picLocks noChangeAspect="1"/>
-          </p:cNvPicPr>
-          <p:nvPr/>
-        </p:nvPicPr>
-        <p:blipFill>
-          <a:blip r:embed="rId2"/>
-          <a:stretch>
-            <a:fillRect/>
-          </a:stretch>
-        </p:blipFill>
-        <p:spPr>
-          <a:xfrm>
-            <a:off x="601874" y="3553308"/>
-            <a:ext cx="5242745" cy="2764617"/>
-          </a:xfrm>
-          <a:prstGeom prst="rect">
-            <a:avLst/>
-          </a:prstGeom>
-        </p:spPr>
-      </p:pic>
-      <p:pic>
-        <p:nvPicPr>
-          <p:cNvPr id="7" name="Picture 3">
-            <a:extLst>
-              <a:ext uri="{FF2B5EF4-FFF2-40B4-BE49-F238E27FC236}">
-                <a16:creationId xmlns="" xmlns:a16="http://schemas.microsoft.com/office/drawing/2014/main" id="{427BFC14-A2B9-4CB6-BE1C-0C70EF19CA05}"/>
-              </a:ext>
-            </a:extLst>
-          </p:cNvPr>
-          <p:cNvPicPr>
-            <a:picLocks noChangeAspect="1"/>
-          </p:cNvPicPr>
-          <p:nvPr/>
-        </p:nvPicPr>
-        <p:blipFill rotWithShape="1">
-          <a:blip r:embed="rId3"/>
-          <a:srcRect t="1031" r="1008" b="2712"/>
-          <a:stretch/>
-        </p:blipFill>
-        <p:spPr>
-          <a:xfrm>
-            <a:off x="329938" y="782281"/>
-            <a:ext cx="5464236" cy="2215444"/>
-          </a:xfrm>
-          <a:prstGeom prst="rect">
-            <a:avLst/>
-          </a:prstGeom>
-        </p:spPr>
-      </p:pic>
-    </p:spTree>
-    <p:extLst>
-      <p:ext uri="{BB962C8B-B14F-4D97-AF65-F5344CB8AC3E}">
-        <p14:creationId xmlns:p14="http://schemas.microsoft.com/office/powerpoint/2010/main" val="2503045110"/>
-      </p:ext>
-    </p:extLst>
-  </p:cSld>
-  <p:clrMapOvr>
-    <a:masterClrMapping/>
-  </p:clrMapOvr>
-</p:sld>
-</file>
-
-<file path=ppt/slides/slide5.xml><?xml version="1.0" encoding="utf-8"?>
-<p:sld xmlns:a="http://schemas.openxmlformats.org/drawingml/2006/main" xmlns:r="http://schemas.openxmlformats.org/officeDocument/2006/relationships" xmlns:p="http://schemas.openxmlformats.org/presentationml/2006/main">
-  <p:cSld>
-    <p:spTree>
-      <p:nvGrpSpPr>
-        <p:cNvPr id="1" name=""/>
-        <p:cNvGrpSpPr/>
-        <p:nvPr/>
-      </p:nvGrpSpPr>
-      <p:grpSpPr>
-        <a:xfrm>
-          <a:off x="0" y="0"/>
-          <a:ext cx="0" cy="0"/>
-          <a:chOff x="0" y="0"/>
-          <a:chExt cx="0" cy="0"/>
-        </a:xfrm>
-      </p:grpSpPr>
-      <p:sp>
-        <p:nvSpPr>
-          <p:cNvPr id="4" name="Title 1">
-            <a:extLst>
-              <a:ext uri="{FF2B5EF4-FFF2-40B4-BE49-F238E27FC236}">
-                <a16:creationId xmlns="" xmlns:a16="http://schemas.microsoft.com/office/drawing/2014/main" id="{C60BD838-89F7-4CB1-8B5E-1D5AD5FDEA16}"/>
-              </a:ext>
-            </a:extLst>
-          </p:cNvPr>
-          <p:cNvSpPr txBox="1">
-            <a:spLocks/>
-          </p:cNvSpPr>
-          <p:nvPr/>
-        </p:nvSpPr>
-        <p:spPr>
-          <a:xfrm>
-            <a:off x="443058" y="128922"/>
-            <a:ext cx="11491275" cy="476150"/>
-          </a:xfrm>
-          <a:prstGeom prst="rect">
-            <a:avLst/>
-          </a:prstGeom>
-          <a:solidFill>
-            <a:schemeClr val="bg1"/>
-          </a:solidFill>
-          <a:ln>
-            <a:solidFill>
-              <a:schemeClr val="tx1"/>
-            </a:solidFill>
-          </a:ln>
-        </p:spPr>
-        <p:txBody>
-          <a:bodyPr vert="horz" lIns="91440" tIns="45720" rIns="91440" bIns="45720" rtlCol="0" anchor="t">
-            <a:noAutofit/>
-          </a:bodyPr>
-          <a:lstStyle>
-            <a:lvl1pPr algn="l" defTabSz="457200" rtl="0" eaLnBrk="1" latinLnBrk="0" hangingPunct="1">
-              <a:spcBef>
-                <a:spcPct val="0"/>
-              </a:spcBef>
-              <a:buNone/>
-              <a:defRPr sz="3600" kern="1200">
-                <a:solidFill>
-                  <a:schemeClr val="accent1"/>
-                </a:solidFill>
-                <a:latin typeface="+mj-lt"/>
-                <a:ea typeface="+mj-ea"/>
-                <a:cs typeface="+mj-cs"/>
-              </a:defRPr>
-            </a:lvl1pPr>
-            <a:lvl2pPr eaLnBrk="1" hangingPunct="1">
-              <a:defRPr>
-                <a:solidFill>
-                  <a:schemeClr val="tx2"/>
-                </a:solidFill>
-              </a:defRPr>
-            </a:lvl2pPr>
-            <a:lvl3pPr eaLnBrk="1" hangingPunct="1">
-              <a:defRPr>
-                <a:solidFill>
-                  <a:schemeClr val="tx2"/>
-                </a:solidFill>
-              </a:defRPr>
-            </a:lvl3pPr>
-            <a:lvl4pPr eaLnBrk="1" hangingPunct="1">
-              <a:defRPr>
-                <a:solidFill>
-                  <a:schemeClr val="tx2"/>
-                </a:solidFill>
-              </a:defRPr>
-            </a:lvl4pPr>
-            <a:lvl5pPr eaLnBrk="1" hangingPunct="1">
-              <a:defRPr>
-                <a:solidFill>
-                  <a:schemeClr val="tx2"/>
-                </a:solidFill>
-              </a:defRPr>
-            </a:lvl5pPr>
-            <a:lvl6pPr eaLnBrk="1" hangingPunct="1">
-              <a:defRPr>
-                <a:solidFill>
-                  <a:schemeClr val="tx2"/>
-                </a:solidFill>
-              </a:defRPr>
-            </a:lvl6pPr>
-            <a:lvl7pPr eaLnBrk="1" hangingPunct="1">
-              <a:defRPr>
-                <a:solidFill>
-                  <a:schemeClr val="tx2"/>
-                </a:solidFill>
-              </a:defRPr>
-            </a:lvl7pPr>
-            <a:lvl8pPr eaLnBrk="1" hangingPunct="1">
-              <a:defRPr>
-                <a:solidFill>
-                  <a:schemeClr val="tx2"/>
-                </a:solidFill>
-              </a:defRPr>
-            </a:lvl8pPr>
-            <a:lvl9pPr eaLnBrk="1" hangingPunct="1">
-              <a:defRPr>
-                <a:solidFill>
-                  <a:schemeClr val="tx2"/>
-                </a:solidFill>
-              </a:defRPr>
-            </a:lvl9pPr>
-          </a:lstStyle>
-          <a:p>
-            <a:pPr algn="ctr"/>
-            <a:r>
-              <a:rPr lang="en-US" sz="2800" dirty="0" err="1" smtClean="0"/>
-              <a:t>InputIterator</a:t>
-            </a:r>
-            <a:r>
-              <a:rPr lang="en-US" sz="2800" dirty="0" smtClean="0"/>
-              <a:t> </a:t>
-            </a:r>
-            <a:r>
-              <a:rPr lang="ru-RU" sz="2800" dirty="0"/>
-              <a:t>и </a:t>
-            </a:r>
-            <a:r>
-              <a:rPr lang="en-US" sz="2800" dirty="0" err="1"/>
-              <a:t>OutputIterator</a:t>
-            </a:r>
-            <a:endParaRPr lang="en-US" sz="2800" dirty="0"/>
-          </a:p>
-        </p:txBody>
-      </p:sp>
-      <p:graphicFrame>
-        <p:nvGraphicFramePr>
-          <p:cNvPr id="12" name="Table 11">
-            <a:extLst>
-              <a:ext uri="{FF2B5EF4-FFF2-40B4-BE49-F238E27FC236}">
-                <a16:creationId xmlns="" xmlns:a16="http://schemas.microsoft.com/office/drawing/2014/main" id="{CCE7D441-96BC-4D6A-BE32-CEC98DB5865D}"/>
-              </a:ext>
-            </a:extLst>
-          </p:cNvPr>
-          <p:cNvGraphicFramePr>
-            <a:graphicFrameLocks noGrp="1"/>
-          </p:cNvGraphicFramePr>
-          <p:nvPr>
-            <p:extLst>
-              <p:ext uri="{D42A27DB-BD31-4B8C-83A1-F6EECF244321}">
-                <p14:modId xmlns:p14="http://schemas.microsoft.com/office/powerpoint/2010/main" val="2017866981"/>
-              </p:ext>
-            </p:extLst>
-          </p:nvPr>
-        </p:nvGraphicFramePr>
-        <p:xfrm>
-          <a:off x="443058" y="705702"/>
-          <a:ext cx="11472419" cy="5918200"/>
-        </p:xfrm>
-        <a:graphic>
-          <a:graphicData uri="http://schemas.openxmlformats.org/drawingml/2006/table">
-            <a:tbl>
-              <a:tblPr firstRow="1" bandRow="1">
-                <a:tableStyleId>{5C22544A-7EE6-4342-B048-85BDC9FD1C3A}</a:tableStyleId>
-              </a:tblPr>
-              <a:tblGrid>
-                <a:gridCol w="3440783">
-                  <a:extLst>
-                    <a:ext uri="{9D8B030D-6E8A-4147-A177-3AD203B41FA5}">
-                      <a16:colId xmlns="" xmlns:a16="http://schemas.microsoft.com/office/drawing/2014/main" val="673896950"/>
-                    </a:ext>
-                  </a:extLst>
-                </a:gridCol>
-                <a:gridCol w="2554664">
-                  <a:extLst>
-                    <a:ext uri="{9D8B030D-6E8A-4147-A177-3AD203B41FA5}">
-                      <a16:colId xmlns="" xmlns:a16="http://schemas.microsoft.com/office/drawing/2014/main" val="3404116454"/>
-                    </a:ext>
-                  </a:extLst>
-                </a:gridCol>
-                <a:gridCol w="2790334">
-                  <a:extLst>
-                    <a:ext uri="{9D8B030D-6E8A-4147-A177-3AD203B41FA5}">
-                      <a16:colId xmlns="" xmlns:a16="http://schemas.microsoft.com/office/drawing/2014/main" val="2546970233"/>
-                    </a:ext>
-                  </a:extLst>
-                </a:gridCol>
-                <a:gridCol w="2686638">
-                  <a:extLst>
-                    <a:ext uri="{9D8B030D-6E8A-4147-A177-3AD203B41FA5}">
-                      <a16:colId xmlns="" xmlns:a16="http://schemas.microsoft.com/office/drawing/2014/main" val="1905818927"/>
-                    </a:ext>
-                  </a:extLst>
-                </a:gridCol>
-              </a:tblGrid>
-              <a:tr h="370840">
-                <a:tc>
-                  <a:txBody>
-                    <a:bodyPr/>
-                    <a:lstStyle/>
-                    <a:p>
-                      <a:r>
-                        <a:rPr lang="ru-RU" dirty="0" smtClean="0"/>
-                        <a:t>Операция</a:t>
-                      </a:r>
-                      <a:endParaRPr lang="en-US" dirty="0"/>
-                    </a:p>
-                  </a:txBody>
-                  <a:tcPr/>
-                </a:tc>
-                <a:tc>
-                  <a:txBody>
-                    <a:bodyPr/>
-                    <a:lstStyle/>
-                    <a:p>
-                      <a:r>
-                        <a:rPr lang="ru-RU" dirty="0"/>
-                        <a:t>Оператор</a:t>
-                      </a:r>
-                      <a:endParaRPr lang="en-US" dirty="0"/>
-                    </a:p>
-                  </a:txBody>
-                  <a:tcPr/>
-                </a:tc>
-                <a:tc>
-                  <a:txBody>
-                    <a:bodyPr/>
-                    <a:lstStyle/>
-                    <a:p>
-                      <a:r>
-                        <a:rPr lang="en-US" dirty="0" err="1"/>
-                        <a:t>InputIterator</a:t>
-                      </a:r>
-                      <a:endParaRPr lang="en-US" dirty="0"/>
-                    </a:p>
-                  </a:txBody>
-                  <a:tcPr/>
-                </a:tc>
-                <a:tc>
-                  <a:txBody>
-                    <a:bodyPr/>
-                    <a:lstStyle/>
-                    <a:p>
-                      <a:r>
-                        <a:rPr lang="en-US" dirty="0" err="1"/>
-                        <a:t>OutputIterator</a:t>
-                      </a:r>
-                      <a:endParaRPr lang="en-US" dirty="0"/>
-                    </a:p>
-                  </a:txBody>
-                  <a:tcPr/>
-                </a:tc>
-                <a:extLst>
-                  <a:ext uri="{0D108BD9-81ED-4DB2-BD59-A6C34878D82A}">
-                    <a16:rowId xmlns="" xmlns:a16="http://schemas.microsoft.com/office/drawing/2014/main" val="3707840138"/>
-                  </a:ext>
-                </a:extLst>
-              </a:tr>
-              <a:tr h="1259196">
-                <a:tc>
-                  <a:txBody>
-                    <a:bodyPr/>
-                    <a:lstStyle/>
-                    <a:p>
-                      <a:r>
-                        <a:rPr lang="ru-RU" dirty="0"/>
-                        <a:t>Савнение на равенство</a:t>
-                      </a:r>
-                    </a:p>
-                    <a:p>
-                      <a:r>
-                        <a:rPr lang="en-US" dirty="0"/>
-                        <a:t>A == B </a:t>
-                      </a:r>
-                      <a:endParaRPr lang="ru-RU" dirty="0"/>
-                    </a:p>
-                    <a:p>
-                      <a:r>
-                        <a:rPr lang="en-US" dirty="0"/>
-                        <a:t>A != </a:t>
-                      </a:r>
-                      <a:r>
-                        <a:rPr lang="en-US" dirty="0" smtClean="0"/>
-                        <a:t>B</a:t>
-                      </a:r>
-                      <a:endParaRPr lang="ru-RU" dirty="0" smtClean="0"/>
-                    </a:p>
-                    <a:p>
-                      <a:r>
-                        <a:rPr lang="ru-RU" sz="1800" dirty="0" smtClean="0"/>
-                        <a:t>Другие</a:t>
-                      </a:r>
-                      <a:r>
-                        <a:rPr lang="ru-RU" sz="1800" baseline="0" dirty="0" smtClean="0"/>
-                        <a:t> операции сравнения не определены</a:t>
-                      </a:r>
-                      <a:endParaRPr lang="en-US" dirty="0"/>
-                    </a:p>
-                  </a:txBody>
-                  <a:tcPr/>
-                </a:tc>
-                <a:tc>
-                  <a:txBody>
-                    <a:bodyPr/>
-                    <a:lstStyle/>
-                    <a:p>
-                      <a:r>
-                        <a:rPr lang="en-US" dirty="0"/>
-                        <a:t>bool operator==(B)</a:t>
-                      </a:r>
-                    </a:p>
-                    <a:p>
-                      <a:r>
-                        <a:rPr lang="en-US" dirty="0"/>
-                        <a:t>bool operator!=(B)</a:t>
-                      </a:r>
-                    </a:p>
-                  </a:txBody>
-                  <a:tcPr/>
-                </a:tc>
-                <a:tc>
-                  <a:txBody>
-                    <a:bodyPr/>
-                    <a:lstStyle/>
-                    <a:p>
-                      <a:pPr algn="ctr"/>
-                      <a:endParaRPr lang="ru-RU" sz="3200" dirty="0">
-                        <a:solidFill>
-                          <a:schemeClr val="accent2">
-                            <a:lumMod val="50000"/>
-                          </a:schemeClr>
-                        </a:solidFill>
-                        <a:latin typeface="Wingdings 2" panose="05020102010507070707" pitchFamily="18" charset="2"/>
-                        <a:sym typeface="Wingdings 2" panose="05020102010507070707" pitchFamily="18" charset="2"/>
-                      </a:endParaRPr>
-                    </a:p>
-                    <a:p>
-                      <a:pPr algn="ctr"/>
-                      <a:r>
-                        <a:rPr lang="ru-RU" sz="1800" dirty="0">
-                          <a:solidFill>
-                            <a:schemeClr val="tx1"/>
-                          </a:solidFill>
-                          <a:latin typeface="+mn-lt"/>
-                        </a:rPr>
-                        <a:t>Может стоять по обе стороны знака</a:t>
-                      </a:r>
-                      <a:endParaRPr lang="en-US" sz="1800" dirty="0">
-                        <a:solidFill>
-                          <a:schemeClr val="tx1"/>
-                        </a:solidFill>
-                        <a:latin typeface="+mn-lt"/>
-                      </a:endParaRPr>
-                    </a:p>
-                  </a:txBody>
-                  <a:tcPr/>
-                </a:tc>
-                <a:tc>
-                  <a:txBody>
-                    <a:bodyPr/>
-                    <a:lstStyle/>
-                    <a:p>
-                      <a:pPr marL="0" marR="0" lvl="0" indent="0" algn="ctr" defTabSz="457200" rtl="0" eaLnBrk="1" fontAlgn="auto" latinLnBrk="0" hangingPunct="1">
-                        <a:lnSpc>
-                          <a:spcPct val="100000"/>
-                        </a:lnSpc>
-                        <a:spcBef>
-                          <a:spcPts val="0"/>
-                        </a:spcBef>
-                        <a:spcAft>
-                          <a:spcPts val="0"/>
-                        </a:spcAft>
-                        <a:buClrTx/>
-                        <a:buSzTx/>
-                        <a:buFontTx/>
-                        <a:buNone/>
-                        <a:tabLst/>
-                        <a:defRPr/>
-                      </a:pPr>
-                      <a:endParaRPr lang="ru-RU" sz="3200" dirty="0">
-                        <a:solidFill>
-                          <a:schemeClr val="accent5">
-                            <a:lumMod val="75000"/>
-                          </a:schemeClr>
-                        </a:solidFill>
-                        <a:sym typeface="Wingdings 2" panose="05020102010507070707" pitchFamily="18" charset="2"/>
-                      </a:endParaRPr>
-                    </a:p>
-                    <a:p>
-                      <a:pPr marL="0" marR="0" lvl="0" indent="0" algn="ctr" defTabSz="457200" rtl="0" eaLnBrk="1" fontAlgn="auto" latinLnBrk="0" hangingPunct="1">
-                        <a:lnSpc>
-                          <a:spcPct val="100000"/>
-                        </a:lnSpc>
-                        <a:spcBef>
-                          <a:spcPts val="0"/>
-                        </a:spcBef>
-                        <a:spcAft>
-                          <a:spcPts val="0"/>
-                        </a:spcAft>
-                        <a:buClrTx/>
-                        <a:buSzTx/>
-                        <a:buFontTx/>
-                        <a:buNone/>
-                        <a:tabLst/>
-                        <a:defRPr/>
-                      </a:pPr>
-                      <a:r>
-                        <a:rPr lang="ru-RU" sz="1800" dirty="0">
-                          <a:latin typeface="+mn-lt"/>
-                        </a:rPr>
-                        <a:t>Может стоять только справа от знака</a:t>
-                      </a:r>
-                      <a:endParaRPr lang="en-US" sz="1800" dirty="0">
-                        <a:latin typeface="+mn-lt"/>
-                      </a:endParaRPr>
-                    </a:p>
-                  </a:txBody>
-                  <a:tcPr/>
-                </a:tc>
-                <a:extLst>
-                  <a:ext uri="{0D108BD9-81ED-4DB2-BD59-A6C34878D82A}">
-                    <a16:rowId xmlns="" xmlns:a16="http://schemas.microsoft.com/office/drawing/2014/main" val="541336909"/>
-                  </a:ext>
-                </a:extLst>
-              </a:tr>
-              <a:tr h="370840">
-                <a:tc>
-                  <a:txBody>
-                    <a:bodyPr/>
-                    <a:lstStyle/>
-                    <a:p>
-                      <a:r>
-                        <a:rPr lang="ru-RU" dirty="0"/>
-                        <a:t>Инкремент</a:t>
-                      </a:r>
-                    </a:p>
-                    <a:p>
-                      <a:r>
-                        <a:rPr lang="ru-RU" dirty="0"/>
-                        <a:t>++</a:t>
-                      </a:r>
-                      <a:r>
-                        <a:rPr lang="en-US" dirty="0"/>
-                        <a:t>A</a:t>
-                      </a:r>
-                    </a:p>
-                    <a:p>
-                      <a:r>
-                        <a:rPr lang="en-US" dirty="0"/>
-                        <a:t>A</a:t>
-                      </a:r>
-                      <a:r>
-                        <a:rPr lang="en-US" dirty="0" smtClean="0"/>
-                        <a:t>++</a:t>
-                      </a:r>
-                      <a:endParaRPr lang="ru-RU" dirty="0" smtClean="0"/>
-                    </a:p>
-                    <a:p>
-                      <a:r>
-                        <a:rPr lang="ru-RU" dirty="0" smtClean="0"/>
-                        <a:t>Другие арифметические</a:t>
-                      </a:r>
-                      <a:r>
-                        <a:rPr lang="ru-RU" baseline="0" dirty="0" smtClean="0"/>
-                        <a:t> операции не определены</a:t>
-                      </a:r>
-                      <a:endParaRPr lang="en-US" dirty="0"/>
-                    </a:p>
-                  </a:txBody>
-                  <a:tcPr/>
-                </a:tc>
-                <a:tc>
-                  <a:txBody>
-                    <a:bodyPr/>
-                    <a:lstStyle/>
-                    <a:p>
-                      <a:r>
-                        <a:rPr lang="en-US" dirty="0"/>
-                        <a:t>A</a:t>
-                      </a:r>
-                      <a:r>
-                        <a:rPr lang="en-US" dirty="0">
-                          <a:latin typeface="Times New Roman" panose="02020603050405020304" pitchFamily="18" charset="0"/>
-                          <a:cs typeface="Times New Roman" panose="02020603050405020304" pitchFamily="18" charset="0"/>
-                        </a:rPr>
-                        <a:t>&amp;</a:t>
-                      </a:r>
-                      <a:r>
-                        <a:rPr lang="en-US" dirty="0"/>
-                        <a:t> operator++()</a:t>
-                      </a:r>
-                    </a:p>
-                    <a:p>
-                      <a:r>
-                        <a:rPr lang="en-US" dirty="0"/>
-                        <a:t>A operator++(int n)</a:t>
-                      </a:r>
-                    </a:p>
-                  </a:txBody>
-                  <a:tcPr/>
-                </a:tc>
-                <a:tc>
-                  <a:txBody>
-                    <a:bodyPr/>
-                    <a:lstStyle/>
-                    <a:p>
-                      <a:pPr algn="ctr"/>
-                      <a:endParaRPr lang="en-US" sz="3200" dirty="0">
-                        <a:solidFill>
-                          <a:schemeClr val="accent2">
-                            <a:lumMod val="50000"/>
-                          </a:schemeClr>
-                        </a:solidFill>
-                      </a:endParaRPr>
-                    </a:p>
-                  </a:txBody>
-                  <a:tcPr/>
-                </a:tc>
-                <a:tc>
-                  <a:txBody>
-                    <a:bodyPr/>
-                    <a:lstStyle/>
-                    <a:p>
-                      <a:pPr algn="ctr"/>
-                      <a:endParaRPr lang="en-US" sz="3200" dirty="0">
-                        <a:solidFill>
-                          <a:schemeClr val="accent2">
-                            <a:lumMod val="50000"/>
-                          </a:schemeClr>
-                        </a:solidFill>
-                        <a:latin typeface="Wingdings 2" panose="05020102010507070707" pitchFamily="18" charset="2"/>
-                      </a:endParaRPr>
-                    </a:p>
-                  </a:txBody>
-                  <a:tcPr/>
-                </a:tc>
-                <a:extLst>
-                  <a:ext uri="{0D108BD9-81ED-4DB2-BD59-A6C34878D82A}">
-                    <a16:rowId xmlns="" xmlns:a16="http://schemas.microsoft.com/office/drawing/2014/main" val="2595382089"/>
-                  </a:ext>
-                </a:extLst>
-              </a:tr>
-              <a:tr h="1110881">
-                <a:tc>
-                  <a:txBody>
-                    <a:bodyPr/>
-                    <a:lstStyle/>
-                    <a:p>
-                      <a:r>
-                        <a:rPr lang="en-US" dirty="0"/>
-                        <a:t>Dereference as </a:t>
-                      </a:r>
-                      <a:r>
-                        <a:rPr lang="en-US" dirty="0" err="1"/>
-                        <a:t>rvalue</a:t>
-                      </a:r>
-                      <a:endParaRPr lang="ru-RU" dirty="0"/>
-                    </a:p>
-                    <a:p>
-                      <a:r>
-                        <a:rPr lang="en-US" dirty="0"/>
-                        <a:t>n = </a:t>
-                      </a:r>
-                      <a:r>
-                        <a:rPr lang="ru-RU" dirty="0"/>
-                        <a:t>*</a:t>
-                      </a:r>
-                      <a:r>
-                        <a:rPr lang="en-US" dirty="0"/>
-                        <a:t>A</a:t>
-                      </a:r>
-                    </a:p>
-                    <a:p>
-                      <a:r>
-                        <a:rPr lang="en-US" dirty="0"/>
-                        <a:t>n = A</a:t>
-                      </a:r>
-                      <a:r>
-                        <a:rPr lang="ru-RU" dirty="0"/>
-                        <a:t>-</a:t>
-                      </a:r>
-                      <a:r>
-                        <a:rPr lang="en-US" dirty="0"/>
-                        <a:t>&gt;m</a:t>
-                      </a:r>
-                    </a:p>
-                  </a:txBody>
-                  <a:tcPr/>
-                </a:tc>
-                <a:tc>
-                  <a:txBody>
-                    <a:bodyPr/>
-                    <a:lstStyle/>
-                    <a:p>
-                      <a:r>
-                        <a:rPr lang="en-US" dirty="0"/>
-                        <a:t>T operator*()</a:t>
-                      </a:r>
-                    </a:p>
-                    <a:p>
-                      <a:r>
-                        <a:rPr lang="en-US" dirty="0"/>
-                        <a:t>T operator-&gt;()</a:t>
-                      </a:r>
-                    </a:p>
-                  </a:txBody>
-                  <a:tcPr/>
-                </a:tc>
-                <a:tc>
-                  <a:txBody>
-                    <a:bodyPr/>
-                    <a:lstStyle/>
-                    <a:p>
-                      <a:pPr algn="ctr"/>
-                      <a:endParaRPr lang="ru-RU" sz="3200" dirty="0">
-                        <a:solidFill>
-                          <a:schemeClr val="accent2">
-                            <a:lumMod val="50000"/>
-                          </a:schemeClr>
-                        </a:solidFill>
-                        <a:latin typeface="Wingdings 2" panose="05020102010507070707" pitchFamily="18" charset="2"/>
-                        <a:sym typeface="Wingdings 2" panose="05020102010507070707" pitchFamily="18" charset="2"/>
-                      </a:endParaRPr>
-                    </a:p>
-                    <a:p>
-                      <a:pPr algn="ctr"/>
-                      <a:r>
-                        <a:rPr lang="ru-RU" sz="1600" dirty="0">
-                          <a:solidFill>
-                            <a:schemeClr val="tx1"/>
-                          </a:solidFill>
-                          <a:latin typeface="+mn-lt"/>
-                        </a:rPr>
-                        <a:t>Изменения значения, на которое указывает итератор, не сохраняются</a:t>
-                      </a:r>
-                      <a:endParaRPr lang="en-US" sz="2400" dirty="0">
-                        <a:solidFill>
-                          <a:schemeClr val="accent2">
-                            <a:lumMod val="50000"/>
-                          </a:schemeClr>
-                        </a:solidFill>
-                        <a:latin typeface="+mn-lt"/>
-                      </a:endParaRPr>
-                    </a:p>
-                  </a:txBody>
-                  <a:tcPr/>
-                </a:tc>
-                <a:tc>
-                  <a:txBody>
-                    <a:bodyPr/>
-                    <a:lstStyle/>
-                    <a:p>
-                      <a:pPr marL="0" marR="0" lvl="0" indent="0" algn="ctr" defTabSz="457200" rtl="0" eaLnBrk="1" fontAlgn="auto" latinLnBrk="0" hangingPunct="1">
-                        <a:lnSpc>
-                          <a:spcPct val="100000"/>
-                        </a:lnSpc>
-                        <a:spcBef>
-                          <a:spcPts val="0"/>
-                        </a:spcBef>
-                        <a:spcAft>
-                          <a:spcPts val="0"/>
-                        </a:spcAft>
-                        <a:buClrTx/>
-                        <a:buSzTx/>
-                        <a:buFontTx/>
-                        <a:buNone/>
-                        <a:tabLst/>
-                        <a:defRPr/>
-                      </a:pPr>
-                      <a:endParaRPr lang="en-US" sz="3200" dirty="0">
-                        <a:solidFill>
-                          <a:schemeClr val="accent5">
-                            <a:lumMod val="75000"/>
-                          </a:schemeClr>
-                        </a:solidFill>
-                      </a:endParaRPr>
-                    </a:p>
-                    <a:p>
-                      <a:pPr algn="ctr"/>
-                      <a:endParaRPr lang="en-US" sz="3200" dirty="0">
-                        <a:solidFill>
-                          <a:schemeClr val="accent2">
-                            <a:lumMod val="50000"/>
-                          </a:schemeClr>
-                        </a:solidFill>
-                      </a:endParaRPr>
-                    </a:p>
-                  </a:txBody>
-                  <a:tcPr/>
-                </a:tc>
-                <a:extLst>
-                  <a:ext uri="{0D108BD9-81ED-4DB2-BD59-A6C34878D82A}">
-                    <a16:rowId xmlns="" xmlns:a16="http://schemas.microsoft.com/office/drawing/2014/main" val="1389121230"/>
-                  </a:ext>
-                </a:extLst>
-              </a:tr>
-              <a:tr h="1101140">
-                <a:tc>
-                  <a:txBody>
-                    <a:bodyPr/>
-                    <a:lstStyle/>
-                    <a:p>
-                      <a:r>
-                        <a:rPr lang="en-US" dirty="0"/>
-                        <a:t>Dereference as </a:t>
-                      </a:r>
-                      <a:r>
-                        <a:rPr lang="en-US" dirty="0" err="1"/>
-                        <a:t>lvalue</a:t>
-                      </a:r>
-                      <a:endParaRPr lang="en-US" dirty="0"/>
-                    </a:p>
-                    <a:p>
-                      <a:r>
-                        <a:rPr lang="ru-RU" dirty="0"/>
-                        <a:t>*</a:t>
-                      </a:r>
-                      <a:r>
-                        <a:rPr lang="en-US" dirty="0"/>
-                        <a:t>A = n,</a:t>
-                      </a:r>
-                    </a:p>
-                    <a:p>
-                      <a:r>
-                        <a:rPr lang="en-US" dirty="0"/>
-                        <a:t>A-&gt;m = n</a:t>
-                      </a:r>
-                    </a:p>
-                  </a:txBody>
-                  <a:tcPr/>
-                </a:tc>
-                <a:tc>
-                  <a:txBody>
-                    <a:bodyPr/>
-                    <a:lstStyle/>
-                    <a:p>
-                      <a:r>
-                        <a:rPr lang="en-US" dirty="0"/>
-                        <a:t>T</a:t>
-                      </a:r>
-                      <a:r>
-                        <a:rPr lang="en-US" dirty="0">
-                          <a:latin typeface="Times New Roman" panose="02020603050405020304" pitchFamily="18" charset="0"/>
-                          <a:cs typeface="Times New Roman" panose="02020603050405020304" pitchFamily="18" charset="0"/>
-                        </a:rPr>
-                        <a:t>&amp; operator*()</a:t>
-                      </a:r>
-                    </a:p>
-                    <a:p>
-                      <a:r>
-                        <a:rPr lang="en-US" dirty="0">
-                          <a:latin typeface="Times New Roman" panose="02020603050405020304" pitchFamily="18" charset="0"/>
-                          <a:cs typeface="Times New Roman" panose="02020603050405020304" pitchFamily="18" charset="0"/>
-                        </a:rPr>
-                        <a:t>T&amp; operator-&gt;()</a:t>
-                      </a:r>
-                    </a:p>
-                  </a:txBody>
-                  <a:tcPr/>
-                </a:tc>
-                <a:tc>
-                  <a:txBody>
-                    <a:bodyPr/>
-                    <a:lstStyle/>
-                    <a:p>
-                      <a:pPr algn="ctr"/>
-                      <a:endParaRPr lang="en-US" sz="3200" dirty="0">
-                        <a:solidFill>
-                          <a:schemeClr val="accent5">
-                            <a:lumMod val="75000"/>
-                          </a:schemeClr>
-                        </a:solidFill>
-                      </a:endParaRPr>
-                    </a:p>
-                  </a:txBody>
-                  <a:tcPr/>
-                </a:tc>
-                <a:tc>
-                  <a:txBody>
-                    <a:bodyPr/>
-                    <a:lstStyle/>
-                    <a:p>
-                      <a:pPr algn="ctr"/>
-                      <a:endParaRPr lang="ru-RU" sz="3200" dirty="0">
-                        <a:solidFill>
-                          <a:schemeClr val="accent2">
-                            <a:lumMod val="50000"/>
-                          </a:schemeClr>
-                        </a:solidFill>
-                        <a:latin typeface="Wingdings 2" panose="05020102010507070707" pitchFamily="18" charset="2"/>
-                        <a:sym typeface="Wingdings 2" panose="05020102010507070707" pitchFamily="18" charset="2"/>
-                      </a:endParaRPr>
-                    </a:p>
-                    <a:p>
-                      <a:pPr algn="ctr"/>
-                      <a:r>
-                        <a:rPr lang="ru-RU" sz="1600" dirty="0">
-                          <a:solidFill>
-                            <a:schemeClr val="accent2">
-                              <a:lumMod val="50000"/>
-                            </a:schemeClr>
-                          </a:solidFill>
-                          <a:latin typeface="+mn-lt"/>
-                          <a:sym typeface="Wingdings 2" panose="05020102010507070707" pitchFamily="18" charset="2"/>
-                        </a:rPr>
-                        <a:t>Можно изменять значение, на которое указывает итератор</a:t>
-                      </a:r>
-                      <a:endParaRPr lang="en-US" sz="1600" dirty="0">
-                        <a:solidFill>
-                          <a:schemeClr val="accent2">
-                            <a:lumMod val="50000"/>
-                          </a:schemeClr>
-                        </a:solidFill>
-                        <a:latin typeface="+mn-lt"/>
-                      </a:endParaRPr>
-                    </a:p>
-                  </a:txBody>
-                  <a:tcPr/>
-                </a:tc>
-                <a:extLst>
-                  <a:ext uri="{0D108BD9-81ED-4DB2-BD59-A6C34878D82A}">
-                    <a16:rowId xmlns="" xmlns:a16="http://schemas.microsoft.com/office/drawing/2014/main" val="4012556742"/>
-                  </a:ext>
-                </a:extLst>
-              </a:tr>
-            </a:tbl>
-          </a:graphicData>
-        </a:graphic>
-      </p:graphicFrame>
-      <p:pic>
-        <p:nvPicPr>
-          <p:cNvPr id="5" name="Рисунок 4"/>
-          <p:cNvPicPr>
-            <a:picLocks noChangeAspect="1"/>
-          </p:cNvPicPr>
-          <p:nvPr/>
-        </p:nvPicPr>
-        <p:blipFill>
-          <a:blip r:embed="rId2" cstate="print">
-            <a:extLst>
-              <a:ext uri="{28A0092B-C50C-407E-A947-70E740481C1C}">
-                <a14:useLocalDpi xmlns:a14="http://schemas.microsoft.com/office/drawing/2010/main" val="0"/>
-              </a:ext>
-            </a:extLst>
-          </a:blip>
-          <a:stretch>
-            <a:fillRect/>
-          </a:stretch>
-        </p:blipFill>
-        <p:spPr>
-          <a:xfrm>
-            <a:off x="10296525" y="1157115"/>
-            <a:ext cx="519113" cy="519113"/>
-          </a:xfrm>
-          <a:prstGeom prst="rect">
-            <a:avLst/>
-          </a:prstGeom>
-        </p:spPr>
-      </p:pic>
-      <p:pic>
-        <p:nvPicPr>
-          <p:cNvPr id="6" name="Рисунок 5"/>
-          <p:cNvPicPr>
-            <a:picLocks noChangeAspect="1"/>
-          </p:cNvPicPr>
-          <p:nvPr/>
-        </p:nvPicPr>
-        <p:blipFill>
-          <a:blip r:embed="rId2" cstate="print">
-            <a:extLst>
-              <a:ext uri="{28A0092B-C50C-407E-A947-70E740481C1C}">
-                <a14:useLocalDpi xmlns:a14="http://schemas.microsoft.com/office/drawing/2010/main" val="0"/>
-              </a:ext>
-            </a:extLst>
-          </a:blip>
-          <a:stretch>
-            <a:fillRect/>
-          </a:stretch>
-        </p:blipFill>
-        <p:spPr>
-          <a:xfrm>
-            <a:off x="10296525" y="4471815"/>
-            <a:ext cx="519113" cy="519113"/>
-          </a:xfrm>
-          <a:prstGeom prst="rect">
-            <a:avLst/>
-          </a:prstGeom>
-        </p:spPr>
-      </p:pic>
-      <p:pic>
-        <p:nvPicPr>
-          <p:cNvPr id="7" name="Рисунок 6"/>
-          <p:cNvPicPr>
-            <a:picLocks noChangeAspect="1"/>
-          </p:cNvPicPr>
-          <p:nvPr/>
-        </p:nvPicPr>
-        <p:blipFill>
-          <a:blip r:embed="rId2" cstate="print">
-            <a:extLst>
-              <a:ext uri="{28A0092B-C50C-407E-A947-70E740481C1C}">
-                <a14:useLocalDpi xmlns:a14="http://schemas.microsoft.com/office/drawing/2010/main" val="0"/>
-              </a:ext>
-            </a:extLst>
-          </a:blip>
-          <a:stretch>
-            <a:fillRect/>
-          </a:stretch>
-        </p:blipFill>
-        <p:spPr>
-          <a:xfrm>
-            <a:off x="7629525" y="5671965"/>
-            <a:ext cx="519113" cy="519113"/>
-          </a:xfrm>
-          <a:prstGeom prst="rect">
-            <a:avLst/>
-          </a:prstGeom>
-        </p:spPr>
-      </p:pic>
-      <p:pic>
-        <p:nvPicPr>
-          <p:cNvPr id="8" name="Рисунок 7"/>
-          <p:cNvPicPr>
-            <a:picLocks noChangeAspect="1"/>
-          </p:cNvPicPr>
-          <p:nvPr/>
-        </p:nvPicPr>
-        <p:blipFill>
-          <a:blip r:embed="rId3" cstate="print">
-            <a:extLst>
-              <a:ext uri="{28A0092B-C50C-407E-A947-70E740481C1C}">
-                <a14:useLocalDpi xmlns:a14="http://schemas.microsoft.com/office/drawing/2010/main" val="0"/>
-              </a:ext>
-            </a:extLst>
-          </a:blip>
-          <a:stretch>
-            <a:fillRect/>
-          </a:stretch>
-        </p:blipFill>
-        <p:spPr>
-          <a:xfrm>
-            <a:off x="7629525" y="1157115"/>
-            <a:ext cx="409575" cy="468086"/>
-          </a:xfrm>
-          <a:prstGeom prst="rect">
-            <a:avLst/>
-          </a:prstGeom>
-        </p:spPr>
-      </p:pic>
-      <p:pic>
-        <p:nvPicPr>
-          <p:cNvPr id="9" name="Рисунок 8"/>
-          <p:cNvPicPr>
-            <a:picLocks noChangeAspect="1"/>
-          </p:cNvPicPr>
-          <p:nvPr/>
-        </p:nvPicPr>
-        <p:blipFill>
-          <a:blip r:embed="rId3" cstate="print">
-            <a:extLst>
-              <a:ext uri="{28A0092B-C50C-407E-A947-70E740481C1C}">
-                <a14:useLocalDpi xmlns:a14="http://schemas.microsoft.com/office/drawing/2010/main" val="0"/>
-              </a:ext>
-            </a:extLst>
-          </a:blip>
-          <a:stretch>
-            <a:fillRect/>
-          </a:stretch>
-        </p:blipFill>
-        <p:spPr>
-          <a:xfrm>
-            <a:off x="7629524" y="2946454"/>
-            <a:ext cx="409575" cy="468086"/>
-          </a:xfrm>
-          <a:prstGeom prst="rect">
-            <a:avLst/>
-          </a:prstGeom>
-        </p:spPr>
-      </p:pic>
-      <p:pic>
-        <p:nvPicPr>
-          <p:cNvPr id="10" name="Рисунок 9"/>
-          <p:cNvPicPr>
-            <a:picLocks noChangeAspect="1"/>
-          </p:cNvPicPr>
-          <p:nvPr/>
-        </p:nvPicPr>
-        <p:blipFill>
-          <a:blip r:embed="rId3" cstate="print">
-            <a:extLst>
-              <a:ext uri="{28A0092B-C50C-407E-A947-70E740481C1C}">
-                <a14:useLocalDpi xmlns:a14="http://schemas.microsoft.com/office/drawing/2010/main" val="0"/>
-              </a:ext>
-            </a:extLst>
-          </a:blip>
-          <a:stretch>
-            <a:fillRect/>
-          </a:stretch>
-        </p:blipFill>
-        <p:spPr>
-          <a:xfrm>
-            <a:off x="10406062" y="2946454"/>
-            <a:ext cx="409575" cy="468086"/>
-          </a:xfrm>
-          <a:prstGeom prst="rect">
-            <a:avLst/>
-          </a:prstGeom>
-        </p:spPr>
-      </p:pic>
-      <p:pic>
-        <p:nvPicPr>
-          <p:cNvPr id="11" name="Рисунок 10"/>
-          <p:cNvPicPr>
-            <a:picLocks noChangeAspect="1"/>
-          </p:cNvPicPr>
-          <p:nvPr/>
-        </p:nvPicPr>
-        <p:blipFill>
-          <a:blip r:embed="rId3" cstate="print">
-            <a:extLst>
-              <a:ext uri="{28A0092B-C50C-407E-A947-70E740481C1C}">
-                <a14:useLocalDpi xmlns:a14="http://schemas.microsoft.com/office/drawing/2010/main" val="0"/>
-              </a:ext>
-            </a:extLst>
-          </a:blip>
-          <a:stretch>
-            <a:fillRect/>
-          </a:stretch>
-        </p:blipFill>
-        <p:spPr>
-          <a:xfrm>
-            <a:off x="7629524" y="4075166"/>
-            <a:ext cx="409575" cy="468086"/>
-          </a:xfrm>
-          <a:prstGeom prst="rect">
-            <a:avLst/>
-          </a:prstGeom>
-        </p:spPr>
-      </p:pic>
-      <p:pic>
-        <p:nvPicPr>
-          <p:cNvPr id="13" name="Рисунок 12"/>
-          <p:cNvPicPr>
-            <a:picLocks noChangeAspect="1"/>
-          </p:cNvPicPr>
-          <p:nvPr/>
-        </p:nvPicPr>
-        <p:blipFill>
-          <a:blip r:embed="rId3" cstate="print">
-            <a:extLst>
-              <a:ext uri="{28A0092B-C50C-407E-A947-70E740481C1C}">
-                <a14:useLocalDpi xmlns:a14="http://schemas.microsoft.com/office/drawing/2010/main" val="0"/>
-              </a:ext>
-            </a:extLst>
-          </a:blip>
-          <a:stretch>
-            <a:fillRect/>
-          </a:stretch>
-        </p:blipFill>
-        <p:spPr>
-          <a:xfrm>
-            <a:off x="10406063" y="5437922"/>
-            <a:ext cx="409575" cy="468086"/>
-          </a:xfrm>
-          <a:prstGeom prst="rect">
-            <a:avLst/>
-          </a:prstGeom>
-        </p:spPr>
-      </p:pic>
-    </p:spTree>
-    <p:extLst>
-      <p:ext uri="{BB962C8B-B14F-4D97-AF65-F5344CB8AC3E}">
-        <p14:creationId xmlns:p14="http://schemas.microsoft.com/office/powerpoint/2010/main" val="1094576686"/>
-      </p:ext>
-    </p:extLst>
-  </p:cSld>
-  <p:clrMapOvr>
-    <a:masterClrMapping/>
-  </p:clrMapOvr>
-  <p:timing>
-    <p:tnLst>
-      <p:par>
-        <p:cTn id="1" dur="indefinite" restart="never" nodeType="tmRoot"/>
-      </p:par>
-    </p:tnLst>
-  </p:timing>
-</p:sld>
-</file>
-
-<file path=ppt/slides/slide6.xml><?xml version="1.0" encoding="utf-8"?>
-<p:sld xmlns:a="http://schemas.openxmlformats.org/drawingml/2006/main" xmlns:r="http://schemas.openxmlformats.org/officeDocument/2006/relationships" xmlns:p="http://schemas.openxmlformats.org/presentationml/2006/main">
-  <p:cSld>
-    <p:spTree>
-      <p:nvGrpSpPr>
-        <p:cNvPr id="1" name=""/>
-        <p:cNvGrpSpPr/>
-        <p:nvPr/>
-      </p:nvGrpSpPr>
-      <p:grpSpPr>
-        <a:xfrm>
-          <a:off x="0" y="0"/>
-          <a:ext cx="0" cy="0"/>
-          <a:chOff x="0" y="0"/>
-          <a:chExt cx="0" cy="0"/>
-        </a:xfrm>
-      </p:grpSpPr>
-      <p:sp>
-        <p:nvSpPr>
-          <p:cNvPr id="3" name="Content Placeholder 2">
-            <a:extLst>
-              <a:ext uri="{FF2B5EF4-FFF2-40B4-BE49-F238E27FC236}">
-                <a16:creationId xmlns="" xmlns:a16="http://schemas.microsoft.com/office/drawing/2014/main" id="{26CEDBBB-DE92-40B8-B2B5-F45A320C25F4}"/>
-              </a:ext>
-            </a:extLst>
-          </p:cNvPr>
-          <p:cNvSpPr>
-            <a:spLocks noGrp="1"/>
-          </p:cNvSpPr>
-          <p:nvPr>
-            <p:ph idx="1"/>
-          </p:nvPr>
-        </p:nvSpPr>
-        <p:spPr>
-          <a:xfrm>
-            <a:off x="6513922" y="816637"/>
-            <a:ext cx="5420411" cy="2750651"/>
-          </a:xfrm>
-          <a:solidFill>
-            <a:schemeClr val="bg1"/>
-          </a:solidFill>
-        </p:spPr>
-        <p:txBody>
-          <a:bodyPr>
-            <a:normAutofit/>
-          </a:bodyPr>
-          <a:lstStyle/>
-          <a:p>
-            <a:r>
-              <a:rPr lang="ru-RU" sz="2000" dirty="0"/>
-              <a:t>Когда не нужно изменять элементы контейнера, можно ограничится </a:t>
-            </a:r>
-            <a:r>
-              <a:rPr lang="en-US" sz="2000" dirty="0" err="1" smtClean="0"/>
-              <a:t>InputIterator</a:t>
-            </a:r>
-            <a:endParaRPr lang="ru-RU" sz="2000" dirty="0" smtClean="0"/>
-          </a:p>
-          <a:p>
-            <a:r>
-              <a:rPr lang="ru-RU" sz="2000" dirty="0" smtClean="0"/>
-              <a:t>Алгоритм должен завершить работу за один обход, т.к. </a:t>
-            </a:r>
-            <a:r>
-              <a:rPr lang="en-US" sz="2000" dirty="0" err="1" smtClean="0"/>
-              <a:t>InputIterator</a:t>
-            </a:r>
-            <a:r>
-              <a:rPr lang="en-US" sz="2000" dirty="0" smtClean="0"/>
-              <a:t> </a:t>
-            </a:r>
-            <a:r>
-              <a:rPr lang="ru-RU" sz="2000" dirty="0" smtClean="0"/>
-              <a:t>может только инкрементироваться, операции декрементирования не </a:t>
-            </a:r>
-            <a:r>
-              <a:rPr lang="ru-RU" sz="2000" dirty="0" err="1" smtClean="0"/>
-              <a:t>определёны</a:t>
-            </a:r>
-            <a:endParaRPr lang="ru-RU" sz="2000" dirty="0" smtClean="0"/>
-          </a:p>
-          <a:p>
-            <a:endParaRPr lang="en-US" sz="2000" dirty="0"/>
-          </a:p>
-        </p:txBody>
-      </p:sp>
-      <p:sp>
-        <p:nvSpPr>
-          <p:cNvPr id="4" name="Title 1">
-            <a:extLst>
-              <a:ext uri="{FF2B5EF4-FFF2-40B4-BE49-F238E27FC236}">
-                <a16:creationId xmlns="" xmlns:a16="http://schemas.microsoft.com/office/drawing/2014/main" id="{65E8CEB3-E3E6-4768-8409-72F9C78EF2D5}"/>
-              </a:ext>
-            </a:extLst>
-          </p:cNvPr>
-          <p:cNvSpPr txBox="1">
-            <a:spLocks/>
-          </p:cNvSpPr>
-          <p:nvPr/>
-        </p:nvSpPr>
-        <p:spPr>
-          <a:xfrm>
-            <a:off x="443058" y="128922"/>
-            <a:ext cx="11491275" cy="476150"/>
-          </a:xfrm>
-          <a:prstGeom prst="rect">
-            <a:avLst/>
-          </a:prstGeom>
-          <a:solidFill>
-            <a:schemeClr val="bg1"/>
-          </a:solidFill>
-          <a:ln>
-            <a:solidFill>
-              <a:schemeClr val="tx1"/>
-            </a:solidFill>
-          </a:ln>
-        </p:spPr>
-        <p:txBody>
-          <a:bodyPr vert="horz" lIns="91440" tIns="45720" rIns="91440" bIns="45720" rtlCol="0" anchor="t">
-            <a:noAutofit/>
-          </a:bodyPr>
-          <a:lstStyle>
-            <a:lvl1pPr algn="l" defTabSz="457200" rtl="0" eaLnBrk="1" latinLnBrk="0" hangingPunct="1">
-              <a:spcBef>
-                <a:spcPct val="0"/>
-              </a:spcBef>
-              <a:buNone/>
-              <a:defRPr sz="3600" kern="1200">
-                <a:solidFill>
-                  <a:schemeClr val="accent1"/>
-                </a:solidFill>
-                <a:latin typeface="+mj-lt"/>
-                <a:ea typeface="+mj-ea"/>
-                <a:cs typeface="+mj-cs"/>
-              </a:defRPr>
-            </a:lvl1pPr>
-            <a:lvl2pPr eaLnBrk="1" hangingPunct="1">
-              <a:defRPr>
-                <a:solidFill>
-                  <a:schemeClr val="tx2"/>
-                </a:solidFill>
-              </a:defRPr>
-            </a:lvl2pPr>
-            <a:lvl3pPr eaLnBrk="1" hangingPunct="1">
-              <a:defRPr>
-                <a:solidFill>
-                  <a:schemeClr val="tx2"/>
-                </a:solidFill>
-              </a:defRPr>
-            </a:lvl3pPr>
-            <a:lvl4pPr eaLnBrk="1" hangingPunct="1">
-              <a:defRPr>
-                <a:solidFill>
-                  <a:schemeClr val="tx2"/>
-                </a:solidFill>
-              </a:defRPr>
-            </a:lvl4pPr>
-            <a:lvl5pPr eaLnBrk="1" hangingPunct="1">
-              <a:defRPr>
-                <a:solidFill>
-                  <a:schemeClr val="tx2"/>
-                </a:solidFill>
-              </a:defRPr>
-            </a:lvl5pPr>
-            <a:lvl6pPr eaLnBrk="1" hangingPunct="1">
-              <a:defRPr>
-                <a:solidFill>
-                  <a:schemeClr val="tx2"/>
-                </a:solidFill>
-              </a:defRPr>
-            </a:lvl6pPr>
-            <a:lvl7pPr eaLnBrk="1" hangingPunct="1">
-              <a:defRPr>
-                <a:solidFill>
-                  <a:schemeClr val="tx2"/>
-                </a:solidFill>
-              </a:defRPr>
-            </a:lvl7pPr>
-            <a:lvl8pPr eaLnBrk="1" hangingPunct="1">
-              <a:defRPr>
-                <a:solidFill>
-                  <a:schemeClr val="tx2"/>
-                </a:solidFill>
-              </a:defRPr>
-            </a:lvl8pPr>
-            <a:lvl9pPr eaLnBrk="1" hangingPunct="1">
-              <a:defRPr>
-                <a:solidFill>
-                  <a:schemeClr val="tx2"/>
-                </a:solidFill>
-              </a:defRPr>
-            </a:lvl9pPr>
-          </a:lstStyle>
-          <a:p>
-            <a:pPr algn="ctr"/>
-            <a:r>
-              <a:rPr lang="en-US" sz="2800" dirty="0" err="1" smtClean="0"/>
-              <a:t>InputIterator</a:t>
-            </a:r>
-            <a:r>
-              <a:rPr lang="en-US" sz="2800" dirty="0" smtClean="0"/>
-              <a:t> </a:t>
-            </a:r>
-            <a:r>
-              <a:rPr lang="ru-RU" sz="2800" dirty="0"/>
-              <a:t>и </a:t>
-            </a:r>
-            <a:r>
-              <a:rPr lang="en-US" sz="2800" dirty="0" err="1"/>
-              <a:t>OutputIterator</a:t>
-            </a:r>
-            <a:endParaRPr lang="en-US" sz="2800" dirty="0"/>
-          </a:p>
-        </p:txBody>
-      </p:sp>
-      <p:pic>
-        <p:nvPicPr>
-          <p:cNvPr id="5" name="Picture 4">
-            <a:extLst>
-              <a:ext uri="{FF2B5EF4-FFF2-40B4-BE49-F238E27FC236}">
-                <a16:creationId xmlns="" xmlns:a16="http://schemas.microsoft.com/office/drawing/2014/main" id="{34A4F7A9-FB6D-4A56-A01D-FC2A9E6A3C9D}"/>
-              </a:ext>
-            </a:extLst>
-          </p:cNvPr>
-          <p:cNvPicPr>
-            <a:picLocks noChangeAspect="1"/>
-          </p:cNvPicPr>
-          <p:nvPr/>
-        </p:nvPicPr>
-        <p:blipFill>
-          <a:blip r:embed="rId2"/>
-          <a:stretch>
-            <a:fillRect/>
-          </a:stretch>
-        </p:blipFill>
-        <p:spPr>
-          <a:xfrm>
-            <a:off x="443058" y="816637"/>
-            <a:ext cx="5815995" cy="2750651"/>
-          </a:xfrm>
-          <a:prstGeom prst="rect">
-            <a:avLst/>
-          </a:prstGeom>
-        </p:spPr>
-      </p:pic>
-      <p:pic>
-        <p:nvPicPr>
-          <p:cNvPr id="6" name="Picture 5">
-            <a:extLst>
-              <a:ext uri="{FF2B5EF4-FFF2-40B4-BE49-F238E27FC236}">
-                <a16:creationId xmlns="" xmlns:a16="http://schemas.microsoft.com/office/drawing/2014/main" id="{F1E797CF-4454-4FBB-8EEA-F80C7C5FD663}"/>
-              </a:ext>
-            </a:extLst>
-          </p:cNvPr>
-          <p:cNvPicPr>
-            <a:picLocks noChangeAspect="1"/>
-          </p:cNvPicPr>
-          <p:nvPr/>
-        </p:nvPicPr>
-        <p:blipFill>
-          <a:blip r:embed="rId3"/>
-          <a:stretch>
-            <a:fillRect/>
-          </a:stretch>
-        </p:blipFill>
-        <p:spPr>
-          <a:xfrm>
-            <a:off x="481625" y="3994719"/>
-            <a:ext cx="5777428" cy="1945223"/>
-          </a:xfrm>
-          <a:prstGeom prst="rect">
-            <a:avLst/>
-          </a:prstGeom>
-        </p:spPr>
-      </p:pic>
-      <p:sp>
-        <p:nvSpPr>
-          <p:cNvPr id="7" name="Content Placeholder 2">
-            <a:extLst>
-              <a:ext uri="{FF2B5EF4-FFF2-40B4-BE49-F238E27FC236}">
-                <a16:creationId xmlns="" xmlns:a16="http://schemas.microsoft.com/office/drawing/2014/main" id="{B4FAFC74-F36D-4B61-BE12-E6EFAC28AC60}"/>
-              </a:ext>
-            </a:extLst>
-          </p:cNvPr>
-          <p:cNvSpPr txBox="1">
-            <a:spLocks/>
-          </p:cNvSpPr>
-          <p:nvPr/>
-        </p:nvSpPr>
-        <p:spPr>
-          <a:xfrm>
-            <a:off x="6513921" y="3994719"/>
-            <a:ext cx="5420411" cy="2147821"/>
-          </a:xfrm>
-          <a:prstGeom prst="rect">
-            <a:avLst/>
-          </a:prstGeom>
-          <a:solidFill>
-            <a:schemeClr val="bg1"/>
-          </a:solidFill>
-        </p:spPr>
-        <p:txBody>
-          <a:bodyPr vert="horz" lIns="91440" tIns="45720" rIns="91440" bIns="45720" rtlCol="0">
-            <a:normAutofit/>
-          </a:bodyPr>
-          <a:lstStyle>
-            <a:lvl1pPr marL="342900" indent="-342900" algn="l" defTabSz="457200" rtl="0" eaLnBrk="1" latinLnBrk="0" hangingPunct="1">
-              <a:spcBef>
-                <a:spcPts val="1000"/>
-              </a:spcBef>
-              <a:spcAft>
-                <a:spcPts val="0"/>
-              </a:spcAft>
-              <a:buClr>
-                <a:schemeClr val="accent1"/>
-              </a:buClr>
-              <a:buSzPct val="80000"/>
-              <a:buFont typeface="Wingdings 3" charset="2"/>
-              <a:buChar char=""/>
-              <a:defRPr sz="1800" kern="1200">
-                <a:solidFill>
-                  <a:schemeClr val="tx1">
-                    <a:lumMod val="75000"/>
-                    <a:lumOff val="25000"/>
-                  </a:schemeClr>
-                </a:solidFill>
-                <a:latin typeface="+mn-lt"/>
-                <a:ea typeface="+mn-ea"/>
-                <a:cs typeface="+mn-cs"/>
-              </a:defRPr>
-            </a:lvl1pPr>
-            <a:lvl2pPr marL="742950" indent="-285750" algn="l" defTabSz="457200" rtl="0" eaLnBrk="1" latinLnBrk="0" hangingPunct="1">
-              <a:spcBef>
-                <a:spcPts val="1000"/>
-              </a:spcBef>
-              <a:spcAft>
-                <a:spcPts val="0"/>
-              </a:spcAft>
-              <a:buClr>
-                <a:schemeClr val="accent1"/>
-              </a:buClr>
-              <a:buSzPct val="80000"/>
-              <a:buFont typeface="Wingdings 3" charset="2"/>
-              <a:buChar char=""/>
-              <a:defRPr sz="1600" kern="1200">
-                <a:solidFill>
-                  <a:schemeClr val="tx1">
-                    <a:lumMod val="75000"/>
-                    <a:lumOff val="25000"/>
-                  </a:schemeClr>
-                </a:solidFill>
-                <a:latin typeface="+mn-lt"/>
-                <a:ea typeface="+mn-ea"/>
-                <a:cs typeface="+mn-cs"/>
-              </a:defRPr>
-            </a:lvl2pPr>
-            <a:lvl3pPr marL="1143000" indent="-228600" algn="l" defTabSz="457200" rtl="0" eaLnBrk="1" latinLnBrk="0" hangingPunct="1">
-              <a:spcBef>
-                <a:spcPts val="1000"/>
-              </a:spcBef>
-              <a:spcAft>
-                <a:spcPts val="0"/>
-              </a:spcAft>
-              <a:buClr>
-                <a:schemeClr val="accent1"/>
-              </a:buClr>
-              <a:buSzPct val="80000"/>
-              <a:buFont typeface="Wingdings 3" charset="2"/>
-              <a:buChar char=""/>
-              <a:defRPr sz="1400" kern="1200">
-                <a:solidFill>
-                  <a:schemeClr val="tx1">
-                    <a:lumMod val="75000"/>
-                    <a:lumOff val="25000"/>
-                  </a:schemeClr>
-                </a:solidFill>
-                <a:latin typeface="+mn-lt"/>
-                <a:ea typeface="+mn-ea"/>
-                <a:cs typeface="+mn-cs"/>
-              </a:defRPr>
-            </a:lvl3pPr>
-            <a:lvl4pPr marL="1600200" indent="-228600" algn="l" defTabSz="457200" rtl="0" eaLnBrk="1" latinLnBrk="0" hangingPunct="1">
-              <a:spcBef>
-                <a:spcPts val="1000"/>
-              </a:spcBef>
-              <a:spcAft>
-                <a:spcPts val="0"/>
-              </a:spcAft>
-              <a:buClr>
-                <a:schemeClr val="accent1"/>
-              </a:buClr>
-              <a:buSzPct val="80000"/>
-              <a:buFont typeface="Wingdings 3" charset="2"/>
-              <a:buChar char=""/>
-              <a:defRPr sz="1200" kern="1200">
-                <a:solidFill>
-                  <a:schemeClr val="tx1">
-                    <a:lumMod val="75000"/>
-                    <a:lumOff val="25000"/>
-                  </a:schemeClr>
-                </a:solidFill>
-                <a:latin typeface="+mn-lt"/>
-                <a:ea typeface="+mn-ea"/>
-                <a:cs typeface="+mn-cs"/>
-              </a:defRPr>
-            </a:lvl4pPr>
-            <a:lvl5pPr marL="2057400" indent="-228600" algn="l" defTabSz="457200" rtl="0" eaLnBrk="1" latinLnBrk="0" hangingPunct="1">
-              <a:spcBef>
-                <a:spcPts val="1000"/>
-              </a:spcBef>
-              <a:spcAft>
-                <a:spcPts val="0"/>
-              </a:spcAft>
-              <a:buClr>
-                <a:schemeClr val="accent1"/>
-              </a:buClr>
-              <a:buSzPct val="80000"/>
-              <a:buFont typeface="Wingdings 3" charset="2"/>
-              <a:buChar char=""/>
-              <a:defRPr sz="1200" kern="1200">
-                <a:solidFill>
-                  <a:schemeClr val="tx1">
-                    <a:lumMod val="75000"/>
-                    <a:lumOff val="25000"/>
-                  </a:schemeClr>
-                </a:solidFill>
-                <a:latin typeface="+mn-lt"/>
-                <a:ea typeface="+mn-ea"/>
-                <a:cs typeface="+mn-cs"/>
-              </a:defRPr>
-            </a:lvl5pPr>
-            <a:lvl6pPr marL="2514600" indent="-228600" algn="l" defTabSz="457200" rtl="0" eaLnBrk="1" latinLnBrk="0" hangingPunct="1">
-              <a:spcBef>
-                <a:spcPts val="1000"/>
-              </a:spcBef>
-              <a:spcAft>
-                <a:spcPts val="0"/>
-              </a:spcAft>
-              <a:buClr>
-                <a:schemeClr val="accent1"/>
-              </a:buClr>
-              <a:buSzPct val="80000"/>
-              <a:buFont typeface="Wingdings 3" charset="2"/>
-              <a:buChar char=""/>
-              <a:defRPr sz="1200" kern="1200">
-                <a:solidFill>
-                  <a:schemeClr val="tx1">
-                    <a:lumMod val="75000"/>
-                    <a:lumOff val="25000"/>
-                  </a:schemeClr>
-                </a:solidFill>
-                <a:latin typeface="+mn-lt"/>
-                <a:ea typeface="+mn-ea"/>
-                <a:cs typeface="+mn-cs"/>
-              </a:defRPr>
-            </a:lvl6pPr>
-            <a:lvl7pPr marL="2971800" indent="-228600" algn="l" defTabSz="457200" rtl="0" eaLnBrk="1" latinLnBrk="0" hangingPunct="1">
-              <a:spcBef>
-                <a:spcPts val="1000"/>
-              </a:spcBef>
-              <a:spcAft>
-                <a:spcPts val="0"/>
-              </a:spcAft>
-              <a:buClr>
-                <a:schemeClr val="accent1"/>
-              </a:buClr>
-              <a:buSzPct val="80000"/>
-              <a:buFont typeface="Wingdings 3" charset="2"/>
-              <a:buChar char=""/>
-              <a:defRPr sz="1200" kern="1200">
-                <a:solidFill>
-                  <a:schemeClr val="tx1">
-                    <a:lumMod val="75000"/>
-                    <a:lumOff val="25000"/>
-                  </a:schemeClr>
-                </a:solidFill>
-                <a:latin typeface="+mn-lt"/>
-                <a:ea typeface="+mn-ea"/>
-                <a:cs typeface="+mn-cs"/>
-              </a:defRPr>
-            </a:lvl7pPr>
-            <a:lvl8pPr marL="3429000" indent="-228600" algn="l" defTabSz="457200" rtl="0" eaLnBrk="1" latinLnBrk="0" hangingPunct="1">
-              <a:spcBef>
-                <a:spcPts val="1000"/>
-              </a:spcBef>
-              <a:spcAft>
-                <a:spcPts val="0"/>
-              </a:spcAft>
-              <a:buClr>
-                <a:schemeClr val="accent1"/>
-              </a:buClr>
-              <a:buSzPct val="80000"/>
-              <a:buFont typeface="Wingdings 3" charset="2"/>
-              <a:buChar char=""/>
-              <a:defRPr sz="1200" kern="1200">
-                <a:solidFill>
-                  <a:schemeClr val="tx1">
-                    <a:lumMod val="75000"/>
-                    <a:lumOff val="25000"/>
-                  </a:schemeClr>
-                </a:solidFill>
-                <a:latin typeface="+mn-lt"/>
-                <a:ea typeface="+mn-ea"/>
-                <a:cs typeface="+mn-cs"/>
-              </a:defRPr>
-            </a:lvl8pPr>
-            <a:lvl9pPr marL="3886200" indent="-228600" algn="l" defTabSz="457200" rtl="0" eaLnBrk="1" latinLnBrk="0" hangingPunct="1">
-              <a:spcBef>
-                <a:spcPts val="1000"/>
-              </a:spcBef>
-              <a:spcAft>
-                <a:spcPts val="0"/>
-              </a:spcAft>
-              <a:buClr>
-                <a:schemeClr val="accent1"/>
-              </a:buClr>
-              <a:buSzPct val="80000"/>
-              <a:buFont typeface="Wingdings 3" charset="2"/>
-              <a:buChar char=""/>
-              <a:defRPr sz="1200" kern="1200">
-                <a:solidFill>
-                  <a:schemeClr val="tx1">
-                    <a:lumMod val="75000"/>
-                    <a:lumOff val="25000"/>
-                  </a:schemeClr>
-                </a:solidFill>
-                <a:latin typeface="+mn-lt"/>
-                <a:ea typeface="+mn-ea"/>
-                <a:cs typeface="+mn-cs"/>
-              </a:defRPr>
-            </a:lvl9pPr>
-          </a:lstStyle>
-          <a:p>
-            <a:r>
-              <a:rPr lang="en-US" sz="2000" dirty="0" err="1"/>
-              <a:t>InputIterator</a:t>
-            </a:r>
-            <a:r>
-              <a:rPr lang="en-US" sz="2000" dirty="0"/>
-              <a:t> </a:t>
-            </a:r>
-            <a:r>
-              <a:rPr lang="en-US" sz="2000" dirty="0" err="1"/>
-              <a:t>fisrt</a:t>
-            </a:r>
-            <a:r>
-              <a:rPr lang="en-US" sz="2000" dirty="0"/>
-              <a:t> </a:t>
-            </a:r>
-            <a:r>
-              <a:rPr lang="ru-RU" sz="2000" dirty="0"/>
-              <a:t>стоит слева от знака оператора сравнения. </a:t>
-            </a:r>
-            <a:endParaRPr lang="en-US" sz="2000" dirty="0"/>
-          </a:p>
-          <a:p>
-            <a:r>
-              <a:rPr lang="en-US" sz="2000" dirty="0" err="1"/>
-              <a:t>OutputIterator</a:t>
-            </a:r>
-            <a:r>
-              <a:rPr lang="en-US" sz="2000" dirty="0"/>
-              <a:t> result </a:t>
-            </a:r>
-            <a:r>
-              <a:rPr lang="ru-RU" sz="2000" dirty="0"/>
-              <a:t>изменят совй значение на то, на которое указывает </a:t>
-            </a:r>
-            <a:r>
-              <a:rPr lang="en-US" sz="2000" dirty="0" err="1"/>
-              <a:t>InputIterator</a:t>
-            </a:r>
-            <a:r>
-              <a:rPr lang="en-US" sz="2000" dirty="0"/>
-              <a:t> first</a:t>
-            </a:r>
-          </a:p>
-        </p:txBody>
-      </p:sp>
-    </p:spTree>
-    <p:extLst>
-      <p:ext uri="{BB962C8B-B14F-4D97-AF65-F5344CB8AC3E}">
-        <p14:creationId xmlns:p14="http://schemas.microsoft.com/office/powerpoint/2010/main" val="1113406346"/>
-      </p:ext>
-    </p:extLst>
-  </p:cSld>
-  <p:clrMapOvr>
-    <a:masterClrMapping/>
-  </p:clrMapOvr>
-  <p:timing>
-    <p:tnLst>
-      <p:par>
-        <p:cTn id="1" dur="indefinite" restart="never" nodeType="tmRoot"/>
-      </p:par>
-    </p:tnLst>
-  </p:timing>
-</p:sld>
-</file>
-
-<file path=ppt/slides/slide7.xml><?xml version="1.0" encoding="utf-8"?>
-<p:sld xmlns:a="http://schemas.openxmlformats.org/drawingml/2006/main" xmlns:r="http://schemas.openxmlformats.org/officeDocument/2006/relationships" xmlns:p="http://schemas.openxmlformats.org/presentationml/2006/main">
-  <p:cSld>
-    <p:spTree>
-      <p:nvGrpSpPr>
-        <p:cNvPr id="1" name=""/>
-        <p:cNvGrpSpPr/>
-        <p:nvPr/>
-      </p:nvGrpSpPr>
-      <p:grpSpPr>
-        <a:xfrm>
-          <a:off x="0" y="0"/>
-          <a:ext cx="0" cy="0"/>
-          <a:chOff x="0" y="0"/>
-          <a:chExt cx="0" cy="0"/>
-        </a:xfrm>
-      </p:grpSpPr>
-      <p:pic>
-        <p:nvPicPr>
-          <p:cNvPr id="4" name="Picture 3">
-            <a:extLst>
-              <a:ext uri="{FF2B5EF4-FFF2-40B4-BE49-F238E27FC236}">
-                <a16:creationId xmlns="" xmlns:a16="http://schemas.microsoft.com/office/drawing/2014/main" id="{7EBB1CAC-E82C-4575-A59E-808C14D22364}"/>
-              </a:ext>
-            </a:extLst>
-          </p:cNvPr>
-          <p:cNvPicPr>
-            <a:picLocks noChangeAspect="1"/>
-          </p:cNvPicPr>
-          <p:nvPr/>
-        </p:nvPicPr>
-        <p:blipFill rotWithShape="1">
-          <a:blip r:embed="rId2"/>
-          <a:srcRect b="10299"/>
-          <a:stretch/>
-        </p:blipFill>
-        <p:spPr>
-          <a:xfrm>
-            <a:off x="443058" y="1097316"/>
-            <a:ext cx="5829300" cy="1307218"/>
-          </a:xfrm>
-          <a:prstGeom prst="rect">
-            <a:avLst/>
-          </a:prstGeom>
-        </p:spPr>
-      </p:pic>
-      <p:sp>
-        <p:nvSpPr>
-          <p:cNvPr id="5" name="Title 1">
-            <a:extLst>
-              <a:ext uri="{FF2B5EF4-FFF2-40B4-BE49-F238E27FC236}">
-                <a16:creationId xmlns="" xmlns:a16="http://schemas.microsoft.com/office/drawing/2014/main" id="{AB45E17C-D635-444C-9E6E-9F0B20ABC34B}"/>
-              </a:ext>
-            </a:extLst>
-          </p:cNvPr>
-          <p:cNvSpPr txBox="1">
-            <a:spLocks/>
-          </p:cNvSpPr>
-          <p:nvPr/>
-        </p:nvSpPr>
-        <p:spPr>
-          <a:xfrm>
-            <a:off x="443058" y="128922"/>
-            <a:ext cx="11491275" cy="476150"/>
-          </a:xfrm>
-          <a:prstGeom prst="rect">
-            <a:avLst/>
-          </a:prstGeom>
-          <a:solidFill>
-            <a:schemeClr val="bg1"/>
-          </a:solidFill>
-          <a:ln>
-            <a:solidFill>
-              <a:schemeClr val="tx1"/>
-            </a:solidFill>
-          </a:ln>
-        </p:spPr>
-        <p:txBody>
-          <a:bodyPr vert="horz" lIns="91440" tIns="45720" rIns="91440" bIns="45720" rtlCol="0" anchor="t">
-            <a:noAutofit/>
-          </a:bodyPr>
-          <a:lstStyle>
-            <a:lvl1pPr algn="l" defTabSz="457200" rtl="0" eaLnBrk="1" latinLnBrk="0" hangingPunct="1">
-              <a:spcBef>
-                <a:spcPct val="0"/>
-              </a:spcBef>
-              <a:buNone/>
-              <a:defRPr sz="3600" kern="1200">
-                <a:solidFill>
-                  <a:schemeClr val="accent1"/>
-                </a:solidFill>
-                <a:latin typeface="+mj-lt"/>
-                <a:ea typeface="+mj-ea"/>
-                <a:cs typeface="+mj-cs"/>
-              </a:defRPr>
-            </a:lvl1pPr>
-            <a:lvl2pPr eaLnBrk="1" hangingPunct="1">
-              <a:defRPr>
-                <a:solidFill>
-                  <a:schemeClr val="tx2"/>
-                </a:solidFill>
-              </a:defRPr>
-            </a:lvl2pPr>
-            <a:lvl3pPr eaLnBrk="1" hangingPunct="1">
-              <a:defRPr>
-                <a:solidFill>
-                  <a:schemeClr val="tx2"/>
-                </a:solidFill>
-              </a:defRPr>
-            </a:lvl3pPr>
-            <a:lvl4pPr eaLnBrk="1" hangingPunct="1">
-              <a:defRPr>
-                <a:solidFill>
-                  <a:schemeClr val="tx2"/>
-                </a:solidFill>
-              </a:defRPr>
-            </a:lvl4pPr>
-            <a:lvl5pPr eaLnBrk="1" hangingPunct="1">
-              <a:defRPr>
-                <a:solidFill>
-                  <a:schemeClr val="tx2"/>
-                </a:solidFill>
-              </a:defRPr>
-            </a:lvl5pPr>
-            <a:lvl6pPr eaLnBrk="1" hangingPunct="1">
-              <a:defRPr>
-                <a:solidFill>
-                  <a:schemeClr val="tx2"/>
-                </a:solidFill>
-              </a:defRPr>
-            </a:lvl6pPr>
-            <a:lvl7pPr eaLnBrk="1" hangingPunct="1">
-              <a:defRPr>
-                <a:solidFill>
-                  <a:schemeClr val="tx2"/>
-                </a:solidFill>
-              </a:defRPr>
-            </a:lvl7pPr>
-            <a:lvl8pPr eaLnBrk="1" hangingPunct="1">
-              <a:defRPr>
-                <a:solidFill>
-                  <a:schemeClr val="tx2"/>
-                </a:solidFill>
-              </a:defRPr>
-            </a:lvl8pPr>
-            <a:lvl9pPr eaLnBrk="1" hangingPunct="1">
-              <a:defRPr>
-                <a:solidFill>
-                  <a:schemeClr val="tx2"/>
-                </a:solidFill>
-              </a:defRPr>
-            </a:lvl9pPr>
-          </a:lstStyle>
-          <a:p>
-            <a:pPr algn="ctr"/>
-            <a:r>
-              <a:rPr lang="en-US" sz="2800" dirty="0" err="1" smtClean="0"/>
-              <a:t>ForwardIterator</a:t>
-            </a:r>
-            <a:endParaRPr lang="en-US" sz="2800" dirty="0"/>
-          </a:p>
-        </p:txBody>
-      </p:sp>
-      <p:pic>
-        <p:nvPicPr>
-          <p:cNvPr id="6" name="Picture 5">
-            <a:extLst>
-              <a:ext uri="{FF2B5EF4-FFF2-40B4-BE49-F238E27FC236}">
-                <a16:creationId xmlns="" xmlns:a16="http://schemas.microsoft.com/office/drawing/2014/main" id="{C590E18E-DB35-48A2-8D01-CCDDC5796071}"/>
-              </a:ext>
-            </a:extLst>
-          </p:cNvPr>
-          <p:cNvPicPr>
-            <a:picLocks noChangeAspect="1"/>
-          </p:cNvPicPr>
-          <p:nvPr/>
-        </p:nvPicPr>
-        <p:blipFill>
-          <a:blip r:embed="rId3"/>
-          <a:stretch>
-            <a:fillRect/>
-          </a:stretch>
-        </p:blipFill>
-        <p:spPr>
-          <a:xfrm>
-            <a:off x="443058" y="3404401"/>
-            <a:ext cx="6330420" cy="2385376"/>
-          </a:xfrm>
-          <a:prstGeom prst="rect">
-            <a:avLst/>
-          </a:prstGeom>
-        </p:spPr>
-      </p:pic>
-      <p:sp>
-        <p:nvSpPr>
-          <p:cNvPr id="7" name="Content Placeholder 2">
-            <a:extLst>
-              <a:ext uri="{FF2B5EF4-FFF2-40B4-BE49-F238E27FC236}">
-                <a16:creationId xmlns="" xmlns:a16="http://schemas.microsoft.com/office/drawing/2014/main" id="{6423B81A-58F9-4F18-87B4-FC1F266353F5}"/>
-              </a:ext>
-            </a:extLst>
-          </p:cNvPr>
-          <p:cNvSpPr txBox="1">
-            <a:spLocks/>
-          </p:cNvSpPr>
-          <p:nvPr/>
-        </p:nvSpPr>
-        <p:spPr>
-          <a:xfrm>
-            <a:off x="6773478" y="755505"/>
-            <a:ext cx="5160855" cy="5843258"/>
-          </a:xfrm>
-          <a:prstGeom prst="rect">
-            <a:avLst/>
-          </a:prstGeom>
-          <a:solidFill>
-            <a:schemeClr val="bg1"/>
-          </a:solidFill>
-        </p:spPr>
-        <p:txBody>
-          <a:bodyPr vert="horz" lIns="91440" tIns="45720" rIns="91440" bIns="45720" rtlCol="0">
-            <a:noAutofit/>
-          </a:bodyPr>
-          <a:lstStyle>
-            <a:lvl1pPr marL="342900" indent="-342900" algn="l" defTabSz="457200" rtl="0" eaLnBrk="1" latinLnBrk="0" hangingPunct="1">
-              <a:spcBef>
-                <a:spcPts val="1000"/>
-              </a:spcBef>
-              <a:spcAft>
-                <a:spcPts val="0"/>
-              </a:spcAft>
-              <a:buClr>
-                <a:schemeClr val="accent1"/>
-              </a:buClr>
-              <a:buSzPct val="80000"/>
-              <a:buFont typeface="Wingdings 3" charset="2"/>
-              <a:buChar char=""/>
-              <a:defRPr sz="1800" kern="1200">
-                <a:solidFill>
-                  <a:schemeClr val="tx1">
-                    <a:lumMod val="75000"/>
-                    <a:lumOff val="25000"/>
-                  </a:schemeClr>
-                </a:solidFill>
-                <a:latin typeface="+mn-lt"/>
-                <a:ea typeface="+mn-ea"/>
-                <a:cs typeface="+mn-cs"/>
-              </a:defRPr>
-            </a:lvl1pPr>
-            <a:lvl2pPr marL="742950" indent="-285750" algn="l" defTabSz="457200" rtl="0" eaLnBrk="1" latinLnBrk="0" hangingPunct="1">
-              <a:spcBef>
-                <a:spcPts val="1000"/>
-              </a:spcBef>
-              <a:spcAft>
-                <a:spcPts val="0"/>
-              </a:spcAft>
-              <a:buClr>
-                <a:schemeClr val="accent1"/>
-              </a:buClr>
-              <a:buSzPct val="80000"/>
-              <a:buFont typeface="Wingdings 3" charset="2"/>
-              <a:buChar char=""/>
-              <a:defRPr sz="1600" kern="1200">
-                <a:solidFill>
-                  <a:schemeClr val="tx1">
-                    <a:lumMod val="75000"/>
-                    <a:lumOff val="25000"/>
-                  </a:schemeClr>
-                </a:solidFill>
-                <a:latin typeface="+mn-lt"/>
-                <a:ea typeface="+mn-ea"/>
-                <a:cs typeface="+mn-cs"/>
-              </a:defRPr>
-            </a:lvl2pPr>
-            <a:lvl3pPr marL="1143000" indent="-228600" algn="l" defTabSz="457200" rtl="0" eaLnBrk="1" latinLnBrk="0" hangingPunct="1">
-              <a:spcBef>
-                <a:spcPts val="1000"/>
-              </a:spcBef>
-              <a:spcAft>
-                <a:spcPts val="0"/>
-              </a:spcAft>
-              <a:buClr>
-                <a:schemeClr val="accent1"/>
-              </a:buClr>
-              <a:buSzPct val="80000"/>
-              <a:buFont typeface="Wingdings 3" charset="2"/>
-              <a:buChar char=""/>
-              <a:defRPr sz="1400" kern="1200">
-                <a:solidFill>
-                  <a:schemeClr val="tx1">
-                    <a:lumMod val="75000"/>
-                    <a:lumOff val="25000"/>
-                  </a:schemeClr>
-                </a:solidFill>
-                <a:latin typeface="+mn-lt"/>
-                <a:ea typeface="+mn-ea"/>
-                <a:cs typeface="+mn-cs"/>
-              </a:defRPr>
-            </a:lvl3pPr>
-            <a:lvl4pPr marL="1600200" indent="-228600" algn="l" defTabSz="457200" rtl="0" eaLnBrk="1" latinLnBrk="0" hangingPunct="1">
-              <a:spcBef>
-                <a:spcPts val="1000"/>
-              </a:spcBef>
-              <a:spcAft>
-                <a:spcPts val="0"/>
-              </a:spcAft>
-              <a:buClr>
-                <a:schemeClr val="accent1"/>
-              </a:buClr>
-              <a:buSzPct val="80000"/>
-              <a:buFont typeface="Wingdings 3" charset="2"/>
-              <a:buChar char=""/>
-              <a:defRPr sz="1200" kern="1200">
-                <a:solidFill>
-                  <a:schemeClr val="tx1">
-                    <a:lumMod val="75000"/>
-                    <a:lumOff val="25000"/>
-                  </a:schemeClr>
-                </a:solidFill>
-                <a:latin typeface="+mn-lt"/>
-                <a:ea typeface="+mn-ea"/>
-                <a:cs typeface="+mn-cs"/>
-              </a:defRPr>
-            </a:lvl4pPr>
-            <a:lvl5pPr marL="2057400" indent="-228600" algn="l" defTabSz="457200" rtl="0" eaLnBrk="1" latinLnBrk="0" hangingPunct="1">
-              <a:spcBef>
-                <a:spcPts val="1000"/>
-              </a:spcBef>
-              <a:spcAft>
-                <a:spcPts val="0"/>
-              </a:spcAft>
-              <a:buClr>
-                <a:schemeClr val="accent1"/>
-              </a:buClr>
-              <a:buSzPct val="80000"/>
-              <a:buFont typeface="Wingdings 3" charset="2"/>
-              <a:buChar char=""/>
-              <a:defRPr sz="1200" kern="1200">
-                <a:solidFill>
-                  <a:schemeClr val="tx1">
-                    <a:lumMod val="75000"/>
-                    <a:lumOff val="25000"/>
-                  </a:schemeClr>
-                </a:solidFill>
-                <a:latin typeface="+mn-lt"/>
-                <a:ea typeface="+mn-ea"/>
-                <a:cs typeface="+mn-cs"/>
-              </a:defRPr>
-            </a:lvl5pPr>
-            <a:lvl6pPr marL="2514600" indent="-228600" algn="l" defTabSz="457200" rtl="0" eaLnBrk="1" latinLnBrk="0" hangingPunct="1">
-              <a:spcBef>
-                <a:spcPts val="1000"/>
-              </a:spcBef>
-              <a:spcAft>
-                <a:spcPts val="0"/>
-              </a:spcAft>
-              <a:buClr>
-                <a:schemeClr val="accent1"/>
-              </a:buClr>
-              <a:buSzPct val="80000"/>
-              <a:buFont typeface="Wingdings 3" charset="2"/>
-              <a:buChar char=""/>
-              <a:defRPr sz="1200" kern="1200">
-                <a:solidFill>
-                  <a:schemeClr val="tx1">
-                    <a:lumMod val="75000"/>
-                    <a:lumOff val="25000"/>
-                  </a:schemeClr>
-                </a:solidFill>
-                <a:latin typeface="+mn-lt"/>
-                <a:ea typeface="+mn-ea"/>
-                <a:cs typeface="+mn-cs"/>
-              </a:defRPr>
-            </a:lvl6pPr>
-            <a:lvl7pPr marL="2971800" indent="-228600" algn="l" defTabSz="457200" rtl="0" eaLnBrk="1" latinLnBrk="0" hangingPunct="1">
-              <a:spcBef>
-                <a:spcPts val="1000"/>
-              </a:spcBef>
-              <a:spcAft>
-                <a:spcPts val="0"/>
-              </a:spcAft>
-              <a:buClr>
-                <a:schemeClr val="accent1"/>
-              </a:buClr>
-              <a:buSzPct val="80000"/>
-              <a:buFont typeface="Wingdings 3" charset="2"/>
-              <a:buChar char=""/>
-              <a:defRPr sz="1200" kern="1200">
-                <a:solidFill>
-                  <a:schemeClr val="tx1">
-                    <a:lumMod val="75000"/>
-                    <a:lumOff val="25000"/>
-                  </a:schemeClr>
-                </a:solidFill>
-                <a:latin typeface="+mn-lt"/>
-                <a:ea typeface="+mn-ea"/>
-                <a:cs typeface="+mn-cs"/>
-              </a:defRPr>
-            </a:lvl7pPr>
-            <a:lvl8pPr marL="3429000" indent="-228600" algn="l" defTabSz="457200" rtl="0" eaLnBrk="1" latinLnBrk="0" hangingPunct="1">
-              <a:spcBef>
-                <a:spcPts val="1000"/>
-              </a:spcBef>
-              <a:spcAft>
-                <a:spcPts val="0"/>
-              </a:spcAft>
-              <a:buClr>
-                <a:schemeClr val="accent1"/>
-              </a:buClr>
-              <a:buSzPct val="80000"/>
-              <a:buFont typeface="Wingdings 3" charset="2"/>
-              <a:buChar char=""/>
-              <a:defRPr sz="1200" kern="1200">
-                <a:solidFill>
-                  <a:schemeClr val="tx1">
-                    <a:lumMod val="75000"/>
-                    <a:lumOff val="25000"/>
-                  </a:schemeClr>
-                </a:solidFill>
-                <a:latin typeface="+mn-lt"/>
-                <a:ea typeface="+mn-ea"/>
-                <a:cs typeface="+mn-cs"/>
-              </a:defRPr>
-            </a:lvl8pPr>
-            <a:lvl9pPr marL="3886200" indent="-228600" algn="l" defTabSz="457200" rtl="0" eaLnBrk="1" latinLnBrk="0" hangingPunct="1">
-              <a:spcBef>
-                <a:spcPts val="1000"/>
-              </a:spcBef>
-              <a:spcAft>
-                <a:spcPts val="0"/>
-              </a:spcAft>
-              <a:buClr>
-                <a:schemeClr val="accent1"/>
-              </a:buClr>
-              <a:buSzPct val="80000"/>
-              <a:buFont typeface="Wingdings 3" charset="2"/>
-              <a:buChar char=""/>
-              <a:defRPr sz="1200" kern="1200">
-                <a:solidFill>
-                  <a:schemeClr val="tx1">
-                    <a:lumMod val="75000"/>
-                    <a:lumOff val="25000"/>
-                  </a:schemeClr>
-                </a:solidFill>
-                <a:latin typeface="+mn-lt"/>
-                <a:ea typeface="+mn-ea"/>
-                <a:cs typeface="+mn-cs"/>
-              </a:defRPr>
-            </a:lvl9pPr>
-          </a:lstStyle>
-          <a:p>
-            <a:r>
-              <a:rPr lang="en-US" sz="2000" dirty="0" err="1"/>
-              <a:t>ForwardIterator</a:t>
-            </a:r>
-            <a:r>
-              <a:rPr lang="en-US" sz="2000" dirty="0"/>
-              <a:t> </a:t>
-            </a:r>
-            <a:r>
-              <a:rPr lang="ru-RU" sz="2000" dirty="0"/>
-              <a:t>объединяет в себе функциональность </a:t>
-            </a:r>
-            <a:r>
-              <a:rPr lang="en-US" sz="2000" dirty="0" err="1"/>
-              <a:t>InutIterator</a:t>
-            </a:r>
-            <a:r>
-              <a:rPr lang="en-US" sz="2000" dirty="0"/>
-              <a:t> </a:t>
-            </a:r>
-            <a:r>
-              <a:rPr lang="ru-RU" sz="2000" dirty="0"/>
-              <a:t>и </a:t>
-            </a:r>
-            <a:r>
-              <a:rPr lang="en-US" sz="2000" dirty="0" err="1"/>
-              <a:t>OutputIterator</a:t>
-            </a:r>
-            <a:endParaRPr lang="en-US" sz="2000" dirty="0"/>
-          </a:p>
-          <a:p>
-            <a:r>
-              <a:rPr lang="ru-RU" sz="2000" dirty="0"/>
-              <a:t>Может использоваться в алгоритмах в качестве любого из них</a:t>
-            </a:r>
-            <a:r>
-              <a:rPr lang="en-US" sz="2000" dirty="0"/>
-              <a:t> </a:t>
-            </a:r>
-            <a:endParaRPr lang="ru-RU" sz="2000" dirty="0" smtClean="0"/>
-          </a:p>
-          <a:p>
-            <a:r>
-              <a:rPr lang="en-US" sz="2000" dirty="0" err="1" smtClean="0"/>
-              <a:t>ForwardIterator</a:t>
-            </a:r>
-            <a:r>
-              <a:rPr lang="en-US" sz="2000" dirty="0" smtClean="0"/>
-              <a:t> </a:t>
-            </a:r>
-            <a:r>
-              <a:rPr lang="en-US" sz="2000" dirty="0"/>
-              <a:t>first</a:t>
-            </a:r>
-            <a:r>
-              <a:rPr lang="ru-RU" sz="2000" dirty="0"/>
-              <a:t> стоит по левую сторону от знака оператора сравнения !=, т.е. он определяет этот </a:t>
-            </a:r>
-            <a:r>
-              <a:rPr lang="ru-RU" sz="2000" dirty="0" smtClean="0"/>
-              <a:t>оператор (это то, что умеет </a:t>
-            </a:r>
-            <a:r>
-              <a:rPr lang="en-US" sz="2000" dirty="0" err="1" smtClean="0"/>
-              <a:t>InputIterator</a:t>
-            </a:r>
-            <a:r>
-              <a:rPr lang="en-US" sz="2000" dirty="0" smtClean="0"/>
-              <a:t>, </a:t>
-            </a:r>
-            <a:r>
-              <a:rPr lang="ru-RU" sz="2000" dirty="0" smtClean="0"/>
-              <a:t>но не </a:t>
-            </a:r>
-            <a:r>
-              <a:rPr lang="en-US" sz="2000" dirty="0" err="1" smtClean="0"/>
-              <a:t>OutputIterator</a:t>
-            </a:r>
-            <a:r>
-              <a:rPr lang="ru-RU" sz="2000" dirty="0" smtClean="0"/>
-              <a:t>)</a:t>
-            </a:r>
-            <a:endParaRPr lang="ru-RU" sz="2000" dirty="0"/>
-          </a:p>
-          <a:p>
-            <a:r>
-              <a:rPr lang="en-US" sz="2000" dirty="0" err="1"/>
-              <a:t>ForwardIterator</a:t>
-            </a:r>
-            <a:r>
-              <a:rPr lang="en-US" sz="2000" dirty="0"/>
-              <a:t> first </a:t>
-            </a:r>
-            <a:r>
-              <a:rPr lang="ru-RU" sz="2000" dirty="0"/>
-              <a:t>разыменовывается с изменением </a:t>
-            </a:r>
-            <a:r>
-              <a:rPr lang="ru-RU" sz="2000" dirty="0" smtClean="0"/>
-              <a:t>значения</a:t>
-            </a:r>
-            <a:r>
-              <a:rPr lang="en-US" sz="2000" dirty="0" smtClean="0"/>
-              <a:t> </a:t>
-            </a:r>
-            <a:r>
-              <a:rPr lang="ru-RU" sz="2000" dirty="0"/>
-              <a:t>(это то, что </a:t>
-            </a:r>
-            <a:r>
-              <a:rPr lang="ru-RU" sz="2000" dirty="0" smtClean="0"/>
-              <a:t>умеет</a:t>
-            </a:r>
-            <a:r>
-              <a:rPr lang="en-US" sz="2000" dirty="0" smtClean="0"/>
-              <a:t> </a:t>
-            </a:r>
-            <a:r>
-              <a:rPr lang="en-US" sz="2000" dirty="0" err="1" smtClean="0"/>
-              <a:t>OutputIterator</a:t>
-            </a:r>
-            <a:r>
-              <a:rPr lang="en-US" sz="2000" dirty="0" smtClean="0"/>
-              <a:t>, </a:t>
-            </a:r>
-            <a:r>
-              <a:rPr lang="ru-RU" sz="2000" dirty="0" smtClean="0"/>
-              <a:t>но не </a:t>
-            </a:r>
-            <a:r>
-              <a:rPr lang="en-US" sz="2000" dirty="0" err="1" smtClean="0"/>
-              <a:t>InputIterator</a:t>
-            </a:r>
-            <a:r>
-              <a:rPr lang="ru-RU" sz="2000" dirty="0" smtClean="0"/>
-              <a:t>)</a:t>
-            </a:r>
-            <a:endParaRPr lang="en-US" sz="2000" dirty="0"/>
-          </a:p>
-        </p:txBody>
-      </p:sp>
-    </p:spTree>
-    <p:extLst>
-      <p:ext uri="{BB962C8B-B14F-4D97-AF65-F5344CB8AC3E}">
-        <p14:creationId xmlns:p14="http://schemas.microsoft.com/office/powerpoint/2010/main" val="3231888168"/>
-      </p:ext>
-    </p:extLst>
-  </p:cSld>
-  <p:clrMapOvr>
-    <a:masterClrMapping/>
-  </p:clrMapOvr>
-  <p:timing>
-    <p:tnLst>
-      <p:par>
-        <p:cTn id="1" dur="indefinite" restart="never" nodeType="tmRoot"/>
-      </p:par>
-    </p:tnLst>
-  </p:timing>
-</p:sld>
-</file>
-
-<file path=ppt/slides/slide8.xml><?xml version="1.0" encoding="utf-8"?>
-<p:sld xmlns:a="http://schemas.openxmlformats.org/drawingml/2006/main" xmlns:r="http://schemas.openxmlformats.org/officeDocument/2006/relationships" xmlns:p="http://schemas.openxmlformats.org/presentationml/2006/main">
-  <p:cSld>
-    <p:spTree>
-      <p:nvGrpSpPr>
-        <p:cNvPr id="1" name=""/>
-        <p:cNvGrpSpPr/>
-        <p:nvPr/>
-      </p:nvGrpSpPr>
-      <p:grpSpPr>
-        <a:xfrm>
-          <a:off x="0" y="0"/>
-          <a:ext cx="0" cy="0"/>
-          <a:chOff x="0" y="0"/>
-          <a:chExt cx="0" cy="0"/>
-        </a:xfrm>
-      </p:grpSpPr>
-      <p:sp>
-        <p:nvSpPr>
-          <p:cNvPr id="3" name="Объект 2"/>
-          <p:cNvSpPr>
-            <a:spLocks noGrp="1"/>
-          </p:cNvSpPr>
-          <p:nvPr>
-            <p:ph idx="1"/>
-          </p:nvPr>
-        </p:nvSpPr>
-        <p:spPr>
-          <a:xfrm>
-            <a:off x="5891753" y="793702"/>
-            <a:ext cx="6042580" cy="5607097"/>
-          </a:xfrm>
-          <a:solidFill>
-            <a:schemeClr val="bg1"/>
-          </a:solidFill>
-          <a:ln>
-            <a:solidFill>
-              <a:schemeClr val="bg1"/>
-            </a:solidFill>
-          </a:ln>
-        </p:spPr>
-        <p:txBody>
-          <a:bodyPr>
-            <a:normAutofit/>
-          </a:bodyPr>
-          <a:lstStyle/>
-          <a:p>
-            <a:r>
-              <a:rPr lang="en-US" sz="2000" dirty="0" err="1" smtClean="0"/>
-              <a:t>BidirectionalIterator</a:t>
-            </a:r>
-            <a:r>
-              <a:rPr lang="ru-RU" sz="2000" dirty="0" smtClean="0"/>
-              <a:t> умеет то же, что и </a:t>
-            </a:r>
-            <a:r>
-              <a:rPr lang="en-US" sz="2000" dirty="0" smtClean="0"/>
-              <a:t>Forward Iterator, </a:t>
-            </a:r>
-            <a:r>
-              <a:rPr lang="ru-RU" sz="2000" dirty="0" smtClean="0"/>
-              <a:t>но в дополнение к этому определяе</a:t>
-            </a:r>
-            <a:r>
-              <a:rPr lang="ru-RU" sz="2000" dirty="0"/>
-              <a:t>т</a:t>
-            </a:r>
-            <a:r>
-              <a:rPr lang="ru-RU" sz="2000" dirty="0" smtClean="0"/>
-              <a:t> операторы для </a:t>
-            </a:r>
-            <a:r>
-              <a:rPr lang="ru-RU" sz="2000" dirty="0" err="1" smtClean="0"/>
-              <a:t>предекремента</a:t>
-            </a:r>
-            <a:r>
-              <a:rPr lang="ru-RU" sz="2000" dirty="0" smtClean="0"/>
-              <a:t> и </a:t>
-            </a:r>
-            <a:r>
-              <a:rPr lang="ru-RU" sz="2000" dirty="0" err="1" smtClean="0"/>
-              <a:t>постдекремента</a:t>
-            </a:r>
-            <a:endParaRPr lang="en-US" sz="2000" dirty="0" smtClean="0"/>
-          </a:p>
-          <a:p>
-            <a:r>
-              <a:rPr lang="ru-RU" sz="2000" dirty="0" smtClean="0"/>
-              <a:t>Можно использовать там, где требуются </a:t>
-            </a:r>
-            <a:r>
-              <a:rPr lang="en-US" sz="2000" dirty="0" err="1" smtClean="0"/>
-              <a:t>InputIterator</a:t>
-            </a:r>
-            <a:r>
-              <a:rPr lang="en-US" sz="2000" dirty="0" smtClean="0"/>
-              <a:t>, </a:t>
-            </a:r>
-            <a:r>
-              <a:rPr lang="en-US" sz="2000" dirty="0" err="1" smtClean="0"/>
-              <a:t>OutputIterator</a:t>
-            </a:r>
-            <a:r>
-              <a:rPr lang="en-US" sz="2000" dirty="0" smtClean="0"/>
-              <a:t> </a:t>
-            </a:r>
-            <a:r>
-              <a:rPr lang="ru-RU" sz="2000" dirty="0" smtClean="0"/>
-              <a:t>и </a:t>
-            </a:r>
-            <a:r>
-              <a:rPr lang="en-US" sz="2000" dirty="0" err="1" smtClean="0"/>
-              <a:t>ForwardIterator</a:t>
-            </a:r>
-            <a:endParaRPr lang="ru-RU" sz="2000" dirty="0" smtClean="0"/>
-          </a:p>
-          <a:p>
-            <a:r>
-              <a:rPr lang="ru-RU" sz="2000" dirty="0" smtClean="0"/>
-              <a:t>Позволяет двигаться в обратном направлении, но на один элемент за раз</a:t>
-            </a:r>
-          </a:p>
-          <a:p>
-            <a:pPr marL="0" indent="0">
-              <a:buNone/>
-            </a:pPr>
-            <a:endParaRPr lang="en-US" sz="2000" dirty="0"/>
-          </a:p>
-        </p:txBody>
-      </p:sp>
-      <p:sp>
-        <p:nvSpPr>
-          <p:cNvPr id="4" name="Title 1">
-            <a:extLst>
-              <a:ext uri="{FF2B5EF4-FFF2-40B4-BE49-F238E27FC236}">
-                <a16:creationId xmlns="" xmlns:a16="http://schemas.microsoft.com/office/drawing/2014/main" id="{AB45E17C-D635-444C-9E6E-9F0B20ABC34B}"/>
-              </a:ext>
-            </a:extLst>
-          </p:cNvPr>
-          <p:cNvSpPr txBox="1">
-            <a:spLocks/>
-          </p:cNvSpPr>
-          <p:nvPr/>
-        </p:nvSpPr>
-        <p:spPr>
-          <a:xfrm>
-            <a:off x="443058" y="128922"/>
-            <a:ext cx="11491275" cy="549808"/>
-          </a:xfrm>
-          <a:prstGeom prst="rect">
-            <a:avLst/>
-          </a:prstGeom>
-          <a:solidFill>
-            <a:schemeClr val="bg1"/>
-          </a:solidFill>
-          <a:ln>
-            <a:solidFill>
-              <a:schemeClr val="tx1"/>
-            </a:solidFill>
-          </a:ln>
-        </p:spPr>
-        <p:txBody>
-          <a:bodyPr vert="horz" lIns="91440" tIns="45720" rIns="91440" bIns="45720" rtlCol="0" anchor="t">
-            <a:noAutofit/>
-          </a:bodyPr>
-          <a:lstStyle>
-            <a:lvl1pPr algn="l" defTabSz="457200" rtl="0" eaLnBrk="1" latinLnBrk="0" hangingPunct="1">
-              <a:spcBef>
-                <a:spcPct val="0"/>
-              </a:spcBef>
-              <a:buNone/>
-              <a:defRPr sz="3600" kern="1200">
-                <a:solidFill>
-                  <a:schemeClr val="accent1"/>
-                </a:solidFill>
-                <a:latin typeface="+mj-lt"/>
-                <a:ea typeface="+mj-ea"/>
-                <a:cs typeface="+mj-cs"/>
-              </a:defRPr>
-            </a:lvl1pPr>
-            <a:lvl2pPr eaLnBrk="1" hangingPunct="1">
-              <a:defRPr>
-                <a:solidFill>
-                  <a:schemeClr val="tx2"/>
-                </a:solidFill>
-              </a:defRPr>
-            </a:lvl2pPr>
-            <a:lvl3pPr eaLnBrk="1" hangingPunct="1">
-              <a:defRPr>
-                <a:solidFill>
-                  <a:schemeClr val="tx2"/>
-                </a:solidFill>
-              </a:defRPr>
-            </a:lvl3pPr>
-            <a:lvl4pPr eaLnBrk="1" hangingPunct="1">
-              <a:defRPr>
-                <a:solidFill>
-                  <a:schemeClr val="tx2"/>
-                </a:solidFill>
-              </a:defRPr>
-            </a:lvl4pPr>
-            <a:lvl5pPr eaLnBrk="1" hangingPunct="1">
-              <a:defRPr>
-                <a:solidFill>
-                  <a:schemeClr val="tx2"/>
-                </a:solidFill>
-              </a:defRPr>
-            </a:lvl5pPr>
-            <a:lvl6pPr eaLnBrk="1" hangingPunct="1">
-              <a:defRPr>
-                <a:solidFill>
-                  <a:schemeClr val="tx2"/>
-                </a:solidFill>
-              </a:defRPr>
-            </a:lvl6pPr>
-            <a:lvl7pPr eaLnBrk="1" hangingPunct="1">
-              <a:defRPr>
-                <a:solidFill>
-                  <a:schemeClr val="tx2"/>
-                </a:solidFill>
-              </a:defRPr>
-            </a:lvl7pPr>
-            <a:lvl8pPr eaLnBrk="1" hangingPunct="1">
-              <a:defRPr>
-                <a:solidFill>
-                  <a:schemeClr val="tx2"/>
-                </a:solidFill>
-              </a:defRPr>
-            </a:lvl8pPr>
-            <a:lvl9pPr eaLnBrk="1" hangingPunct="1">
-              <a:defRPr>
-                <a:solidFill>
-                  <a:schemeClr val="tx2"/>
-                </a:solidFill>
-              </a:defRPr>
-            </a:lvl9pPr>
-          </a:lstStyle>
-          <a:p>
-            <a:pPr algn="ctr"/>
-            <a:r>
-              <a:rPr lang="en-US" sz="2800" dirty="0" err="1" smtClean="0"/>
-              <a:t>BidirectionalIterator</a:t>
-            </a:r>
-            <a:endParaRPr lang="en-US" sz="2800" dirty="0"/>
-          </a:p>
-        </p:txBody>
-      </p:sp>
-      <p:pic>
-        <p:nvPicPr>
-          <p:cNvPr id="5" name="Рисунок 4"/>
-          <p:cNvPicPr>
-            <a:picLocks noChangeAspect="1"/>
-          </p:cNvPicPr>
-          <p:nvPr/>
-        </p:nvPicPr>
-        <p:blipFill>
-          <a:blip r:embed="rId2"/>
-          <a:stretch>
-            <a:fillRect/>
-          </a:stretch>
-        </p:blipFill>
-        <p:spPr>
-          <a:xfrm>
-            <a:off x="548523" y="922794"/>
-            <a:ext cx="5018928" cy="2169197"/>
-          </a:xfrm>
-          <a:prstGeom prst="rect">
-            <a:avLst/>
-          </a:prstGeom>
-        </p:spPr>
-      </p:pic>
-      <p:graphicFrame>
-        <p:nvGraphicFramePr>
-          <p:cNvPr id="6" name="Таблица 5"/>
-          <p:cNvGraphicFramePr>
-            <a:graphicFrameLocks noGrp="1"/>
-          </p:cNvGraphicFramePr>
-          <p:nvPr>
-            <p:extLst>
-              <p:ext uri="{D42A27DB-BD31-4B8C-83A1-F6EECF244321}">
-                <p14:modId xmlns:p14="http://schemas.microsoft.com/office/powerpoint/2010/main" val="3535189952"/>
-              </p:ext>
-            </p:extLst>
-          </p:nvPr>
-        </p:nvGraphicFramePr>
-        <p:xfrm>
-          <a:off x="548523" y="4133353"/>
-          <a:ext cx="5069851" cy="1564640"/>
-        </p:xfrm>
-        <a:graphic>
-          <a:graphicData uri="http://schemas.openxmlformats.org/drawingml/2006/table">
-            <a:tbl>
-              <a:tblPr firstRow="1" bandRow="1">
-                <a:tableStyleId>{5C22544A-7EE6-4342-B048-85BDC9FD1C3A}</a:tableStyleId>
-              </a:tblPr>
-              <a:tblGrid>
-                <a:gridCol w="2658359"/>
-                <a:gridCol w="2411492"/>
-              </a:tblGrid>
-              <a:tr h="370840">
-                <a:tc>
-                  <a:txBody>
-                    <a:bodyPr/>
-                    <a:lstStyle/>
-                    <a:p>
-                      <a:pPr algn="ctr"/>
-                      <a:r>
-                        <a:rPr lang="ru-RU" dirty="0" smtClean="0"/>
-                        <a:t>Операция</a:t>
-                      </a:r>
-                      <a:endParaRPr lang="en-US" dirty="0"/>
-                    </a:p>
-                  </a:txBody>
-                  <a:tcPr/>
-                </a:tc>
-                <a:tc>
-                  <a:txBody>
-                    <a:bodyPr/>
-                    <a:lstStyle/>
-                    <a:p>
-                      <a:pPr algn="ctr"/>
-                      <a:r>
-                        <a:rPr lang="ru-RU" dirty="0" smtClean="0"/>
-                        <a:t>Оператор</a:t>
-                      </a:r>
-                      <a:endParaRPr lang="en-US" dirty="0"/>
-                    </a:p>
-                  </a:txBody>
-                  <a:tcPr/>
-                </a:tc>
-              </a:tr>
-              <a:tr h="370840">
-                <a:tc gridSpan="2">
-                  <a:txBody>
-                    <a:bodyPr/>
-                    <a:lstStyle/>
-                    <a:p>
-                      <a:pPr algn="ctr"/>
-                      <a:r>
-                        <a:rPr lang="ru-RU" dirty="0" smtClean="0"/>
-                        <a:t>Все операторы </a:t>
-                      </a:r>
-                      <a:r>
-                        <a:rPr lang="en-US" dirty="0" err="1" smtClean="0"/>
-                        <a:t>ForwardIterator</a:t>
-                      </a:r>
-                      <a:endParaRPr lang="en-US" dirty="0"/>
-                    </a:p>
-                  </a:txBody>
-                  <a:tcPr/>
-                </a:tc>
-                <a:tc hMerge="1">
-                  <a:txBody>
-                    <a:bodyPr/>
-                    <a:lstStyle/>
-                    <a:p>
-                      <a:endParaRPr lang="en-US"/>
-                    </a:p>
-                  </a:txBody>
-                  <a:tcPr/>
-                </a:tc>
-              </a:tr>
-              <a:tr h="370840">
-                <a:tc>
-                  <a:txBody>
-                    <a:bodyPr/>
-                    <a:lstStyle/>
-                    <a:p>
-                      <a:r>
-                        <a:rPr lang="ru-RU" sz="1600" dirty="0" smtClean="0"/>
-                        <a:t>Декремент</a:t>
-                      </a:r>
-                      <a:endParaRPr lang="ru-RU" sz="1600" dirty="0"/>
-                    </a:p>
-                    <a:p>
-                      <a:r>
-                        <a:rPr lang="ru-RU" sz="1600" dirty="0" smtClean="0"/>
-                        <a:t>--</a:t>
-                      </a:r>
-                      <a:r>
-                        <a:rPr lang="en-US" sz="1600" dirty="0" smtClean="0"/>
-                        <a:t>A</a:t>
-                      </a:r>
-                      <a:endParaRPr lang="en-US" sz="1600" dirty="0"/>
-                    </a:p>
-                    <a:p>
-                      <a:r>
-                        <a:rPr lang="en-US" sz="1600" dirty="0" smtClean="0"/>
-                        <a:t>A</a:t>
-                      </a:r>
-                      <a:r>
-                        <a:rPr lang="ru-RU" sz="1600" dirty="0" smtClean="0"/>
-                        <a:t>--</a:t>
-                      </a:r>
-                    </a:p>
-                  </a:txBody>
-                  <a:tcPr/>
-                </a:tc>
-                <a:tc>
-                  <a:txBody>
-                    <a:bodyPr/>
-                    <a:lstStyle/>
-                    <a:p>
-                      <a:r>
-                        <a:rPr lang="en-US" dirty="0"/>
-                        <a:t>A</a:t>
-                      </a:r>
-                      <a:r>
-                        <a:rPr lang="en-US" dirty="0">
-                          <a:latin typeface="Times New Roman" panose="02020603050405020304" pitchFamily="18" charset="0"/>
-                          <a:cs typeface="Times New Roman" panose="02020603050405020304" pitchFamily="18" charset="0"/>
-                        </a:rPr>
-                        <a:t>&amp;</a:t>
-                      </a:r>
-                      <a:r>
-                        <a:rPr lang="en-US" dirty="0"/>
-                        <a:t> </a:t>
-                      </a:r>
-                      <a:r>
-                        <a:rPr lang="en-US" dirty="0" smtClean="0"/>
-                        <a:t>operator</a:t>
-                      </a:r>
-                      <a:r>
-                        <a:rPr lang="ru-RU" dirty="0" smtClean="0"/>
-                        <a:t>--</a:t>
-                      </a:r>
-                      <a:r>
-                        <a:rPr lang="en-US" dirty="0" smtClean="0"/>
-                        <a:t>()</a:t>
-                      </a:r>
-                      <a:endParaRPr lang="en-US" dirty="0"/>
-                    </a:p>
-                    <a:p>
-                      <a:r>
-                        <a:rPr lang="en-US" dirty="0"/>
-                        <a:t>A </a:t>
-                      </a:r>
-                      <a:r>
-                        <a:rPr lang="en-US" dirty="0" smtClean="0"/>
-                        <a:t>operator</a:t>
-                      </a:r>
-                      <a:r>
-                        <a:rPr lang="ru-RU" dirty="0" smtClean="0"/>
-                        <a:t>--</a:t>
-                      </a:r>
-                      <a:r>
-                        <a:rPr lang="en-US" dirty="0" smtClean="0"/>
-                        <a:t>(</a:t>
-                      </a:r>
-                      <a:r>
-                        <a:rPr lang="en-US" dirty="0" err="1" smtClean="0"/>
-                        <a:t>int</a:t>
-                      </a:r>
-                      <a:r>
-                        <a:rPr lang="en-US" dirty="0" smtClean="0"/>
-                        <a:t> </a:t>
-                      </a:r>
-                      <a:r>
-                        <a:rPr lang="en-US" dirty="0"/>
-                        <a:t>n)</a:t>
-                      </a:r>
-                    </a:p>
-                  </a:txBody>
-                  <a:tcPr/>
-                </a:tc>
-              </a:tr>
-            </a:tbl>
-          </a:graphicData>
-        </a:graphic>
-      </p:graphicFrame>
-      <p:sp>
-        <p:nvSpPr>
-          <p:cNvPr id="7" name="TextBox 6"/>
-          <p:cNvSpPr txBox="1"/>
-          <p:nvPr/>
-        </p:nvSpPr>
-        <p:spPr>
-          <a:xfrm>
-            <a:off x="1029290" y="3535052"/>
-            <a:ext cx="3774559" cy="369332"/>
-          </a:xfrm>
-          <a:prstGeom prst="rect">
-            <a:avLst/>
-          </a:prstGeom>
-          <a:noFill/>
-        </p:spPr>
-        <p:txBody>
-          <a:bodyPr wrap="none" rtlCol="0">
-            <a:spAutoFit/>
-          </a:bodyPr>
-          <a:lstStyle/>
-          <a:p>
-            <a:r>
-              <a:rPr lang="ru-RU" b="1" dirty="0" smtClean="0"/>
-              <a:t>Интерфейс </a:t>
-            </a:r>
-            <a:r>
-              <a:rPr lang="en-US" b="1" dirty="0" err="1" smtClean="0"/>
-              <a:t>BidirectionalIterator</a:t>
-            </a:r>
-            <a:endParaRPr lang="en-US" b="1" dirty="0"/>
-          </a:p>
-        </p:txBody>
-      </p:sp>
-    </p:spTree>
-    <p:extLst>
-      <p:ext uri="{BB962C8B-B14F-4D97-AF65-F5344CB8AC3E}">
-        <p14:creationId xmlns:p14="http://schemas.microsoft.com/office/powerpoint/2010/main" val="1979735223"/>
-      </p:ext>
-    </p:extLst>
-  </p:cSld>
-  <p:clrMapOvr>
-    <a:masterClrMapping/>
-  </p:clrMapOvr>
-</p:sld>
-</file>
-
-<file path=ppt/slides/slide9.xml><?xml version="1.0" encoding="utf-8"?>
-<p:sld xmlns:a="http://schemas.openxmlformats.org/drawingml/2006/main" xmlns:r="http://schemas.openxmlformats.org/officeDocument/2006/relationships" xmlns:p="http://schemas.openxmlformats.org/presentationml/2006/main">
-  <p:cSld>
-    <p:spTree>
-      <p:nvGrpSpPr>
-        <p:cNvPr id="1" name=""/>
-        <p:cNvGrpSpPr/>
-        <p:nvPr/>
-      </p:nvGrpSpPr>
-      <p:grpSpPr>
-        <a:xfrm>
-          <a:off x="0" y="0"/>
-          <a:ext cx="0" cy="0"/>
-          <a:chOff x="0" y="0"/>
-          <a:chExt cx="0" cy="0"/>
-        </a:xfrm>
-      </p:grpSpPr>
-      <p:sp>
-        <p:nvSpPr>
-          <p:cNvPr id="4" name="Title 1">
-            <a:extLst>
-              <a:ext uri="{FF2B5EF4-FFF2-40B4-BE49-F238E27FC236}">
-                <a16:creationId xmlns="" xmlns:a16="http://schemas.microsoft.com/office/drawing/2014/main" id="{AB45E17C-D635-444C-9E6E-9F0B20ABC34B}"/>
-              </a:ext>
-            </a:extLst>
-          </p:cNvPr>
-          <p:cNvSpPr txBox="1">
-            <a:spLocks/>
-          </p:cNvSpPr>
-          <p:nvPr/>
-        </p:nvSpPr>
-        <p:spPr>
-          <a:xfrm>
-            <a:off x="443058" y="128922"/>
-            <a:ext cx="11491275" cy="549808"/>
-          </a:xfrm>
-          <a:prstGeom prst="rect">
-            <a:avLst/>
-          </a:prstGeom>
-          <a:solidFill>
-            <a:schemeClr val="bg1"/>
-          </a:solidFill>
-          <a:ln>
-            <a:solidFill>
-              <a:schemeClr val="tx1"/>
-            </a:solidFill>
-          </a:ln>
-        </p:spPr>
-        <p:txBody>
-          <a:bodyPr vert="horz" lIns="91440" tIns="45720" rIns="91440" bIns="45720" rtlCol="0" anchor="t">
-            <a:noAutofit/>
-          </a:bodyPr>
-          <a:lstStyle>
-            <a:lvl1pPr algn="l" defTabSz="457200" rtl="0" eaLnBrk="1" latinLnBrk="0" hangingPunct="1">
-              <a:spcBef>
-                <a:spcPct val="0"/>
-              </a:spcBef>
-              <a:buNone/>
-              <a:defRPr sz="3600" kern="1200">
-                <a:solidFill>
-                  <a:schemeClr val="accent1"/>
-                </a:solidFill>
-                <a:latin typeface="+mj-lt"/>
-                <a:ea typeface="+mj-ea"/>
-                <a:cs typeface="+mj-cs"/>
-              </a:defRPr>
-            </a:lvl1pPr>
-            <a:lvl2pPr eaLnBrk="1" hangingPunct="1">
-              <a:defRPr>
-                <a:solidFill>
-                  <a:schemeClr val="tx2"/>
-                </a:solidFill>
-              </a:defRPr>
-            </a:lvl2pPr>
-            <a:lvl3pPr eaLnBrk="1" hangingPunct="1">
-              <a:defRPr>
-                <a:solidFill>
-                  <a:schemeClr val="tx2"/>
-                </a:solidFill>
-              </a:defRPr>
-            </a:lvl3pPr>
-            <a:lvl4pPr eaLnBrk="1" hangingPunct="1">
-              <a:defRPr>
-                <a:solidFill>
-                  <a:schemeClr val="tx2"/>
-                </a:solidFill>
-              </a:defRPr>
-            </a:lvl4pPr>
-            <a:lvl5pPr eaLnBrk="1" hangingPunct="1">
-              <a:defRPr>
-                <a:solidFill>
-                  <a:schemeClr val="tx2"/>
-                </a:solidFill>
-              </a:defRPr>
-            </a:lvl5pPr>
-            <a:lvl6pPr eaLnBrk="1" hangingPunct="1">
-              <a:defRPr>
-                <a:solidFill>
-                  <a:schemeClr val="tx2"/>
-                </a:solidFill>
-              </a:defRPr>
-            </a:lvl6pPr>
-            <a:lvl7pPr eaLnBrk="1" hangingPunct="1">
-              <a:defRPr>
-                <a:solidFill>
-                  <a:schemeClr val="tx2"/>
-                </a:solidFill>
-              </a:defRPr>
-            </a:lvl7pPr>
-            <a:lvl8pPr eaLnBrk="1" hangingPunct="1">
-              <a:defRPr>
-                <a:solidFill>
-                  <a:schemeClr val="tx2"/>
-                </a:solidFill>
-              </a:defRPr>
-            </a:lvl8pPr>
-            <a:lvl9pPr eaLnBrk="1" hangingPunct="1">
-              <a:defRPr>
-                <a:solidFill>
-                  <a:schemeClr val="tx2"/>
-                </a:solidFill>
-              </a:defRPr>
-            </a:lvl9pPr>
-          </a:lstStyle>
-          <a:p>
-            <a:pPr algn="ctr"/>
-            <a:r>
-              <a:rPr lang="en-US" sz="2800" dirty="0" err="1" smtClean="0"/>
-              <a:t>RandomAccessIterator</a:t>
-            </a:r>
-            <a:endParaRPr lang="en-US" sz="2800" dirty="0"/>
-          </a:p>
-        </p:txBody>
-      </p:sp>
-      <p:graphicFrame>
-        <p:nvGraphicFramePr>
-          <p:cNvPr id="5" name="Таблица 4"/>
-          <p:cNvGraphicFramePr>
-            <a:graphicFrameLocks noGrp="1"/>
-          </p:cNvGraphicFramePr>
-          <p:nvPr>
-            <p:extLst>
-              <p:ext uri="{D42A27DB-BD31-4B8C-83A1-F6EECF244321}">
-                <p14:modId xmlns:p14="http://schemas.microsoft.com/office/powerpoint/2010/main" val="1012206114"/>
-              </p:ext>
-            </p:extLst>
-          </p:nvPr>
-        </p:nvGraphicFramePr>
-        <p:xfrm>
-          <a:off x="443058" y="809170"/>
-          <a:ext cx="11444142" cy="5764296"/>
-        </p:xfrm>
-        <a:graphic>
-          <a:graphicData uri="http://schemas.openxmlformats.org/drawingml/2006/table">
-            <a:tbl>
-              <a:tblPr firstRow="1" bandRow="1">
-                <a:tableStyleId>{5C22544A-7EE6-4342-B048-85BDC9FD1C3A}</a:tableStyleId>
-              </a:tblPr>
-              <a:tblGrid>
-                <a:gridCol w="5291917"/>
-                <a:gridCol w="6152225"/>
-              </a:tblGrid>
-              <a:tr h="385448">
-                <a:tc>
-                  <a:txBody>
-                    <a:bodyPr/>
-                    <a:lstStyle/>
-                    <a:p>
-                      <a:pPr algn="ctr"/>
-                      <a:r>
-                        <a:rPr lang="ru-RU" dirty="0" smtClean="0"/>
-                        <a:t>Операция</a:t>
-                      </a:r>
-                      <a:endParaRPr lang="en-US" dirty="0"/>
-                    </a:p>
-                  </a:txBody>
-                  <a:tcPr/>
-                </a:tc>
-                <a:tc>
-                  <a:txBody>
-                    <a:bodyPr/>
-                    <a:lstStyle/>
-                    <a:p>
-                      <a:pPr algn="ctr"/>
-                      <a:r>
-                        <a:rPr lang="ru-RU" dirty="0" smtClean="0"/>
-                        <a:t>Оператор</a:t>
-                      </a:r>
-                      <a:endParaRPr lang="en-US" dirty="0"/>
-                    </a:p>
-                  </a:txBody>
-                  <a:tcPr/>
-                </a:tc>
-              </a:tr>
-              <a:tr h="509895">
-                <a:tc gridSpan="2">
-                  <a:txBody>
-                    <a:bodyPr/>
-                    <a:lstStyle/>
-                    <a:p>
-                      <a:pPr algn="ctr"/>
-                      <a:r>
-                        <a:rPr lang="ru-RU" dirty="0" smtClean="0"/>
-                        <a:t>Все операторы </a:t>
-                      </a:r>
-                      <a:r>
-                        <a:rPr lang="en-US" dirty="0" err="1" smtClean="0"/>
-                        <a:t>BidirectionalIterator</a:t>
-                      </a:r>
-                      <a:endParaRPr lang="en-US" dirty="0"/>
-                    </a:p>
-                  </a:txBody>
-                  <a:tcPr anchor="ctr"/>
-                </a:tc>
-                <a:tc hMerge="1">
-                  <a:txBody>
-                    <a:bodyPr/>
-                    <a:lstStyle/>
-                    <a:p>
-                      <a:endParaRPr lang="en-US"/>
-                    </a:p>
-                  </a:txBody>
-                  <a:tcPr/>
-                </a:tc>
-              </a:tr>
-              <a:tr h="385448">
-                <a:tc>
-                  <a:txBody>
-                    <a:bodyPr/>
-                    <a:lstStyle/>
-                    <a:p>
-                      <a:r>
-                        <a:rPr lang="ru-RU" sz="1800" dirty="0" smtClean="0"/>
-                        <a:t>Индексирование</a:t>
-                      </a:r>
-                    </a:p>
-                  </a:txBody>
-                  <a:tcPr anchor="ctr"/>
-                </a:tc>
-                <a:tc>
-                  <a:txBody>
-                    <a:bodyPr/>
-                    <a:lstStyle/>
-                    <a:p>
-                      <a:r>
-                        <a:rPr lang="en-US" sz="1800" dirty="0"/>
-                        <a:t>A</a:t>
-                      </a:r>
-                      <a:r>
-                        <a:rPr lang="en-US" sz="1800" dirty="0">
-                          <a:latin typeface="Times New Roman" panose="02020603050405020304" pitchFamily="18" charset="0"/>
-                          <a:cs typeface="Times New Roman" panose="02020603050405020304" pitchFamily="18" charset="0"/>
-                        </a:rPr>
-                        <a:t>&amp;</a:t>
-                      </a:r>
-                      <a:r>
-                        <a:rPr lang="en-US" sz="1800" dirty="0"/>
-                        <a:t> </a:t>
-                      </a:r>
-                      <a:r>
-                        <a:rPr lang="en-US" sz="1800" dirty="0" smtClean="0"/>
-                        <a:t>operator[](</a:t>
-                      </a:r>
-                      <a:r>
-                        <a:rPr lang="en-US" sz="1800" dirty="0" err="1" smtClean="0"/>
-                        <a:t>size_t</a:t>
-                      </a:r>
-                      <a:r>
-                        <a:rPr lang="en-US" sz="1800" dirty="0" smtClean="0"/>
-                        <a:t> </a:t>
-                      </a:r>
-                      <a:r>
-                        <a:rPr lang="en-US" sz="1800" dirty="0" err="1" smtClean="0"/>
-                        <a:t>i</a:t>
-                      </a:r>
-                      <a:r>
-                        <a:rPr lang="en-US" sz="1800" dirty="0" smtClean="0"/>
-                        <a:t>)</a:t>
-                      </a:r>
-                      <a:endParaRPr lang="en-US" sz="1800" dirty="0"/>
-                    </a:p>
-                  </a:txBody>
-                  <a:tcPr anchor="ctr"/>
-                </a:tc>
-              </a:tr>
-              <a:tr h="1172183">
-                <a:tc>
-                  <a:txBody>
-                    <a:bodyPr/>
-                    <a:lstStyle/>
-                    <a:p>
-                      <a:r>
-                        <a:rPr lang="ru-RU" sz="1800" dirty="0" smtClean="0"/>
-                        <a:t>Сдвиг на произвольное число элементов вперед</a:t>
-                      </a:r>
-                    </a:p>
-                  </a:txBody>
-                  <a:tcPr anchor="ctr"/>
-                </a:tc>
-                <a:tc>
-                  <a:txBody>
-                    <a:bodyPr/>
-                    <a:lstStyle/>
-                    <a:p>
-                      <a:r>
-                        <a:rPr lang="en-US" sz="1800" dirty="0" smtClean="0"/>
-                        <a:t>A</a:t>
-                      </a:r>
-                      <a:r>
-                        <a:rPr lang="en-US" sz="1800" dirty="0" smtClean="0">
-                          <a:latin typeface="Times New Roman" panose="02020603050405020304" pitchFamily="18" charset="0"/>
-                          <a:cs typeface="Times New Roman" panose="02020603050405020304" pitchFamily="18" charset="0"/>
-                        </a:rPr>
-                        <a:t>&amp;</a:t>
-                      </a:r>
-                      <a:r>
-                        <a:rPr lang="en-US" sz="1800" baseline="0" dirty="0" smtClean="0"/>
-                        <a:t> operator+=(</a:t>
-                      </a:r>
-                      <a:r>
-                        <a:rPr lang="en-US" sz="1800" baseline="0" dirty="0" err="1" smtClean="0"/>
-                        <a:t>size_t</a:t>
-                      </a:r>
-                      <a:r>
-                        <a:rPr lang="en-US" sz="1800" baseline="0" dirty="0" smtClean="0"/>
-                        <a:t> n)</a:t>
-                      </a:r>
-                    </a:p>
-                    <a:p>
-                      <a:pPr marL="0" marR="0" indent="0" algn="l" defTabSz="457200" rtl="0" eaLnBrk="1" fontAlgn="auto" latinLnBrk="0" hangingPunct="1">
-                        <a:lnSpc>
-                          <a:spcPct val="100000"/>
-                        </a:lnSpc>
-                        <a:spcBef>
-                          <a:spcPts val="0"/>
-                        </a:spcBef>
-                        <a:spcAft>
-                          <a:spcPts val="0"/>
-                        </a:spcAft>
-                        <a:buClrTx/>
-                        <a:buSzTx/>
-                        <a:buFontTx/>
-                        <a:buNone/>
-                        <a:tabLst/>
-                        <a:defRPr/>
-                      </a:pPr>
-                      <a:r>
-                        <a:rPr lang="en-US" sz="1800" dirty="0" smtClean="0"/>
-                        <a:t>A</a:t>
-                      </a:r>
-                      <a:r>
-                        <a:rPr lang="en-US" sz="1800" baseline="0" dirty="0" smtClean="0"/>
-                        <a:t> operator+(</a:t>
-                      </a:r>
-                      <a:r>
-                        <a:rPr lang="en-US" sz="1800" baseline="0" dirty="0" err="1" smtClean="0"/>
-                        <a:t>size_t</a:t>
-                      </a:r>
-                      <a:r>
-                        <a:rPr lang="en-US" sz="1800" baseline="0" dirty="0" smtClean="0"/>
-                        <a:t> n)</a:t>
-                      </a:r>
-                      <a:endParaRPr lang="en-US" sz="1800" dirty="0" smtClean="0"/>
-                    </a:p>
-                    <a:p>
-                      <a:r>
-                        <a:rPr lang="en-US" sz="1800" dirty="0" err="1" smtClean="0"/>
-                        <a:t>frined</a:t>
-                      </a:r>
-                      <a:r>
-                        <a:rPr lang="ru-RU" sz="1800" dirty="0" smtClean="0"/>
-                        <a:t> </a:t>
-                      </a:r>
-                      <a:r>
-                        <a:rPr lang="en-US" sz="1800" dirty="0" smtClean="0"/>
-                        <a:t>A operator+(</a:t>
-                      </a:r>
-                      <a:r>
-                        <a:rPr lang="en-US" sz="1800" dirty="0" err="1" smtClean="0"/>
-                        <a:t>const</a:t>
-                      </a:r>
-                      <a:r>
-                        <a:rPr lang="en-US" sz="1800" baseline="0" dirty="0" smtClean="0"/>
-                        <a:t> </a:t>
-                      </a:r>
-                      <a:r>
-                        <a:rPr lang="en-US" sz="1800" baseline="0" dirty="0" err="1" smtClean="0"/>
-                        <a:t>Iter</a:t>
-                      </a:r>
-                      <a:r>
-                        <a:rPr lang="en-US" sz="1800" baseline="0" dirty="0" smtClean="0">
-                          <a:latin typeface="Times New Roman" panose="02020603050405020304" pitchFamily="18" charset="0"/>
-                          <a:cs typeface="Times New Roman" panose="02020603050405020304" pitchFamily="18" charset="0"/>
-                        </a:rPr>
-                        <a:t>&amp;</a:t>
-                      </a:r>
-                      <a:r>
-                        <a:rPr lang="en-US" sz="1800" baseline="0" dirty="0" smtClean="0"/>
-                        <a:t> it, </a:t>
-                      </a:r>
-                      <a:r>
-                        <a:rPr lang="en-US" sz="1800" baseline="0" dirty="0" err="1" smtClean="0"/>
-                        <a:t>size_t</a:t>
-                      </a:r>
-                      <a:r>
-                        <a:rPr lang="en-US" sz="1800" baseline="0" dirty="0" smtClean="0"/>
-                        <a:t> n</a:t>
-                      </a:r>
-                      <a:r>
-                        <a:rPr lang="en-US" sz="1800" dirty="0" smtClean="0"/>
-                        <a:t>)</a:t>
-                      </a:r>
-                      <a:endParaRPr lang="en-US" sz="1800" dirty="0"/>
-                    </a:p>
-                  </a:txBody>
-                  <a:tcPr anchor="ctr"/>
-                </a:tc>
-              </a:tr>
-              <a:tr h="1172183">
-                <a:tc>
-                  <a:txBody>
-                    <a:bodyPr/>
-                    <a:lstStyle/>
-                    <a:p>
-                      <a:pPr marL="0" marR="0" indent="0" algn="l" defTabSz="457200" rtl="0" eaLnBrk="1" fontAlgn="auto" latinLnBrk="0" hangingPunct="1">
-                        <a:lnSpc>
-                          <a:spcPct val="100000"/>
-                        </a:lnSpc>
-                        <a:spcBef>
-                          <a:spcPts val="0"/>
-                        </a:spcBef>
-                        <a:spcAft>
-                          <a:spcPts val="0"/>
-                        </a:spcAft>
-                        <a:buClrTx/>
-                        <a:buSzTx/>
-                        <a:buFontTx/>
-                        <a:buNone/>
-                        <a:tabLst/>
-                        <a:defRPr/>
-                      </a:pPr>
-                      <a:r>
-                        <a:rPr lang="ru-RU" sz="1800" dirty="0" smtClean="0"/>
-                        <a:t>Сдвиг на произвольное число элементов назад</a:t>
-                      </a:r>
-                    </a:p>
-                    <a:p>
-                      <a:endParaRPr lang="ru-RU" sz="1800" dirty="0" smtClean="0"/>
-                    </a:p>
-                  </a:txBody>
-                  <a:tcPr anchor="ctr"/>
-                </a:tc>
-                <a:tc>
-                  <a:txBody>
-                    <a:bodyPr/>
-                    <a:lstStyle/>
-                    <a:p>
-                      <a:r>
-                        <a:rPr lang="en-US" sz="1800" dirty="0" smtClean="0"/>
-                        <a:t>A</a:t>
-                      </a:r>
-                      <a:r>
-                        <a:rPr lang="en-US" sz="1800" dirty="0" smtClean="0">
-                          <a:latin typeface="Times New Roman" panose="02020603050405020304" pitchFamily="18" charset="0"/>
-                          <a:cs typeface="Times New Roman" panose="02020603050405020304" pitchFamily="18" charset="0"/>
-                        </a:rPr>
-                        <a:t>&amp;</a:t>
-                      </a:r>
-                      <a:r>
-                        <a:rPr lang="en-US" sz="1800" baseline="0" dirty="0" smtClean="0"/>
-                        <a:t> operator</a:t>
-                      </a:r>
-                      <a:r>
-                        <a:rPr lang="ru-RU" sz="1800" baseline="0" dirty="0" smtClean="0"/>
-                        <a:t>-</a:t>
-                      </a:r>
-                      <a:r>
-                        <a:rPr lang="en-US" sz="1800" baseline="0" dirty="0" smtClean="0"/>
-                        <a:t>=(</a:t>
-                      </a:r>
-                      <a:r>
-                        <a:rPr lang="en-US" sz="1800" baseline="0" dirty="0" err="1" smtClean="0"/>
-                        <a:t>size_t</a:t>
-                      </a:r>
-                      <a:r>
-                        <a:rPr lang="en-US" sz="1800" baseline="0" dirty="0" smtClean="0"/>
-                        <a:t> n)</a:t>
-                      </a:r>
-                    </a:p>
-                    <a:p>
-                      <a:pPr marL="0" marR="0" indent="0" algn="l" defTabSz="457200" rtl="0" eaLnBrk="1" fontAlgn="auto" latinLnBrk="0" hangingPunct="1">
-                        <a:lnSpc>
-                          <a:spcPct val="100000"/>
-                        </a:lnSpc>
-                        <a:spcBef>
-                          <a:spcPts val="0"/>
-                        </a:spcBef>
-                        <a:spcAft>
-                          <a:spcPts val="0"/>
-                        </a:spcAft>
-                        <a:buClrTx/>
-                        <a:buSzTx/>
-                        <a:buFontTx/>
-                        <a:buNone/>
-                        <a:tabLst/>
-                        <a:defRPr/>
-                      </a:pPr>
-                      <a:r>
-                        <a:rPr lang="en-US" sz="1800" dirty="0" smtClean="0"/>
-                        <a:t>A</a:t>
-                      </a:r>
-                      <a:r>
-                        <a:rPr lang="en-US" sz="1800" baseline="0" dirty="0" smtClean="0"/>
-                        <a:t> operator</a:t>
-                      </a:r>
-                      <a:r>
-                        <a:rPr lang="ru-RU" sz="1800" baseline="0" dirty="0" smtClean="0"/>
-                        <a:t>-</a:t>
-                      </a:r>
-                      <a:r>
-                        <a:rPr lang="en-US" sz="1800" baseline="0" dirty="0" smtClean="0"/>
-                        <a:t>(</a:t>
-                      </a:r>
-                      <a:r>
-                        <a:rPr lang="en-US" sz="1800" baseline="0" dirty="0" err="1" smtClean="0"/>
-                        <a:t>size_t</a:t>
-                      </a:r>
-                      <a:r>
-                        <a:rPr lang="en-US" sz="1800" baseline="0" dirty="0" smtClean="0"/>
-                        <a:t> n)</a:t>
-                      </a:r>
-                      <a:endParaRPr lang="en-US" sz="1800" dirty="0" smtClean="0"/>
-                    </a:p>
-                    <a:p>
-                      <a:r>
-                        <a:rPr lang="en-US" sz="1800" dirty="0" err="1" smtClean="0"/>
-                        <a:t>frined</a:t>
-                      </a:r>
-                      <a:r>
-                        <a:rPr lang="ru-RU" sz="1800" baseline="0" dirty="0" smtClean="0"/>
-                        <a:t> </a:t>
-                      </a:r>
-                      <a:r>
-                        <a:rPr lang="en-US" sz="1800" dirty="0" smtClean="0"/>
-                        <a:t>A operator</a:t>
-                      </a:r>
-                      <a:r>
-                        <a:rPr lang="ru-RU" sz="1800" dirty="0" smtClean="0"/>
-                        <a:t>-</a:t>
-                      </a:r>
-                      <a:r>
-                        <a:rPr lang="en-US" sz="1800" dirty="0" smtClean="0"/>
-                        <a:t>(</a:t>
-                      </a:r>
-                      <a:r>
-                        <a:rPr lang="en-US" sz="1800" dirty="0" err="1" smtClean="0"/>
-                        <a:t>const</a:t>
-                      </a:r>
-                      <a:r>
-                        <a:rPr lang="en-US" sz="1800" baseline="0" dirty="0" smtClean="0"/>
-                        <a:t> </a:t>
-                      </a:r>
-                      <a:r>
-                        <a:rPr lang="en-US" sz="1800" baseline="0" dirty="0" err="1" smtClean="0"/>
-                        <a:t>Iter</a:t>
-                      </a:r>
-                      <a:r>
-                        <a:rPr lang="en-US" sz="1800" baseline="0" dirty="0" smtClean="0">
-                          <a:latin typeface="Times New Roman" panose="02020603050405020304" pitchFamily="18" charset="0"/>
-                          <a:cs typeface="Times New Roman" panose="02020603050405020304" pitchFamily="18" charset="0"/>
-                        </a:rPr>
-                        <a:t>&amp;</a:t>
-                      </a:r>
-                      <a:r>
-                        <a:rPr lang="en-US" sz="1800" baseline="0" dirty="0" smtClean="0"/>
-                        <a:t> it, </a:t>
-                      </a:r>
-                      <a:r>
-                        <a:rPr lang="en-US" sz="1800" baseline="0" dirty="0" err="1" smtClean="0"/>
-                        <a:t>size_t</a:t>
-                      </a:r>
-                      <a:r>
-                        <a:rPr lang="en-US" sz="1800" baseline="0" dirty="0" smtClean="0"/>
-                        <a:t> n</a:t>
-                      </a:r>
-                      <a:r>
-                        <a:rPr lang="en-US" sz="1800" dirty="0" smtClean="0"/>
-                        <a:t>)</a:t>
-                      </a:r>
-                    </a:p>
-                  </a:txBody>
-                  <a:tcPr anchor="ctr"/>
-                </a:tc>
-              </a:tr>
-              <a:tr h="950419">
-                <a:tc>
-                  <a:txBody>
-                    <a:bodyPr/>
-                    <a:lstStyle/>
-                    <a:p>
-                      <a:r>
-                        <a:rPr lang="ru-RU" sz="1800" dirty="0" smtClean="0"/>
-                        <a:t>Расстояние</a:t>
-                      </a:r>
-                      <a:r>
-                        <a:rPr lang="ru-RU" sz="1800" baseline="0" dirty="0" smtClean="0"/>
-                        <a:t> между итераторами (в элементах)</a:t>
-                      </a:r>
-                      <a:endParaRPr lang="ru-RU" sz="1800" dirty="0" smtClean="0"/>
-                    </a:p>
-                  </a:txBody>
-                  <a:tcPr anchor="ctr"/>
-                </a:tc>
-                <a:tc>
-                  <a:txBody>
-                    <a:bodyPr/>
-                    <a:lstStyle/>
-                    <a:p>
-                      <a:r>
-                        <a:rPr lang="en-US" sz="1800" dirty="0" err="1" smtClean="0"/>
-                        <a:t>ptrdiff_t</a:t>
-                      </a:r>
-                      <a:r>
-                        <a:rPr lang="en-US" sz="1800" dirty="0" smtClean="0"/>
-                        <a:t> operator-(</a:t>
-                      </a:r>
-                      <a:r>
-                        <a:rPr lang="en-US" sz="1800" dirty="0" err="1" smtClean="0"/>
-                        <a:t>const</a:t>
-                      </a:r>
-                      <a:r>
-                        <a:rPr lang="en-US" sz="1800" dirty="0" smtClean="0"/>
-                        <a:t> </a:t>
-                      </a:r>
-                      <a:r>
-                        <a:rPr lang="en-US" sz="1800" dirty="0" err="1" smtClean="0"/>
-                        <a:t>Iter</a:t>
-                      </a:r>
-                      <a:r>
-                        <a:rPr lang="en-US" sz="1800" dirty="0" smtClean="0">
-                          <a:latin typeface="Times New Roman" panose="02020603050405020304" pitchFamily="18" charset="0"/>
-                          <a:cs typeface="Times New Roman" panose="02020603050405020304" pitchFamily="18" charset="0"/>
-                        </a:rPr>
-                        <a:t>&amp;</a:t>
-                      </a:r>
-                      <a:r>
-                        <a:rPr lang="en-US" sz="1800" dirty="0" smtClean="0"/>
-                        <a:t> other)</a:t>
-                      </a:r>
-                      <a:endParaRPr lang="en-US" sz="1800" dirty="0"/>
-                    </a:p>
-                  </a:txBody>
-                  <a:tcPr anchor="ctr"/>
-                </a:tc>
-              </a:tr>
-              <a:tr h="1140502">
-                <a:tc>
-                  <a:txBody>
-                    <a:bodyPr/>
-                    <a:lstStyle/>
-                    <a:p>
-                      <a:r>
-                        <a:rPr lang="ru-RU" sz="1800" dirty="0" smtClean="0"/>
-                        <a:t>Сравнение</a:t>
-                      </a:r>
-                    </a:p>
-                  </a:txBody>
-                  <a:tcPr anchor="ctr"/>
-                </a:tc>
-                <a:tc>
-                  <a:txBody>
-                    <a:bodyPr/>
-                    <a:lstStyle/>
-                    <a:p>
-                      <a:r>
-                        <a:rPr lang="en-US" sz="1800" dirty="0" err="1" smtClean="0"/>
-                        <a:t>bool</a:t>
-                      </a:r>
-                      <a:r>
-                        <a:rPr lang="en-US" sz="1800" baseline="0" dirty="0" smtClean="0"/>
-                        <a:t> operator&lt;(</a:t>
-                      </a:r>
-                      <a:r>
-                        <a:rPr lang="en-US" sz="1800" baseline="0" dirty="0" err="1" smtClean="0"/>
-                        <a:t>const</a:t>
-                      </a:r>
-                      <a:r>
-                        <a:rPr lang="en-US" sz="1800" baseline="0" dirty="0" smtClean="0"/>
-                        <a:t> </a:t>
-                      </a:r>
-                      <a:r>
-                        <a:rPr lang="en-US" sz="1800" baseline="0" dirty="0" err="1" smtClean="0"/>
-                        <a:t>Iter</a:t>
-                      </a:r>
-                      <a:r>
-                        <a:rPr lang="en-US" sz="1800" baseline="0" dirty="0" smtClean="0">
-                          <a:latin typeface="Times New Roman" panose="02020603050405020304" pitchFamily="18" charset="0"/>
-                          <a:cs typeface="Times New Roman" panose="02020603050405020304" pitchFamily="18" charset="0"/>
-                        </a:rPr>
-                        <a:t>&amp;</a:t>
-                      </a:r>
-                      <a:r>
-                        <a:rPr lang="en-US" sz="1800" baseline="0" dirty="0" smtClean="0"/>
-                        <a:t> other)</a:t>
-                      </a:r>
-                    </a:p>
-                    <a:p>
-                      <a:pPr marL="0" marR="0" indent="0" algn="l" defTabSz="457200" rtl="0" eaLnBrk="1" fontAlgn="auto" latinLnBrk="0" hangingPunct="1">
-                        <a:lnSpc>
-                          <a:spcPct val="100000"/>
-                        </a:lnSpc>
-                        <a:spcBef>
-                          <a:spcPts val="0"/>
-                        </a:spcBef>
-                        <a:spcAft>
-                          <a:spcPts val="0"/>
-                        </a:spcAft>
-                        <a:buClrTx/>
-                        <a:buSzTx/>
-                        <a:buFontTx/>
-                        <a:buNone/>
-                        <a:tabLst/>
-                        <a:defRPr/>
-                      </a:pPr>
-                      <a:r>
-                        <a:rPr lang="en-US" sz="1800" dirty="0" err="1" smtClean="0"/>
-                        <a:t>bool</a:t>
-                      </a:r>
-                      <a:r>
-                        <a:rPr lang="en-US" sz="1800" baseline="0" dirty="0" smtClean="0"/>
-                        <a:t> operator&lt;=(</a:t>
-                      </a:r>
-                      <a:r>
-                        <a:rPr lang="en-US" sz="1800" baseline="0" dirty="0" err="1" smtClean="0"/>
-                        <a:t>const</a:t>
-                      </a:r>
-                      <a:r>
-                        <a:rPr lang="en-US" sz="1800" baseline="0" dirty="0" smtClean="0"/>
-                        <a:t> </a:t>
-                      </a:r>
-                      <a:r>
-                        <a:rPr lang="en-US" sz="1800" baseline="0" dirty="0" err="1" smtClean="0"/>
-                        <a:t>Iter</a:t>
-                      </a:r>
-                      <a:r>
-                        <a:rPr lang="en-US" sz="1800" baseline="0" dirty="0" smtClean="0">
-                          <a:latin typeface="Times New Roman" panose="02020603050405020304" pitchFamily="18" charset="0"/>
-                          <a:cs typeface="Times New Roman" panose="02020603050405020304" pitchFamily="18" charset="0"/>
-                        </a:rPr>
-                        <a:t>&amp;</a:t>
-                      </a:r>
-                      <a:r>
-                        <a:rPr lang="en-US" sz="1800" baseline="0" dirty="0" smtClean="0"/>
-                        <a:t> other)</a:t>
-                      </a:r>
-                    </a:p>
-                    <a:p>
-                      <a:pPr marL="0" marR="0" indent="0" algn="l" defTabSz="457200" rtl="0" eaLnBrk="1" fontAlgn="auto" latinLnBrk="0" hangingPunct="1">
-                        <a:lnSpc>
-                          <a:spcPct val="100000"/>
-                        </a:lnSpc>
-                        <a:spcBef>
-                          <a:spcPts val="0"/>
-                        </a:spcBef>
-                        <a:spcAft>
-                          <a:spcPts val="0"/>
-                        </a:spcAft>
-                        <a:buClrTx/>
-                        <a:buSzTx/>
-                        <a:buFontTx/>
-                        <a:buNone/>
-                        <a:tabLst/>
-                        <a:defRPr/>
-                      </a:pPr>
-                      <a:r>
-                        <a:rPr lang="en-US" sz="1800" dirty="0" err="1" smtClean="0"/>
-                        <a:t>bool</a:t>
-                      </a:r>
-                      <a:r>
-                        <a:rPr lang="en-US" sz="1800" baseline="0" dirty="0" smtClean="0"/>
-                        <a:t> operator&gt;(</a:t>
-                      </a:r>
-                      <a:r>
-                        <a:rPr lang="en-US" sz="1800" baseline="0" dirty="0" err="1" smtClean="0"/>
-                        <a:t>const</a:t>
-                      </a:r>
-                      <a:r>
-                        <a:rPr lang="en-US" sz="1800" baseline="0" dirty="0" smtClean="0"/>
-                        <a:t> </a:t>
-                      </a:r>
-                      <a:r>
-                        <a:rPr lang="en-US" sz="1800" baseline="0" dirty="0" err="1" smtClean="0"/>
-                        <a:t>Iter</a:t>
-                      </a:r>
-                      <a:r>
-                        <a:rPr lang="en-US" sz="1800" baseline="0" dirty="0" smtClean="0">
-                          <a:latin typeface="Times New Roman" panose="02020603050405020304" pitchFamily="18" charset="0"/>
-                          <a:cs typeface="Times New Roman" panose="02020603050405020304" pitchFamily="18" charset="0"/>
-                        </a:rPr>
-                        <a:t>&amp;</a:t>
-                      </a:r>
-                      <a:r>
-                        <a:rPr lang="en-US" sz="1800" baseline="0" dirty="0" smtClean="0"/>
-                        <a:t> other)</a:t>
-                      </a:r>
-                    </a:p>
-                    <a:p>
-                      <a:pPr marL="0" marR="0" indent="0" algn="l" defTabSz="457200" rtl="0" eaLnBrk="1" fontAlgn="auto" latinLnBrk="0" hangingPunct="1">
-                        <a:lnSpc>
-                          <a:spcPct val="100000"/>
-                        </a:lnSpc>
-                        <a:spcBef>
-                          <a:spcPts val="0"/>
-                        </a:spcBef>
-                        <a:spcAft>
-                          <a:spcPts val="0"/>
-                        </a:spcAft>
-                        <a:buClrTx/>
-                        <a:buSzTx/>
-                        <a:buFontTx/>
-                        <a:buNone/>
-                        <a:tabLst/>
-                        <a:defRPr/>
-                      </a:pPr>
-                      <a:r>
-                        <a:rPr lang="en-US" sz="1800" dirty="0" err="1" smtClean="0"/>
-                        <a:t>bool</a:t>
-                      </a:r>
-                      <a:r>
-                        <a:rPr lang="en-US" sz="1800" baseline="0" dirty="0" smtClean="0"/>
-                        <a:t> operator=&gt;(</a:t>
-                      </a:r>
-                      <a:r>
-                        <a:rPr lang="en-US" sz="1800" baseline="0" dirty="0" err="1" smtClean="0"/>
-                        <a:t>const</a:t>
-                      </a:r>
-                      <a:r>
-                        <a:rPr lang="en-US" sz="1800" baseline="0" dirty="0" smtClean="0"/>
-                        <a:t> </a:t>
-                      </a:r>
-                      <a:r>
-                        <a:rPr lang="en-US" sz="1800" baseline="0" dirty="0" err="1" smtClean="0"/>
-                        <a:t>Iter</a:t>
-                      </a:r>
-                      <a:r>
-                        <a:rPr lang="en-US" sz="1800" baseline="0" dirty="0" smtClean="0">
-                          <a:latin typeface="Times New Roman" panose="02020603050405020304" pitchFamily="18" charset="0"/>
-                          <a:cs typeface="Times New Roman" panose="02020603050405020304" pitchFamily="18" charset="0"/>
-                        </a:rPr>
-                        <a:t>&amp;</a:t>
-                      </a:r>
-                      <a:r>
-                        <a:rPr lang="en-US" sz="1800" baseline="0" dirty="0" smtClean="0"/>
-                        <a:t> other)</a:t>
-                      </a:r>
-                      <a:endParaRPr lang="en-US" sz="1800" dirty="0"/>
-                    </a:p>
-                  </a:txBody>
-                  <a:tcPr anchor="ctr"/>
-                </a:tc>
-              </a:tr>
-            </a:tbl>
-          </a:graphicData>
-        </a:graphic>
-      </p:graphicFrame>
-    </p:spTree>
-    <p:extLst>
-      <p:ext uri="{BB962C8B-B14F-4D97-AF65-F5344CB8AC3E}">
-        <p14:creationId xmlns:p14="http://schemas.microsoft.com/office/powerpoint/2010/main" val="525887296"/>
-      </p:ext>
-    </p:extLst>
-  </p:cSld>
-  <p:clrMapOvr>
-    <a:masterClrMapping/>
-  </p:clrMapOvr>
-</p:sld>
-</file>
-
 <file path=ppt/theme/theme1.xml><?xml version="1.0" encoding="utf-8"?>
 <a:theme xmlns:a="http://schemas.openxmlformats.org/drawingml/2006/main" name="Грань">
   <a:themeElements>
